--- a/Presentaciones/Capacitacion MVC - Dia 2.pptx
+++ b/Presentaciones/Capacitacion MVC - Dia 2.pptx
@@ -5,41 +5,42 @@
     <p:sldMasterId id="2147483671" r:id="rId1"/>
   </p:sldMasterIdLst>
   <p:notesMasterIdLst>
-    <p:notesMasterId r:id="rId34"/>
+    <p:notesMasterId r:id="rId35"/>
   </p:notesMasterIdLst>
   <p:sldIdLst>
     <p:sldId id="307" r:id="rId2"/>
     <p:sldId id="277" r:id="rId3"/>
     <p:sldId id="301" r:id="rId4"/>
     <p:sldId id="302" r:id="rId5"/>
-    <p:sldId id="300" r:id="rId6"/>
-    <p:sldId id="303" r:id="rId7"/>
-    <p:sldId id="261" r:id="rId8"/>
-    <p:sldId id="262" r:id="rId9"/>
-    <p:sldId id="266" r:id="rId10"/>
-    <p:sldId id="305" r:id="rId11"/>
-    <p:sldId id="304" r:id="rId12"/>
-    <p:sldId id="263" r:id="rId13"/>
-    <p:sldId id="306" r:id="rId14"/>
-    <p:sldId id="279" r:id="rId15"/>
-    <p:sldId id="270" r:id="rId16"/>
-    <p:sldId id="288" r:id="rId17"/>
-    <p:sldId id="281" r:id="rId18"/>
-    <p:sldId id="268" r:id="rId19"/>
-    <p:sldId id="283" r:id="rId20"/>
-    <p:sldId id="284" r:id="rId21"/>
-    <p:sldId id="286" r:id="rId22"/>
-    <p:sldId id="292" r:id="rId23"/>
-    <p:sldId id="289" r:id="rId24"/>
-    <p:sldId id="290" r:id="rId25"/>
-    <p:sldId id="295" r:id="rId26"/>
-    <p:sldId id="296" r:id="rId27"/>
-    <p:sldId id="297" r:id="rId28"/>
-    <p:sldId id="298" r:id="rId29"/>
-    <p:sldId id="299" r:id="rId30"/>
-    <p:sldId id="293" r:id="rId31"/>
-    <p:sldId id="291" r:id="rId32"/>
-    <p:sldId id="308" r:id="rId33"/>
+    <p:sldId id="309" r:id="rId6"/>
+    <p:sldId id="300" r:id="rId7"/>
+    <p:sldId id="303" r:id="rId8"/>
+    <p:sldId id="261" r:id="rId9"/>
+    <p:sldId id="262" r:id="rId10"/>
+    <p:sldId id="266" r:id="rId11"/>
+    <p:sldId id="305" r:id="rId12"/>
+    <p:sldId id="304" r:id="rId13"/>
+    <p:sldId id="263" r:id="rId14"/>
+    <p:sldId id="306" r:id="rId15"/>
+    <p:sldId id="279" r:id="rId16"/>
+    <p:sldId id="270" r:id="rId17"/>
+    <p:sldId id="288" r:id="rId18"/>
+    <p:sldId id="281" r:id="rId19"/>
+    <p:sldId id="268" r:id="rId20"/>
+    <p:sldId id="283" r:id="rId21"/>
+    <p:sldId id="284" r:id="rId22"/>
+    <p:sldId id="286" r:id="rId23"/>
+    <p:sldId id="292" r:id="rId24"/>
+    <p:sldId id="289" r:id="rId25"/>
+    <p:sldId id="290" r:id="rId26"/>
+    <p:sldId id="295" r:id="rId27"/>
+    <p:sldId id="296" r:id="rId28"/>
+    <p:sldId id="297" r:id="rId29"/>
+    <p:sldId id="298" r:id="rId30"/>
+    <p:sldId id="299" r:id="rId31"/>
+    <p:sldId id="293" r:id="rId32"/>
+    <p:sldId id="291" r:id="rId33"/>
+    <p:sldId id="308" r:id="rId34"/>
   </p:sldIdLst>
   <p:sldSz cx="12192000" cy="6858000"/>
   <p:notesSz cx="6858000" cy="9144000"/>
@@ -254,7 +255,7 @@
             <a:fld id="{28529363-3187-4C19-A72D-75CA2BA8E726}" type="datetimeFigureOut">
               <a:rPr lang="en-US" smtClean="0"/>
               <a:pPr/>
-              <a:t>10-Sep-15</a:t>
+              <a:t>9/17/2015</a:t>
             </a:fld>
             <a:endParaRPr lang="en-US" dirty="0"/>
           </a:p>
@@ -728,7 +729,7 @@
     </p:spTree>
     <p:extLst>
       <p:ext uri="{BB962C8B-B14F-4D97-AF65-F5344CB8AC3E}">
-        <p14:creationId xmlns:p14="http://schemas.microsoft.com/office/powerpoint/2010/main" val="1475553279"/>
+        <p14:creationId xmlns:p14="http://schemas.microsoft.com/office/powerpoint/2010/main" val="1209783158"/>
       </p:ext>
     </p:extLst>
   </p:cSld>
@@ -789,6 +790,35 @@
           </a:bodyPr>
           <a:lstStyle/>
           <a:p>
+            <a:pPr marL="0" indent="0">
+              <a:buNone/>
+            </a:pPr>
+            <a:r>
+              <a:rPr lang="es-US" dirty="0" smtClean="0"/>
+              <a:t>Explicar</a:t>
+            </a:r>
+            <a:r>
+              <a:rPr lang="es-US" baseline="0" dirty="0" smtClean="0"/>
+              <a:t> cómo implementar áreas directamente </a:t>
+            </a:r>
+            <a:r>
+              <a:rPr lang="es-US" baseline="0" dirty="0" err="1" smtClean="0"/>
+              <a:t>mostrandolo</a:t>
+            </a:r>
+            <a:r>
+              <a:rPr lang="es-US" baseline="0" dirty="0" smtClean="0"/>
+              <a:t> en </a:t>
+            </a:r>
+            <a:r>
+              <a:rPr lang="es-US" baseline="0" smtClean="0"/>
+              <a:t>el VS</a:t>
+            </a:r>
+            <a:endParaRPr lang="es-US" dirty="0" smtClean="0"/>
+          </a:p>
+          <a:p>
+            <a:pPr marL="228600" indent="-228600">
+              <a:buAutoNum type="arabicPeriod"/>
+            </a:pPr>
             <a:endParaRPr lang="es-AR" dirty="0"/>
           </a:p>
         </p:txBody>
@@ -811,7 +841,7 @@
             <a:fld id="{F0A8A4F1-DD7B-454E-8BE0-478365ADD5A0}" type="slidenum">
               <a:rPr lang="en-US" smtClean="0"/>
               <a:pPr/>
-              <a:t>15</a:t>
+              <a:t>14</a:t>
             </a:fld>
             <a:endParaRPr lang="en-US" dirty="0"/>
           </a:p>
@@ -820,7 +850,7 @@
     </p:spTree>
     <p:extLst>
       <p:ext uri="{BB962C8B-B14F-4D97-AF65-F5344CB8AC3E}">
-        <p14:creationId xmlns:p14="http://schemas.microsoft.com/office/powerpoint/2010/main" val="3107831439"/>
+        <p14:creationId xmlns:p14="http://schemas.microsoft.com/office/powerpoint/2010/main" val="1475553279"/>
       </p:ext>
     </p:extLst>
   </p:cSld>
@@ -912,7 +942,7 @@
     </p:spTree>
     <p:extLst>
       <p:ext uri="{BB962C8B-B14F-4D97-AF65-F5344CB8AC3E}">
-        <p14:creationId xmlns:p14="http://schemas.microsoft.com/office/powerpoint/2010/main" val="991083559"/>
+        <p14:creationId xmlns:p14="http://schemas.microsoft.com/office/powerpoint/2010/main" val="3107831439"/>
       </p:ext>
     </p:extLst>
   </p:cSld>
@@ -973,57 +1003,7 @@
           </a:bodyPr>
           <a:lstStyle/>
           <a:p>
-            <a:r>
-              <a:rPr lang="es-AR" dirty="0" smtClean="0"/>
-              <a:t>Dar una explicación de porque </a:t>
-            </a:r>
-            <a:r>
-              <a:rPr lang="es-AR" dirty="0" err="1" smtClean="0"/>
-              <a:t>tendriamos</a:t>
-            </a:r>
-            <a:r>
-              <a:rPr lang="es-AR" dirty="0" smtClean="0"/>
-              <a:t> que </a:t>
-            </a:r>
-            <a:r>
-              <a:rPr lang="es-AR" dirty="0" err="1" smtClean="0"/>
-              <a:t>redireccionar</a:t>
-            </a:r>
-            <a:r>
-              <a:rPr lang="es-AR" baseline="0" dirty="0" smtClean="0"/>
-              <a:t> a otro action desde el controller.</a:t>
-            </a:r>
-          </a:p>
-          <a:p>
-            <a:endParaRPr lang="es-AR" dirty="0" smtClean="0"/>
-          </a:p>
-          <a:p>
-            <a:r>
-              <a:rPr lang="es-AR" dirty="0" smtClean="0"/>
-              <a:t>Buen</a:t>
-            </a:r>
-            <a:r>
-              <a:rPr lang="es-AR" baseline="0" dirty="0" smtClean="0"/>
-              <a:t> explicación de </a:t>
-            </a:r>
-            <a:r>
-              <a:rPr lang="es-AR" baseline="0" dirty="0" err="1" smtClean="0"/>
-              <a:t>TempData</a:t>
-            </a:r>
-            <a:r>
-              <a:rPr lang="es-AR" baseline="0" dirty="0" smtClean="0"/>
-              <a:t> </a:t>
-            </a:r>
-            <a:r>
-              <a:rPr lang="en-US" dirty="0" smtClean="0">
-                <a:hlinkClick r:id="rId3"/>
-              </a:rPr>
-              <a:t>http://www.codeproject.com/Articles/476967/WhatplusisplusViewData-2cplusViewBagplusandplusTem</a:t>
-            </a:r>
-            <a:endParaRPr lang="en-US" dirty="0" smtClean="0"/>
-          </a:p>
-          <a:p>
-            <a:endParaRPr lang="es-MX" dirty="0" smtClean="0"/>
+            <a:endParaRPr lang="es-AR" dirty="0"/>
           </a:p>
         </p:txBody>
       </p:sp>
@@ -1045,7 +1025,7 @@
             <a:fld id="{F0A8A4F1-DD7B-454E-8BE0-478365ADD5A0}" type="slidenum">
               <a:rPr lang="en-US" smtClean="0"/>
               <a:pPr/>
-              <a:t>18</a:t>
+              <a:t>17</a:t>
             </a:fld>
             <a:endParaRPr lang="en-US" dirty="0"/>
           </a:p>
@@ -1054,7 +1034,7 @@
     </p:spTree>
     <p:extLst>
       <p:ext uri="{BB962C8B-B14F-4D97-AF65-F5344CB8AC3E}">
-        <p14:creationId xmlns:p14="http://schemas.microsoft.com/office/powerpoint/2010/main" val="3412145788"/>
+        <p14:creationId xmlns:p14="http://schemas.microsoft.com/office/powerpoint/2010/main" val="991083559"/>
       </p:ext>
     </p:extLst>
   </p:cSld>
@@ -1115,6 +1095,56 @@
           </a:bodyPr>
           <a:lstStyle/>
           <a:p>
+            <a:r>
+              <a:rPr lang="es-AR" dirty="0" smtClean="0"/>
+              <a:t>Dar una explicación de porque </a:t>
+            </a:r>
+            <a:r>
+              <a:rPr lang="es-AR" dirty="0" err="1" smtClean="0"/>
+              <a:t>tendriamos</a:t>
+            </a:r>
+            <a:r>
+              <a:rPr lang="es-AR" dirty="0" smtClean="0"/>
+              <a:t> que </a:t>
+            </a:r>
+            <a:r>
+              <a:rPr lang="es-AR" dirty="0" err="1" smtClean="0"/>
+              <a:t>redireccionar</a:t>
+            </a:r>
+            <a:r>
+              <a:rPr lang="es-AR" baseline="0" dirty="0" smtClean="0"/>
+              <a:t> a otro action desde el controller.</a:t>
+            </a:r>
+          </a:p>
+          <a:p>
+            <a:endParaRPr lang="es-AR" dirty="0" smtClean="0"/>
+          </a:p>
+          <a:p>
+            <a:r>
+              <a:rPr lang="es-AR" dirty="0" smtClean="0"/>
+              <a:t>Buen</a:t>
+            </a:r>
+            <a:r>
+              <a:rPr lang="es-AR" baseline="0" dirty="0" smtClean="0"/>
+              <a:t> explicación de </a:t>
+            </a:r>
+            <a:r>
+              <a:rPr lang="es-AR" baseline="0" dirty="0" err="1" smtClean="0"/>
+              <a:t>TempData</a:t>
+            </a:r>
+            <a:r>
+              <a:rPr lang="es-AR" baseline="0" dirty="0" smtClean="0"/>
+              <a:t> </a:t>
+            </a:r>
+            <a:r>
+              <a:rPr lang="en-US" dirty="0" smtClean="0">
+                <a:hlinkClick r:id="rId3"/>
+              </a:rPr>
+              <a:t>http://www.codeproject.com/Articles/476967/WhatplusisplusViewData-2cplusViewBagplusandplusTem</a:t>
+            </a:r>
+            <a:endParaRPr lang="en-US" dirty="0" smtClean="0"/>
+          </a:p>
+          <a:p>
             <a:endParaRPr lang="es-MX" dirty="0" smtClean="0"/>
           </a:p>
         </p:txBody>
@@ -1137,7 +1167,7 @@
             <a:fld id="{F0A8A4F1-DD7B-454E-8BE0-478365ADD5A0}" type="slidenum">
               <a:rPr lang="en-US" smtClean="0"/>
               <a:pPr/>
-              <a:t>22</a:t>
+              <a:t>19</a:t>
             </a:fld>
             <a:endParaRPr lang="en-US" dirty="0"/>
           </a:p>
@@ -1146,7 +1176,7 @@
     </p:spTree>
     <p:extLst>
       <p:ext uri="{BB962C8B-B14F-4D97-AF65-F5344CB8AC3E}">
-        <p14:creationId xmlns:p14="http://schemas.microsoft.com/office/powerpoint/2010/main" val="3833337312"/>
+        <p14:creationId xmlns:p14="http://schemas.microsoft.com/office/powerpoint/2010/main" val="3412145788"/>
       </p:ext>
     </p:extLst>
   </p:cSld>
@@ -1175,7 +1205,7 @@
       </p:grpSpPr>
       <p:sp>
         <p:nvSpPr>
-          <p:cNvPr id="2" name="Slide Image Placeholder 1"/>
+          <p:cNvPr id="2" name="1 Marcador de imagen de diapositiva"/>
           <p:cNvSpPr>
             <a:spLocks noGrp="1" noRot="1" noChangeAspect="1"/>
           </p:cNvSpPr>
@@ -1192,7 +1222,7 @@
       </p:sp>
       <p:sp>
         <p:nvSpPr>
-          <p:cNvPr id="3" name="Notes Placeholder 2"/>
+          <p:cNvPr id="3" name="2 Marcador de notas"/>
           <p:cNvSpPr>
             <a:spLocks noGrp="1"/>
           </p:cNvSpPr>
@@ -1202,74 +1232,18 @@
         </p:nvSpPr>
         <p:spPr/>
         <p:txBody>
-          <a:bodyPr/>
+          <a:bodyPr>
+            <a:normAutofit/>
+          </a:bodyPr>
           <a:lstStyle/>
           <a:p>
-            <a:r>
-              <a:rPr lang="es-ES" dirty="0" err="1" smtClean="0"/>
-              <a:t>Bootstrap</a:t>
-            </a:r>
-            <a:r>
-              <a:rPr lang="es-ES" dirty="0" smtClean="0"/>
-              <a:t> es una herramienta para el desarrollo rápido y correcto de aplicaciones y sitios web. </a:t>
-            </a:r>
-          </a:p>
-          <a:p>
-            <a:r>
-              <a:rPr lang="es-ES" dirty="0" smtClean="0"/>
-              <a:t>Fomenta las buenas prácticas de diseño y desarrollo web, conforme a estándares W3C. </a:t>
-            </a:r>
-          </a:p>
-          <a:p>
-            <a:r>
-              <a:rPr lang="es-ES" dirty="0" smtClean="0"/>
-              <a:t>Permite diseñar webs adaptables y fluidas, </a:t>
-            </a:r>
-            <a:r>
-              <a:rPr lang="es-ES" dirty="0" err="1" smtClean="0"/>
-              <a:t>visualizables</a:t>
-            </a:r>
-            <a:r>
-              <a:rPr lang="es-ES" dirty="0" smtClean="0"/>
-              <a:t> correctamente en múltiples dispositivos (</a:t>
-            </a:r>
-            <a:r>
-              <a:rPr lang="es-ES" dirty="0" err="1" smtClean="0"/>
-              <a:t>Responsive</a:t>
-            </a:r>
-            <a:r>
-              <a:rPr lang="es-ES" dirty="0" smtClean="0"/>
-              <a:t> Web </a:t>
-            </a:r>
-            <a:r>
-              <a:rPr lang="es-ES" dirty="0" err="1" smtClean="0"/>
-              <a:t>Design</a:t>
-            </a:r>
-            <a:r>
-              <a:rPr lang="es-ES" dirty="0" smtClean="0"/>
-              <a:t>). </a:t>
-            </a:r>
-          </a:p>
-          <a:p>
-            <a:r>
-              <a:rPr lang="es-ES" dirty="0" smtClean="0"/>
-              <a:t>Incluye una robusta base de HTML5, CSS3 y </a:t>
-            </a:r>
-            <a:r>
-              <a:rPr lang="es-ES" dirty="0" err="1" smtClean="0"/>
-              <a:t>Javascript</a:t>
-            </a:r>
-            <a:r>
-              <a:rPr lang="es-ES" dirty="0" smtClean="0"/>
-              <a:t>, también incluye elementos de diseño, tipografías, tablas, formularios, navegación, alertas, etc.</a:t>
-            </a:r>
-            <a:endParaRPr lang="en-US" dirty="0"/>
+            <a:endParaRPr lang="es-MX" dirty="0" smtClean="0"/>
           </a:p>
         </p:txBody>
       </p:sp>
       <p:sp>
         <p:nvSpPr>
-          <p:cNvPr id="4" name="Slide Number Placeholder 3"/>
+          <p:cNvPr id="4" name="3 Marcador de número de diapositiva"/>
           <p:cNvSpPr>
             <a:spLocks noGrp="1"/>
           </p:cNvSpPr>
@@ -1285,7 +1259,7 @@
             <a:fld id="{F0A8A4F1-DD7B-454E-8BE0-478365ADD5A0}" type="slidenum">
               <a:rPr lang="en-US" smtClean="0"/>
               <a:pPr/>
-              <a:t>24</a:t>
+              <a:t>23</a:t>
             </a:fld>
             <a:endParaRPr lang="en-US" dirty="0"/>
           </a:p>
@@ -1294,7 +1268,7 @@
     </p:spTree>
     <p:extLst>
       <p:ext uri="{BB962C8B-B14F-4D97-AF65-F5344CB8AC3E}">
-        <p14:creationId xmlns:p14="http://schemas.microsoft.com/office/powerpoint/2010/main" val="3275004003"/>
+        <p14:creationId xmlns:p14="http://schemas.microsoft.com/office/powerpoint/2010/main" val="3833337312"/>
       </p:ext>
     </p:extLst>
   </p:cSld>
@@ -1355,27 +1329,53 @@
           <a:p>
             <a:r>
               <a:rPr lang="es-ES" dirty="0" err="1" smtClean="0"/>
-              <a:t>Less</a:t>
+              <a:t>Bootstrap</a:t>
             </a:r>
             <a:r>
               <a:rPr lang="es-ES" dirty="0" smtClean="0"/>
-              <a:t> nos da la oportunidad de extender las posibilidades de las hojas de CSS normales, y además mejorando nuestra productividad. Simplemente escribimos nuestro CSS adaptado a las características de LESS como pueden ser el anidado (</a:t>
+              <a:t> es una herramienta para el desarrollo rápido y correcto de aplicaciones y sitios web. </a:t>
+            </a:r>
+          </a:p>
+          <a:p>
+            <a:r>
+              <a:rPr lang="es-ES" dirty="0" smtClean="0"/>
+              <a:t>Fomenta las buenas prácticas de diseño y desarrollo web, conforme a estándares W3C. </a:t>
+            </a:r>
+          </a:p>
+          <a:p>
+            <a:r>
+              <a:rPr lang="es-ES" dirty="0" smtClean="0"/>
+              <a:t>Permite diseñar webs adaptables y fluidas, </a:t>
             </a:r>
             <a:r>
               <a:rPr lang="es-ES" dirty="0" err="1" smtClean="0"/>
-              <a:t>nesting</a:t>
+              <a:t>visualizables</a:t>
             </a:r>
             <a:r>
               <a:rPr lang="es-ES" dirty="0" smtClean="0"/>
-              <a:t>) o las variables, y luego lo compilamos para que pueda ser </a:t>
+              <a:t> correctamente en múltiples dispositivos (</a:t>
             </a:r>
             <a:r>
               <a:rPr lang="es-ES" dirty="0" err="1" smtClean="0"/>
-              <a:t>leido</a:t>
+              <a:t>Responsive</a:t>
             </a:r>
             <a:r>
               <a:rPr lang="es-ES" dirty="0" smtClean="0"/>
-              <a:t> por los navegadores. Podemos compilar el código de varias maneras, como con un script en PHP, su versión para .NET o Mac OS, o con un simple </a:t>
+              <a:t> Web </a:t>
+            </a:r>
+            <a:r>
+              <a:rPr lang="es-ES" dirty="0" err="1" smtClean="0"/>
+              <a:t>Design</a:t>
+            </a:r>
+            <a:r>
+              <a:rPr lang="es-ES" dirty="0" smtClean="0"/>
+              <a:t>). </a:t>
+            </a:r>
+          </a:p>
+          <a:p>
+            <a:r>
+              <a:rPr lang="es-ES" dirty="0" smtClean="0"/>
+              <a:t>Incluye una robusta base de HTML5, CSS3 y </a:t>
             </a:r>
             <a:r>
               <a:rPr lang="es-ES" dirty="0" err="1" smtClean="0"/>
@@ -1383,23 +1383,7 @@
             </a:r>
             <a:r>
               <a:rPr lang="es-ES" dirty="0" smtClean="0"/>
-              <a:t> que cargaremos después de incluir nuestro archivo .</a:t>
-            </a:r>
-            <a:r>
-              <a:rPr lang="es-ES" dirty="0" err="1" smtClean="0"/>
-              <a:t>less</a:t>
-            </a:r>
-            <a:r>
-              <a:rPr lang="es-ES" dirty="0" smtClean="0"/>
-              <a:t> en el </a:t>
-            </a:r>
-            <a:r>
-              <a:rPr lang="es-ES" dirty="0" err="1" smtClean="0"/>
-              <a:t>hmtl</a:t>
-            </a:r>
-            <a:r>
-              <a:rPr lang="es-ES" dirty="0" smtClean="0"/>
-              <a:t>.</a:t>
+              <a:t>, también incluye elementos de diseño, tipografías, tablas, formularios, navegación, alertas, etc.</a:t>
             </a:r>
             <a:endParaRPr lang="en-US" dirty="0"/>
           </a:p>
@@ -1423,7 +1407,145 @@
             <a:fld id="{F0A8A4F1-DD7B-454E-8BE0-478365ADD5A0}" type="slidenum">
               <a:rPr lang="en-US" smtClean="0"/>
               <a:pPr/>
-              <a:t>29</a:t>
+              <a:t>25</a:t>
+            </a:fld>
+            <a:endParaRPr lang="en-US" dirty="0"/>
+          </a:p>
+        </p:txBody>
+      </p:sp>
+    </p:spTree>
+    <p:extLst>
+      <p:ext uri="{BB962C8B-B14F-4D97-AF65-F5344CB8AC3E}">
+        <p14:creationId xmlns:p14="http://schemas.microsoft.com/office/powerpoint/2010/main" val="3275004003"/>
+      </p:ext>
+    </p:extLst>
+  </p:cSld>
+  <p:clrMapOvr>
+    <a:masterClrMapping/>
+  </p:clrMapOvr>
+</p:notes>
+</file>
+
+<file path=ppt/notesSlides/notesSlide17.xml><?xml version="1.0" encoding="utf-8"?>
+<p:notes xmlns:a="http://schemas.openxmlformats.org/drawingml/2006/main" xmlns:r="http://schemas.openxmlformats.org/officeDocument/2006/relationships" xmlns:p="http://schemas.openxmlformats.org/presentationml/2006/main">
+  <p:cSld>
+    <p:spTree>
+      <p:nvGrpSpPr>
+        <p:cNvPr id="1" name=""/>
+        <p:cNvGrpSpPr/>
+        <p:nvPr/>
+      </p:nvGrpSpPr>
+      <p:grpSpPr>
+        <a:xfrm>
+          <a:off x="0" y="0"/>
+          <a:ext cx="0" cy="0"/>
+          <a:chOff x="0" y="0"/>
+          <a:chExt cx="0" cy="0"/>
+        </a:xfrm>
+      </p:grpSpPr>
+      <p:sp>
+        <p:nvSpPr>
+          <p:cNvPr id="2" name="Slide Image Placeholder 1"/>
+          <p:cNvSpPr>
+            <a:spLocks noGrp="1" noRot="1" noChangeAspect="1"/>
+          </p:cNvSpPr>
+          <p:nvPr>
+            <p:ph type="sldImg"/>
+          </p:nvPr>
+        </p:nvSpPr>
+        <p:spPr>
+          <a:xfrm>
+            <a:off x="381000" y="685800"/>
+            <a:ext cx="6096000" cy="3429000"/>
+          </a:xfrm>
+        </p:spPr>
+      </p:sp>
+      <p:sp>
+        <p:nvSpPr>
+          <p:cNvPr id="3" name="Notes Placeholder 2"/>
+          <p:cNvSpPr>
+            <a:spLocks noGrp="1"/>
+          </p:cNvSpPr>
+          <p:nvPr>
+            <p:ph type="body" idx="1"/>
+          </p:nvPr>
+        </p:nvSpPr>
+        <p:spPr/>
+        <p:txBody>
+          <a:bodyPr/>
+          <a:lstStyle/>
+          <a:p>
+            <a:r>
+              <a:rPr lang="es-ES" dirty="0" err="1" smtClean="0"/>
+              <a:t>Less</a:t>
+            </a:r>
+            <a:r>
+              <a:rPr lang="es-ES" dirty="0" smtClean="0"/>
+              <a:t> nos da la oportunidad de extender las posibilidades de las hojas de CSS normales, y además mejorando nuestra productividad. Simplemente escribimos nuestro CSS adaptado a las características de LESS como pueden ser el anidado (</a:t>
+            </a:r>
+            <a:r>
+              <a:rPr lang="es-ES" dirty="0" err="1" smtClean="0"/>
+              <a:t>nesting</a:t>
+            </a:r>
+            <a:r>
+              <a:rPr lang="es-ES" dirty="0" smtClean="0"/>
+              <a:t>) o las variables, y luego lo compilamos para que pueda ser </a:t>
+            </a:r>
+            <a:r>
+              <a:rPr lang="es-ES" dirty="0" err="1" smtClean="0"/>
+              <a:t>leido</a:t>
+            </a:r>
+            <a:r>
+              <a:rPr lang="es-ES" dirty="0" smtClean="0"/>
+              <a:t> por los navegadores. Podemos compilar el código de varias maneras, como con un script en PHP, su versión para .NET o Mac OS, o con un simple </a:t>
+            </a:r>
+            <a:r>
+              <a:rPr lang="es-ES" dirty="0" err="1" smtClean="0"/>
+              <a:t>Javascript</a:t>
+            </a:r>
+            <a:r>
+              <a:rPr lang="es-ES" dirty="0" smtClean="0"/>
+              <a:t> que cargaremos después de incluir nuestro archivo .</a:t>
+            </a:r>
+            <a:r>
+              <a:rPr lang="es-ES" dirty="0" err="1" smtClean="0"/>
+              <a:t>less</a:t>
+            </a:r>
+            <a:r>
+              <a:rPr lang="es-ES" dirty="0" smtClean="0"/>
+              <a:t> en el </a:t>
+            </a:r>
+            <a:r>
+              <a:rPr lang="es-ES" dirty="0" err="1" smtClean="0"/>
+              <a:t>hmtl</a:t>
+            </a:r>
+            <a:r>
+              <a:rPr lang="es-ES" dirty="0" smtClean="0"/>
+              <a:t>.</a:t>
+            </a:r>
+            <a:endParaRPr lang="en-US" dirty="0"/>
+          </a:p>
+        </p:txBody>
+      </p:sp>
+      <p:sp>
+        <p:nvSpPr>
+          <p:cNvPr id="4" name="Slide Number Placeholder 3"/>
+          <p:cNvSpPr>
+            <a:spLocks noGrp="1"/>
+          </p:cNvSpPr>
+          <p:nvPr>
+            <p:ph type="sldNum" sz="quarter" idx="10"/>
+          </p:nvPr>
+        </p:nvSpPr>
+        <p:spPr/>
+        <p:txBody>
+          <a:bodyPr/>
+          <a:lstStyle/>
+          <a:p>
+            <a:fld id="{F0A8A4F1-DD7B-454E-8BE0-478365ADD5A0}" type="slidenum">
+              <a:rPr lang="en-US" smtClean="0"/>
+              <a:pPr/>
+              <a:t>30</a:t>
             </a:fld>
             <a:endParaRPr lang="en-US" dirty="0"/>
           </a:p>
@@ -1616,7 +1738,7 @@
     </p:spTree>
     <p:extLst>
       <p:ext uri="{BB962C8B-B14F-4D97-AF65-F5344CB8AC3E}">
-        <p14:creationId xmlns:p14="http://schemas.microsoft.com/office/powerpoint/2010/main" val="3175633854"/>
+        <p14:creationId xmlns:p14="http://schemas.microsoft.com/office/powerpoint/2010/main" val="1486098224"/>
       </p:ext>
     </p:extLst>
   </p:cSld>
@@ -1708,7 +1830,7 @@
     </p:spTree>
     <p:extLst>
       <p:ext uri="{BB962C8B-B14F-4D97-AF65-F5344CB8AC3E}">
-        <p14:creationId xmlns:p14="http://schemas.microsoft.com/office/powerpoint/2010/main" val="1039570117"/>
+        <p14:creationId xmlns:p14="http://schemas.microsoft.com/office/powerpoint/2010/main" val="3175633854"/>
       </p:ext>
     </p:extLst>
   </p:cSld>
@@ -1800,7 +1922,7 @@
     </p:spTree>
     <p:extLst>
       <p:ext uri="{BB962C8B-B14F-4D97-AF65-F5344CB8AC3E}">
-        <p14:creationId xmlns:p14="http://schemas.microsoft.com/office/powerpoint/2010/main" val="1151502658"/>
+        <p14:creationId xmlns:p14="http://schemas.microsoft.com/office/powerpoint/2010/main" val="1039570117"/>
       </p:ext>
     </p:extLst>
   </p:cSld>
@@ -1861,30 +1983,6 @@
           </a:bodyPr>
           <a:lstStyle/>
           <a:p>
-            <a:r>
-              <a:rPr lang="es-AR" dirty="0" smtClean="0"/>
-              <a:t>La idea</a:t>
-            </a:r>
-            <a:r>
-              <a:rPr lang="es-AR" baseline="0" dirty="0" smtClean="0"/>
-              <a:t> de este </a:t>
-            </a:r>
-            <a:r>
-              <a:rPr lang="es-AR" baseline="0" dirty="0" err="1" smtClean="0"/>
-              <a:t>slide</a:t>
-            </a:r>
-            <a:r>
-              <a:rPr lang="es-AR" baseline="0" dirty="0" smtClean="0"/>
-              <a:t> es explicar a la clase como postear un </a:t>
-            </a:r>
-            <a:r>
-              <a:rPr lang="es-AR" baseline="0" dirty="0" err="1" smtClean="0"/>
-              <a:t>form</a:t>
-            </a:r>
-            <a:r>
-              <a:rPr lang="es-AR" baseline="0" dirty="0" smtClean="0"/>
-              <a:t>.</a:t>
-            </a:r>
             <a:endParaRPr lang="es-AR" dirty="0"/>
           </a:p>
         </p:txBody>
@@ -1907,7 +2005,7 @@
             <a:fld id="{F0A8A4F1-DD7B-454E-8BE0-478365ADD5A0}" type="slidenum">
               <a:rPr lang="en-US" smtClean="0"/>
               <a:pPr/>
-              <a:t>9</a:t>
+              <a:t>8</a:t>
             </a:fld>
             <a:endParaRPr lang="en-US" dirty="0"/>
           </a:p>
@@ -1916,7 +2014,7 @@
     </p:spTree>
     <p:extLst>
       <p:ext uri="{BB962C8B-B14F-4D97-AF65-F5344CB8AC3E}">
-        <p14:creationId xmlns:p14="http://schemas.microsoft.com/office/powerpoint/2010/main" val="427695749"/>
+        <p14:creationId xmlns:p14="http://schemas.microsoft.com/office/powerpoint/2010/main" val="1151502658"/>
       </p:ext>
     </p:extLst>
   </p:cSld>
@@ -2032,7 +2130,7 @@
     </p:spTree>
     <p:extLst>
       <p:ext uri="{BB962C8B-B14F-4D97-AF65-F5344CB8AC3E}">
-        <p14:creationId xmlns:p14="http://schemas.microsoft.com/office/powerpoint/2010/main" val="2226957006"/>
+        <p14:creationId xmlns:p14="http://schemas.microsoft.com/office/powerpoint/2010/main" val="427695749"/>
       </p:ext>
     </p:extLst>
   </p:cSld>
@@ -2148,7 +2246,7 @@
     </p:spTree>
     <p:extLst>
       <p:ext uri="{BB962C8B-B14F-4D97-AF65-F5344CB8AC3E}">
-        <p14:creationId xmlns:p14="http://schemas.microsoft.com/office/powerpoint/2010/main" val="1578673890"/>
+        <p14:creationId xmlns:p14="http://schemas.microsoft.com/office/powerpoint/2010/main" val="2226957006"/>
       </p:ext>
     </p:extLst>
   </p:cSld>
@@ -2209,35 +2307,30 @@
           </a:bodyPr>
           <a:lstStyle/>
           <a:p>
-            <a:pPr marL="0" indent="0">
-              <a:buNone/>
-            </a:pPr>
-            <a:r>
-              <a:rPr lang="es-US" dirty="0" smtClean="0"/>
-              <a:t>Explicar</a:t>
-            </a:r>
-            <a:r>
-              <a:rPr lang="es-US" baseline="0" dirty="0" smtClean="0"/>
-              <a:t> cómo implementar áreas directamente </a:t>
-            </a:r>
-            <a:r>
-              <a:rPr lang="es-US" baseline="0" dirty="0" err="1" smtClean="0"/>
-              <a:t>mostrandolo</a:t>
-            </a:r>
-            <a:r>
-              <a:rPr lang="es-US" baseline="0" dirty="0" smtClean="0"/>
-              <a:t> en </a:t>
-            </a:r>
-            <a:r>
-              <a:rPr lang="es-US" baseline="0" smtClean="0"/>
-              <a:t>el VS</a:t>
-            </a:r>
-            <a:endParaRPr lang="es-US" dirty="0" smtClean="0"/>
-          </a:p>
-          <a:p>
-            <a:pPr marL="228600" indent="-228600">
-              <a:buAutoNum type="arabicPeriod"/>
-            </a:pPr>
+            <a:r>
+              <a:rPr lang="es-AR" dirty="0" smtClean="0"/>
+              <a:t>La idea</a:t>
+            </a:r>
+            <a:r>
+              <a:rPr lang="es-AR" baseline="0" dirty="0" smtClean="0"/>
+              <a:t> de este </a:t>
+            </a:r>
+            <a:r>
+              <a:rPr lang="es-AR" baseline="0" dirty="0" err="1" smtClean="0"/>
+              <a:t>slide</a:t>
+            </a:r>
+            <a:r>
+              <a:rPr lang="es-AR" baseline="0" dirty="0" smtClean="0"/>
+              <a:t> es explicar a la clase como postear un </a:t>
+            </a:r>
+            <a:r>
+              <a:rPr lang="es-AR" baseline="0" dirty="0" err="1" smtClean="0"/>
+              <a:t>form</a:t>
+            </a:r>
+            <a:r>
+              <a:rPr lang="es-AR" baseline="0" dirty="0" smtClean="0"/>
+              <a:t>.</a:t>
+            </a:r>
             <a:endParaRPr lang="es-AR" dirty="0"/>
           </a:p>
         </p:txBody>
@@ -2269,7 +2362,7 @@
     </p:spTree>
     <p:extLst>
       <p:ext uri="{BB962C8B-B14F-4D97-AF65-F5344CB8AC3E}">
-        <p14:creationId xmlns:p14="http://schemas.microsoft.com/office/powerpoint/2010/main" val="1209783158"/>
+        <p14:creationId xmlns:p14="http://schemas.microsoft.com/office/powerpoint/2010/main" val="1578673890"/>
       </p:ext>
     </p:extLst>
   </p:cSld>
@@ -6462,7 +6555,7 @@
             </a:r>
             <a:r>
               <a:rPr lang="es-AR" dirty="0" smtClean="0"/>
-              <a:t> - 2</a:t>
+              <a:t> - 1</a:t>
             </a:r>
             <a:endParaRPr lang="en-US" dirty="0"/>
           </a:p>
@@ -6534,17 +6627,951 @@
             </a:pPr>
             <a:r>
               <a:rPr lang="es-MX" sz="2000" dirty="0"/>
-              <a:t>Cómo nos ayuda ASP.NET </a:t>
-            </a:r>
+              <a:t>Cómo nos ayuda ASP.NET MVC?</a:t>
+            </a:r>
+          </a:p>
+        </p:txBody>
+      </p:sp>
+      <p:sp>
+        <p:nvSpPr>
+          <p:cNvPr id="3" name="Rectangle 2"/>
+          <p:cNvSpPr/>
+          <p:nvPr/>
+        </p:nvSpPr>
+        <p:spPr>
+          <a:xfrm>
+            <a:off x="2017487" y="1814470"/>
+            <a:ext cx="5562546" cy="369332"/>
+          </a:xfrm>
+          <a:prstGeom prst="rect">
+            <a:avLst/>
+          </a:prstGeom>
+        </p:spPr>
+        <p:txBody>
+          <a:bodyPr wrap="square">
+            <a:spAutoFit/>
+          </a:bodyPr>
+          <a:lstStyle/>
+          <a:p>
+            <a:r>
+              <a:rPr lang="en-US" dirty="0" err="1">
+                <a:solidFill>
+                  <a:srgbClr val="005682"/>
+                </a:solidFill>
+                <a:latin typeface="Arial" panose="020B0604020202020204" pitchFamily="34" charset="0"/>
+              </a:rPr>
+              <a:t>Html.BeginForm</a:t>
+            </a:r>
+            <a:r>
+              <a:rPr lang="en-US" dirty="0">
+                <a:solidFill>
+                  <a:srgbClr val="005682"/>
+                </a:solidFill>
+                <a:latin typeface="Arial" panose="020B0604020202020204" pitchFamily="34" charset="0"/>
+              </a:rPr>
+              <a:t>("Create", "</a:t>
+            </a:r>
+            <a:r>
+              <a:rPr lang="en-US" dirty="0" err="1">
+                <a:solidFill>
+                  <a:srgbClr val="005682"/>
+                </a:solidFill>
+                <a:latin typeface="Arial" panose="020B0604020202020204" pitchFamily="34" charset="0"/>
+              </a:rPr>
+              <a:t>Libro</a:t>
+            </a:r>
+            <a:r>
+              <a:rPr lang="en-US" dirty="0">
+                <a:solidFill>
+                  <a:srgbClr val="005682"/>
+                </a:solidFill>
+                <a:latin typeface="Arial" panose="020B0604020202020204" pitchFamily="34" charset="0"/>
+              </a:rPr>
+              <a:t>", </a:t>
+            </a:r>
+            <a:r>
+              <a:rPr lang="en-US" dirty="0" err="1">
+                <a:solidFill>
+                  <a:srgbClr val="005682"/>
+                </a:solidFill>
+                <a:latin typeface="Arial" panose="020B0604020202020204" pitchFamily="34" charset="0"/>
+              </a:rPr>
+              <a:t>FormMethod.Get</a:t>
+            </a:r>
+            <a:r>
+              <a:rPr lang="en-US" dirty="0">
+                <a:solidFill>
+                  <a:srgbClr val="005682"/>
+                </a:solidFill>
+                <a:latin typeface="Arial" panose="020B0604020202020204" pitchFamily="34" charset="0"/>
+              </a:rPr>
+              <a:t>)</a:t>
+            </a:r>
+            <a:endParaRPr lang="en-US" dirty="0"/>
+          </a:p>
+        </p:txBody>
+      </p:sp>
+      <p:sp>
+        <p:nvSpPr>
+          <p:cNvPr id="4" name="Rectangle 1"/>
+          <p:cNvSpPr>
+            <a:spLocks noChangeArrowheads="1"/>
+          </p:cNvSpPr>
+          <p:nvPr/>
+        </p:nvSpPr>
+        <p:spPr bwMode="auto">
+          <a:xfrm>
+            <a:off x="2017487" y="2199191"/>
+            <a:ext cx="5641288" cy="369332"/>
+          </a:xfrm>
+          <a:prstGeom prst="rect">
+            <a:avLst/>
+          </a:prstGeom>
+          <a:solidFill>
+            <a:srgbClr val="FAFAFA"/>
+          </a:solidFill>
+          <a:ln>
+            <a:noFill/>
+          </a:ln>
+          <a:effectLst/>
+          <a:extLst>
+            <a:ext uri="{91240B29-F687-4F45-9708-019B960494DF}">
+              <a14:hiddenLine xmlns:a14="http://schemas.microsoft.com/office/drawing/2010/main" w="9525">
+                <a:solidFill>
+                  <a:schemeClr val="tx1"/>
+                </a:solidFill>
+                <a:miter lim="800000"/>
+                <a:headEnd/>
+                <a:tailEnd/>
+              </a14:hiddenLine>
+            </a:ext>
+            <a:ext uri="{AF507438-7753-43E0-B8FC-AC1667EBCBE1}">
+              <a14:hiddenEffects xmlns:a14="http://schemas.microsoft.com/office/drawing/2010/main">
+                <a:effectLst>
+                  <a:outerShdw dist="35921" dir="2700000" algn="ctr" rotWithShape="0">
+                    <a:schemeClr val="bg2"/>
+                  </a:outerShdw>
+                </a:effectLst>
+              </a14:hiddenEffects>
+            </a:ext>
+          </a:extLst>
+        </p:spPr>
+        <p:txBody>
+          <a:bodyPr vert="horz" wrap="none" lIns="91440" tIns="45720" rIns="91440" bIns="45720" numCol="1" anchor="ctr" anchorCtr="0" compatLnSpc="1">
+            <a:prstTxWarp prst="textNoShape">
+              <a:avLst/>
+            </a:prstTxWarp>
+            <a:spAutoFit/>
+          </a:bodyPr>
+          <a:lstStyle/>
+          <a:p>
+            <a:pPr algn="just" eaLnBrk="0" fontAlgn="base" hangingPunct="0">
+              <a:spcBef>
+                <a:spcPct val="0"/>
+              </a:spcBef>
+              <a:spcAft>
+                <a:spcPct val="0"/>
+              </a:spcAft>
+            </a:pPr>
+            <a:r>
+              <a:rPr lang="en-US" b="1" dirty="0">
+                <a:solidFill>
+                  <a:srgbClr val="0000FF"/>
+                </a:solidFill>
+                <a:latin typeface="Arial" panose="020B0604020202020204" pitchFamily="34" charset="0"/>
+                <a:cs typeface="Arial" panose="020B0604020202020204" pitchFamily="34" charset="0"/>
+              </a:rPr>
+              <a:t>&lt;form</a:t>
+            </a:r>
+            <a:r>
+              <a:rPr lang="en-US" dirty="0">
+                <a:solidFill>
+                  <a:srgbClr val="000000"/>
+                </a:solidFill>
+                <a:latin typeface="Arial" panose="020B0604020202020204" pitchFamily="34" charset="0"/>
+                <a:cs typeface="Arial" panose="020B0604020202020204" pitchFamily="34" charset="0"/>
+              </a:rPr>
+              <a:t> </a:t>
+            </a:r>
+            <a:r>
+              <a:rPr lang="en-US" dirty="0">
+                <a:solidFill>
+                  <a:srgbClr val="006400"/>
+                </a:solidFill>
+                <a:latin typeface="Arial" panose="020B0604020202020204" pitchFamily="34" charset="0"/>
+                <a:cs typeface="Arial" panose="020B0604020202020204" pitchFamily="34" charset="0"/>
+              </a:rPr>
+              <a:t>action</a:t>
+            </a:r>
+            <a:r>
+              <a:rPr lang="en-US" dirty="0">
+                <a:solidFill>
+                  <a:srgbClr val="8B0000"/>
+                </a:solidFill>
+                <a:latin typeface="Arial" panose="020B0604020202020204" pitchFamily="34" charset="0"/>
+                <a:cs typeface="Arial" panose="020B0604020202020204" pitchFamily="34" charset="0"/>
+              </a:rPr>
+              <a:t>=</a:t>
+            </a:r>
+            <a:r>
+              <a:rPr lang="en-US" dirty="0">
+                <a:solidFill>
+                  <a:srgbClr val="FF0000"/>
+                </a:solidFill>
+                <a:latin typeface="Arial" panose="020B0604020202020204" pitchFamily="34" charset="0"/>
+                <a:cs typeface="Arial" panose="020B0604020202020204" pitchFamily="34" charset="0"/>
+              </a:rPr>
+              <a:t>"</a:t>
+            </a:r>
+            <a:r>
+              <a:rPr lang="en-US" dirty="0">
+                <a:solidFill>
+                  <a:srgbClr val="FF0000"/>
+                </a:solidFill>
+                <a:latin typeface="Arial" panose="020B0604020202020204" pitchFamily="34" charset="0"/>
+                <a:cs typeface="Arial" panose="020B0604020202020204" pitchFamily="34" charset="0"/>
+                <a:hlinkClick r:id="rId4"/>
+              </a:rPr>
+              <a:t>/</a:t>
+            </a:r>
+            <a:r>
+              <a:rPr lang="en-US" dirty="0" err="1">
+                <a:solidFill>
+                  <a:srgbClr val="FF0000"/>
+                </a:solidFill>
+                <a:latin typeface="Arial" panose="020B0604020202020204" pitchFamily="34" charset="0"/>
+                <a:cs typeface="Arial" panose="020B0604020202020204" pitchFamily="34" charset="0"/>
+                <a:hlinkClick r:id="rId4"/>
+              </a:rPr>
+              <a:t>Libro</a:t>
+            </a:r>
+            <a:r>
+              <a:rPr lang="en-US" dirty="0">
+                <a:solidFill>
+                  <a:srgbClr val="FF0000"/>
+                </a:solidFill>
+                <a:latin typeface="Arial" panose="020B0604020202020204" pitchFamily="34" charset="0"/>
+                <a:cs typeface="Arial" panose="020B0604020202020204" pitchFamily="34" charset="0"/>
+                <a:hlinkClick r:id="rId4"/>
+              </a:rPr>
+              <a:t>/Create</a:t>
+            </a:r>
+            <a:r>
+              <a:rPr lang="en-US" dirty="0">
+                <a:solidFill>
+                  <a:srgbClr val="FF0000"/>
+                </a:solidFill>
+                <a:latin typeface="Arial" panose="020B0604020202020204" pitchFamily="34" charset="0"/>
+                <a:cs typeface="Arial" panose="020B0604020202020204" pitchFamily="34" charset="0"/>
+              </a:rPr>
+              <a:t>"</a:t>
+            </a:r>
+            <a:r>
+              <a:rPr lang="en-US" dirty="0">
+                <a:solidFill>
+                  <a:srgbClr val="000000"/>
+                </a:solidFill>
+                <a:latin typeface="Arial" panose="020B0604020202020204" pitchFamily="34" charset="0"/>
+                <a:cs typeface="Arial" panose="020B0604020202020204" pitchFamily="34" charset="0"/>
+              </a:rPr>
+              <a:t> </a:t>
+            </a:r>
+            <a:r>
+              <a:rPr lang="en-US" dirty="0">
+                <a:solidFill>
+                  <a:srgbClr val="006400"/>
+                </a:solidFill>
+                <a:latin typeface="Arial" panose="020B0604020202020204" pitchFamily="34" charset="0"/>
+                <a:cs typeface="Arial" panose="020B0604020202020204" pitchFamily="34" charset="0"/>
+              </a:rPr>
+              <a:t>method</a:t>
+            </a:r>
+            <a:r>
+              <a:rPr lang="en-US" dirty="0">
+                <a:solidFill>
+                  <a:srgbClr val="8B0000"/>
+                </a:solidFill>
+                <a:latin typeface="Arial" panose="020B0604020202020204" pitchFamily="34" charset="0"/>
+                <a:cs typeface="Arial" panose="020B0604020202020204" pitchFamily="34" charset="0"/>
+              </a:rPr>
+              <a:t>=</a:t>
+            </a:r>
+            <a:r>
+              <a:rPr lang="en-US" dirty="0">
+                <a:solidFill>
+                  <a:srgbClr val="FF0000"/>
+                </a:solidFill>
+                <a:latin typeface="Arial" panose="020B0604020202020204" pitchFamily="34" charset="0"/>
+                <a:cs typeface="Arial" panose="020B0604020202020204" pitchFamily="34" charset="0"/>
+              </a:rPr>
+              <a:t>"get"</a:t>
+            </a:r>
+            <a:r>
+              <a:rPr lang="en-US" b="1" dirty="0">
+                <a:solidFill>
+                  <a:srgbClr val="0000FF"/>
+                </a:solidFill>
+                <a:latin typeface="Arial" panose="020B0604020202020204" pitchFamily="34" charset="0"/>
+                <a:cs typeface="Arial" panose="020B0604020202020204" pitchFamily="34" charset="0"/>
+              </a:rPr>
+              <a:t>&gt;&lt;/form&gt;</a:t>
+            </a:r>
+            <a:r>
+              <a:rPr lang="en-US" dirty="0">
+                <a:latin typeface="Arial" panose="020B0604020202020204" pitchFamily="34" charset="0"/>
+                <a:cs typeface="Arial" panose="020B0604020202020204" pitchFamily="34" charset="0"/>
+              </a:rPr>
+              <a:t> </a:t>
+            </a:r>
+          </a:p>
+        </p:txBody>
+      </p:sp>
+      <p:sp>
+        <p:nvSpPr>
+          <p:cNvPr id="5" name="Rectangle 2"/>
+          <p:cNvSpPr>
+            <a:spLocks noChangeArrowheads="1"/>
+          </p:cNvSpPr>
+          <p:nvPr/>
+        </p:nvSpPr>
+        <p:spPr bwMode="auto">
+          <a:xfrm>
+            <a:off x="2017487" y="2876437"/>
+            <a:ext cx="5589992" cy="646331"/>
+          </a:xfrm>
+          <a:prstGeom prst="rect">
+            <a:avLst/>
+          </a:prstGeom>
+          <a:solidFill>
+            <a:srgbClr val="FAFAFA"/>
+          </a:solidFill>
+          <a:ln>
+            <a:noFill/>
+          </a:ln>
+          <a:effectLst/>
+          <a:extLst>
+            <a:ext uri="{91240B29-F687-4F45-9708-019B960494DF}">
+              <a14:hiddenLine xmlns:a14="http://schemas.microsoft.com/office/drawing/2010/main" w="9525">
+                <a:solidFill>
+                  <a:schemeClr val="tx1"/>
+                </a:solidFill>
+                <a:miter lim="800000"/>
+                <a:headEnd/>
+                <a:tailEnd/>
+              </a14:hiddenLine>
+            </a:ext>
+            <a:ext uri="{AF507438-7753-43E0-B8FC-AC1667EBCBE1}">
+              <a14:hiddenEffects xmlns:a14="http://schemas.microsoft.com/office/drawing/2010/main">
+                <a:effectLst>
+                  <a:outerShdw dist="35921" dir="2700000" algn="ctr" rotWithShape="0">
+                    <a:schemeClr val="bg2"/>
+                  </a:outerShdw>
+                </a:effectLst>
+              </a14:hiddenEffects>
+            </a:ext>
+          </a:extLst>
+        </p:spPr>
+        <p:txBody>
+          <a:bodyPr vert="horz" wrap="none" lIns="91440" tIns="45720" rIns="91440" bIns="45720" numCol="1" anchor="ctr" anchorCtr="0" compatLnSpc="1">
+            <a:prstTxWarp prst="textNoShape">
+              <a:avLst/>
+            </a:prstTxWarp>
+            <a:spAutoFit/>
+          </a:bodyPr>
+          <a:lstStyle/>
+          <a:p>
+            <a:pPr eaLnBrk="0" fontAlgn="base" hangingPunct="0">
+              <a:spcBef>
+                <a:spcPct val="0"/>
+              </a:spcBef>
+              <a:spcAft>
+                <a:spcPct val="0"/>
+              </a:spcAft>
+            </a:pPr>
+            <a:r>
+              <a:rPr lang="en-US" dirty="0" err="1">
+                <a:solidFill>
+                  <a:srgbClr val="005682"/>
+                </a:solidFill>
+                <a:latin typeface="Arial" panose="020B0604020202020204" pitchFamily="34" charset="0"/>
+              </a:rPr>
+              <a:t>Html.BeginForm</a:t>
+            </a:r>
+            <a:r>
+              <a:rPr lang="en-US" dirty="0">
+                <a:solidFill>
+                  <a:srgbClr val="005682"/>
+                </a:solidFill>
+                <a:latin typeface="Arial" panose="020B0604020202020204" pitchFamily="34" charset="0"/>
+              </a:rPr>
+              <a:t>("Create", "</a:t>
+            </a:r>
+            <a:r>
+              <a:rPr lang="en-US" dirty="0" err="1">
+                <a:solidFill>
+                  <a:srgbClr val="005682"/>
+                </a:solidFill>
+                <a:latin typeface="Arial" panose="020B0604020202020204" pitchFamily="34" charset="0"/>
+              </a:rPr>
+              <a:t>Libro</a:t>
+            </a:r>
+            <a:r>
+              <a:rPr lang="en-US" dirty="0">
+                <a:solidFill>
+                  <a:srgbClr val="005682"/>
+                </a:solidFill>
+                <a:latin typeface="Arial" panose="020B0604020202020204" pitchFamily="34" charset="0"/>
+              </a:rPr>
+              <a:t>", </a:t>
+            </a:r>
+            <a:r>
+              <a:rPr lang="en-US" dirty="0" err="1">
+                <a:solidFill>
+                  <a:srgbClr val="005682"/>
+                </a:solidFill>
+                <a:latin typeface="Arial" panose="020B0604020202020204" pitchFamily="34" charset="0"/>
+              </a:rPr>
+              <a:t>FormMethod.Get</a:t>
+            </a:r>
+            <a:r>
+              <a:rPr lang="en-US" dirty="0">
+                <a:solidFill>
+                  <a:srgbClr val="005682"/>
+                </a:solidFill>
+                <a:latin typeface="Arial" panose="020B0604020202020204" pitchFamily="34" charset="0"/>
+              </a:rPr>
+              <a:t>, </a:t>
+            </a:r>
+          </a:p>
+          <a:p>
+            <a:pPr eaLnBrk="0" fontAlgn="base" hangingPunct="0">
+              <a:spcBef>
+                <a:spcPct val="0"/>
+              </a:spcBef>
+              <a:spcAft>
+                <a:spcPct val="0"/>
+              </a:spcAft>
+            </a:pPr>
+            <a:r>
+              <a:rPr lang="en-US" dirty="0">
+                <a:solidFill>
+                  <a:srgbClr val="005682"/>
+                </a:solidFill>
+                <a:latin typeface="Arial" panose="020B0604020202020204" pitchFamily="34" charset="0"/>
+              </a:rPr>
+              <a:t>new {id="</a:t>
+            </a:r>
+            <a:r>
+              <a:rPr lang="en-US" dirty="0" err="1">
+                <a:solidFill>
+                  <a:srgbClr val="005682"/>
+                </a:solidFill>
+                <a:latin typeface="Arial" panose="020B0604020202020204" pitchFamily="34" charset="0"/>
+              </a:rPr>
+              <a:t>fTest</a:t>
+            </a:r>
+            <a:r>
+              <a:rPr lang="en-US" dirty="0">
+                <a:solidFill>
+                  <a:srgbClr val="005682"/>
+                </a:solidFill>
+                <a:latin typeface="Arial" panose="020B0604020202020204" pitchFamily="34" charset="0"/>
+              </a:rPr>
+              <a:t>", @class="</a:t>
+            </a:r>
+            <a:r>
+              <a:rPr lang="en-US" dirty="0" err="1">
+                <a:solidFill>
+                  <a:srgbClr val="005682"/>
+                </a:solidFill>
+                <a:latin typeface="Arial" panose="020B0604020202020204" pitchFamily="34" charset="0"/>
+              </a:rPr>
+              <a:t>formulario-ua</a:t>
+            </a:r>
+            <a:r>
+              <a:rPr lang="en-US" dirty="0">
+                <a:solidFill>
+                  <a:srgbClr val="005682"/>
+                </a:solidFill>
+                <a:latin typeface="Arial" panose="020B0604020202020204" pitchFamily="34" charset="0"/>
+              </a:rPr>
+              <a:t>"}) </a:t>
+            </a:r>
+          </a:p>
+        </p:txBody>
+      </p:sp>
+      <p:sp>
+        <p:nvSpPr>
+          <p:cNvPr id="7" name="Rectangle 3"/>
+          <p:cNvSpPr>
+            <a:spLocks noChangeArrowheads="1"/>
+          </p:cNvSpPr>
+          <p:nvPr/>
+        </p:nvSpPr>
+        <p:spPr bwMode="auto">
+          <a:xfrm>
+            <a:off x="2017488" y="3678276"/>
+            <a:ext cx="8917891" cy="369332"/>
+          </a:xfrm>
+          <a:prstGeom prst="rect">
+            <a:avLst/>
+          </a:prstGeom>
+          <a:solidFill>
+            <a:srgbClr val="FAFAFA"/>
+          </a:solidFill>
+          <a:ln>
+            <a:noFill/>
+          </a:ln>
+          <a:effectLst/>
+          <a:extLst>
+            <a:ext uri="{91240B29-F687-4F45-9708-019B960494DF}">
+              <a14:hiddenLine xmlns:a14="http://schemas.microsoft.com/office/drawing/2010/main" w="9525">
+                <a:solidFill>
+                  <a:schemeClr val="tx1"/>
+                </a:solidFill>
+                <a:miter lim="800000"/>
+                <a:headEnd/>
+                <a:tailEnd/>
+              </a14:hiddenLine>
+            </a:ext>
+            <a:ext uri="{AF507438-7753-43E0-B8FC-AC1667EBCBE1}">
+              <a14:hiddenEffects xmlns:a14="http://schemas.microsoft.com/office/drawing/2010/main">
+                <a:effectLst>
+                  <a:outerShdw dist="35921" dir="2700000" algn="ctr" rotWithShape="0">
+                    <a:schemeClr val="bg2"/>
+                  </a:outerShdw>
+                </a:effectLst>
+              </a14:hiddenEffects>
+            </a:ext>
+          </a:extLst>
+        </p:spPr>
+        <p:txBody>
+          <a:bodyPr vert="horz" wrap="none" lIns="91440" tIns="45720" rIns="91440" bIns="45720" numCol="1" anchor="ctr" anchorCtr="0" compatLnSpc="1">
+            <a:prstTxWarp prst="textNoShape">
+              <a:avLst/>
+            </a:prstTxWarp>
+            <a:spAutoFit/>
+          </a:bodyPr>
+          <a:lstStyle/>
+          <a:p>
+            <a:pPr algn="just" eaLnBrk="0" fontAlgn="base" hangingPunct="0">
+              <a:spcBef>
+                <a:spcPct val="0"/>
+              </a:spcBef>
+              <a:spcAft>
+                <a:spcPct val="0"/>
+              </a:spcAft>
+            </a:pPr>
+            <a:r>
+              <a:rPr lang="en-US" b="1" dirty="0">
+                <a:solidFill>
+                  <a:srgbClr val="0000FF"/>
+                </a:solidFill>
+                <a:latin typeface="Arial" panose="020B0604020202020204" pitchFamily="34" charset="0"/>
+                <a:cs typeface="Arial" panose="020B0604020202020204" pitchFamily="34" charset="0"/>
+              </a:rPr>
+              <a:t>&lt;form</a:t>
+            </a:r>
+            <a:r>
+              <a:rPr lang="en-US" dirty="0">
+                <a:solidFill>
+                  <a:srgbClr val="000000"/>
+                </a:solidFill>
+                <a:latin typeface="Arial" panose="020B0604020202020204" pitchFamily="34" charset="0"/>
+                <a:cs typeface="Arial" panose="020B0604020202020204" pitchFamily="34" charset="0"/>
+              </a:rPr>
+              <a:t> </a:t>
+            </a:r>
+            <a:r>
+              <a:rPr lang="en-US" dirty="0">
+                <a:solidFill>
+                  <a:srgbClr val="006400"/>
+                </a:solidFill>
+                <a:latin typeface="Arial" panose="020B0604020202020204" pitchFamily="34" charset="0"/>
+                <a:cs typeface="Arial" panose="020B0604020202020204" pitchFamily="34" charset="0"/>
+              </a:rPr>
+              <a:t>action</a:t>
+            </a:r>
+            <a:r>
+              <a:rPr lang="en-US" dirty="0">
+                <a:solidFill>
+                  <a:srgbClr val="8B0000"/>
+                </a:solidFill>
+                <a:latin typeface="Arial" panose="020B0604020202020204" pitchFamily="34" charset="0"/>
+                <a:cs typeface="Arial" panose="020B0604020202020204" pitchFamily="34" charset="0"/>
+              </a:rPr>
+              <a:t>=</a:t>
+            </a:r>
+            <a:r>
+              <a:rPr lang="en-US" dirty="0">
+                <a:solidFill>
+                  <a:srgbClr val="FF0000"/>
+                </a:solidFill>
+                <a:latin typeface="Arial" panose="020B0604020202020204" pitchFamily="34" charset="0"/>
+                <a:cs typeface="Arial" panose="020B0604020202020204" pitchFamily="34" charset="0"/>
+              </a:rPr>
+              <a:t>"</a:t>
+            </a:r>
+            <a:r>
+              <a:rPr lang="en-US" dirty="0">
+                <a:solidFill>
+                  <a:srgbClr val="FF0000"/>
+                </a:solidFill>
+                <a:latin typeface="Arial" panose="020B0604020202020204" pitchFamily="34" charset="0"/>
+                <a:cs typeface="Arial" panose="020B0604020202020204" pitchFamily="34" charset="0"/>
+                <a:hlinkClick r:id="rId4"/>
+              </a:rPr>
+              <a:t>/</a:t>
+            </a:r>
+            <a:r>
+              <a:rPr lang="en-US" dirty="0" err="1">
+                <a:solidFill>
+                  <a:srgbClr val="FF0000"/>
+                </a:solidFill>
+                <a:latin typeface="Arial" panose="020B0604020202020204" pitchFamily="34" charset="0"/>
+                <a:cs typeface="Arial" panose="020B0604020202020204" pitchFamily="34" charset="0"/>
+                <a:hlinkClick r:id="rId4"/>
+              </a:rPr>
+              <a:t>Libro</a:t>
+            </a:r>
+            <a:r>
+              <a:rPr lang="en-US" dirty="0">
+                <a:solidFill>
+                  <a:srgbClr val="FF0000"/>
+                </a:solidFill>
+                <a:latin typeface="Arial" panose="020B0604020202020204" pitchFamily="34" charset="0"/>
+                <a:cs typeface="Arial" panose="020B0604020202020204" pitchFamily="34" charset="0"/>
+                <a:hlinkClick r:id="rId4"/>
+              </a:rPr>
+              <a:t>/Create</a:t>
+            </a:r>
+            <a:r>
+              <a:rPr lang="en-US" dirty="0">
+                <a:solidFill>
+                  <a:srgbClr val="FF0000"/>
+                </a:solidFill>
+                <a:latin typeface="Arial" panose="020B0604020202020204" pitchFamily="34" charset="0"/>
+                <a:cs typeface="Arial" panose="020B0604020202020204" pitchFamily="34" charset="0"/>
+              </a:rPr>
+              <a:t>"</a:t>
+            </a:r>
+            <a:r>
+              <a:rPr lang="en-US" dirty="0">
+                <a:solidFill>
+                  <a:srgbClr val="000000"/>
+                </a:solidFill>
+                <a:latin typeface="Arial" panose="020B0604020202020204" pitchFamily="34" charset="0"/>
+                <a:cs typeface="Arial" panose="020B0604020202020204" pitchFamily="34" charset="0"/>
+              </a:rPr>
+              <a:t> </a:t>
+            </a:r>
+            <a:r>
+              <a:rPr lang="en-US" dirty="0">
+                <a:solidFill>
+                  <a:srgbClr val="006400"/>
+                </a:solidFill>
+                <a:latin typeface="Arial" panose="020B0604020202020204" pitchFamily="34" charset="0"/>
+                <a:cs typeface="Arial" panose="020B0604020202020204" pitchFamily="34" charset="0"/>
+              </a:rPr>
+              <a:t>class</a:t>
+            </a:r>
+            <a:r>
+              <a:rPr lang="en-US" dirty="0">
+                <a:solidFill>
+                  <a:srgbClr val="8B0000"/>
+                </a:solidFill>
+                <a:latin typeface="Arial" panose="020B0604020202020204" pitchFamily="34" charset="0"/>
+                <a:cs typeface="Arial" panose="020B0604020202020204" pitchFamily="34" charset="0"/>
+              </a:rPr>
+              <a:t>=</a:t>
+            </a:r>
+            <a:r>
+              <a:rPr lang="en-US" dirty="0">
+                <a:solidFill>
+                  <a:srgbClr val="FF0000"/>
+                </a:solidFill>
+                <a:latin typeface="Arial" panose="020B0604020202020204" pitchFamily="34" charset="0"/>
+                <a:cs typeface="Arial" panose="020B0604020202020204" pitchFamily="34" charset="0"/>
+              </a:rPr>
+              <a:t>"</a:t>
+            </a:r>
+            <a:r>
+              <a:rPr lang="en-US" dirty="0" err="1">
+                <a:solidFill>
+                  <a:srgbClr val="FF0000"/>
+                </a:solidFill>
+                <a:latin typeface="Arial" panose="020B0604020202020204" pitchFamily="34" charset="0"/>
+                <a:cs typeface="Arial" panose="020B0604020202020204" pitchFamily="34" charset="0"/>
+              </a:rPr>
+              <a:t>formulario-ua</a:t>
+            </a:r>
+            <a:r>
+              <a:rPr lang="en-US" dirty="0">
+                <a:solidFill>
+                  <a:srgbClr val="FF0000"/>
+                </a:solidFill>
+                <a:latin typeface="Arial" panose="020B0604020202020204" pitchFamily="34" charset="0"/>
+                <a:cs typeface="Arial" panose="020B0604020202020204" pitchFamily="34" charset="0"/>
+              </a:rPr>
+              <a:t>"</a:t>
+            </a:r>
+            <a:r>
+              <a:rPr lang="en-US" dirty="0">
+                <a:solidFill>
+                  <a:srgbClr val="000000"/>
+                </a:solidFill>
+                <a:latin typeface="Arial" panose="020B0604020202020204" pitchFamily="34" charset="0"/>
+                <a:cs typeface="Arial" panose="020B0604020202020204" pitchFamily="34" charset="0"/>
+              </a:rPr>
+              <a:t> </a:t>
+            </a:r>
+            <a:r>
+              <a:rPr lang="en-US" dirty="0">
+                <a:solidFill>
+                  <a:srgbClr val="006400"/>
+                </a:solidFill>
+                <a:latin typeface="Arial" panose="020B0604020202020204" pitchFamily="34" charset="0"/>
+                <a:cs typeface="Arial" panose="020B0604020202020204" pitchFamily="34" charset="0"/>
+              </a:rPr>
+              <a:t>id</a:t>
+            </a:r>
+            <a:r>
+              <a:rPr lang="en-US" dirty="0">
+                <a:solidFill>
+                  <a:srgbClr val="8B0000"/>
+                </a:solidFill>
+                <a:latin typeface="Arial" panose="020B0604020202020204" pitchFamily="34" charset="0"/>
+                <a:cs typeface="Arial" panose="020B0604020202020204" pitchFamily="34" charset="0"/>
+              </a:rPr>
+              <a:t>=</a:t>
+            </a:r>
+            <a:r>
+              <a:rPr lang="en-US" dirty="0">
+                <a:solidFill>
+                  <a:srgbClr val="FF0000"/>
+                </a:solidFill>
+                <a:latin typeface="Arial" panose="020B0604020202020204" pitchFamily="34" charset="0"/>
+                <a:cs typeface="Arial" panose="020B0604020202020204" pitchFamily="34" charset="0"/>
+              </a:rPr>
+              <a:t>"</a:t>
+            </a:r>
+            <a:r>
+              <a:rPr lang="en-US" dirty="0" err="1">
+                <a:solidFill>
+                  <a:srgbClr val="FF0000"/>
+                </a:solidFill>
+                <a:latin typeface="Arial" panose="020B0604020202020204" pitchFamily="34" charset="0"/>
+                <a:cs typeface="Arial" panose="020B0604020202020204" pitchFamily="34" charset="0"/>
+              </a:rPr>
+              <a:t>fTest</a:t>
+            </a:r>
+            <a:r>
+              <a:rPr lang="en-US" dirty="0">
+                <a:solidFill>
+                  <a:srgbClr val="FF0000"/>
+                </a:solidFill>
+                <a:latin typeface="Arial" panose="020B0604020202020204" pitchFamily="34" charset="0"/>
+                <a:cs typeface="Arial" panose="020B0604020202020204" pitchFamily="34" charset="0"/>
+              </a:rPr>
+              <a:t>"</a:t>
+            </a:r>
+            <a:r>
+              <a:rPr lang="en-US" dirty="0">
+                <a:solidFill>
+                  <a:srgbClr val="000000"/>
+                </a:solidFill>
+                <a:latin typeface="Arial" panose="020B0604020202020204" pitchFamily="34" charset="0"/>
+                <a:cs typeface="Arial" panose="020B0604020202020204" pitchFamily="34" charset="0"/>
+              </a:rPr>
+              <a:t> </a:t>
+            </a:r>
+            <a:r>
+              <a:rPr lang="en-US" dirty="0">
+                <a:solidFill>
+                  <a:srgbClr val="006400"/>
+                </a:solidFill>
+                <a:latin typeface="Arial" panose="020B0604020202020204" pitchFamily="34" charset="0"/>
+                <a:cs typeface="Arial" panose="020B0604020202020204" pitchFamily="34" charset="0"/>
+              </a:rPr>
+              <a:t>method</a:t>
+            </a:r>
+            <a:r>
+              <a:rPr lang="en-US" dirty="0">
+                <a:solidFill>
+                  <a:srgbClr val="8B0000"/>
+                </a:solidFill>
+                <a:latin typeface="Arial" panose="020B0604020202020204" pitchFamily="34" charset="0"/>
+                <a:cs typeface="Arial" panose="020B0604020202020204" pitchFamily="34" charset="0"/>
+              </a:rPr>
+              <a:t>=</a:t>
+            </a:r>
+            <a:r>
+              <a:rPr lang="en-US" dirty="0">
+                <a:solidFill>
+                  <a:srgbClr val="FF0000"/>
+                </a:solidFill>
+                <a:latin typeface="Arial" panose="020B0604020202020204" pitchFamily="34" charset="0"/>
+                <a:cs typeface="Arial" panose="020B0604020202020204" pitchFamily="34" charset="0"/>
+              </a:rPr>
+              <a:t>"get"</a:t>
+            </a:r>
+            <a:r>
+              <a:rPr lang="en-US" b="1" dirty="0">
+                <a:solidFill>
+                  <a:srgbClr val="0000FF"/>
+                </a:solidFill>
+                <a:latin typeface="Arial" panose="020B0604020202020204" pitchFamily="34" charset="0"/>
+                <a:cs typeface="Arial" panose="020B0604020202020204" pitchFamily="34" charset="0"/>
+              </a:rPr>
+              <a:t>&gt;&lt;/form&gt;</a:t>
+            </a:r>
+            <a:r>
+              <a:rPr lang="en-US" dirty="0">
+                <a:latin typeface="Arial" panose="020B0604020202020204" pitchFamily="34" charset="0"/>
+                <a:cs typeface="Arial" panose="020B0604020202020204" pitchFamily="34" charset="0"/>
+              </a:rPr>
+              <a:t> </a:t>
+            </a:r>
+          </a:p>
+        </p:txBody>
+      </p:sp>
+    </p:spTree>
+    <p:extLst>
+      <p:ext uri="{BB962C8B-B14F-4D97-AF65-F5344CB8AC3E}">
+        <p14:creationId xmlns:p14="http://schemas.microsoft.com/office/powerpoint/2010/main" val="2091252723"/>
+      </p:ext>
+    </p:extLst>
+  </p:cSld>
+  <p:clrMapOvr>
+    <a:masterClrMapping/>
+  </p:clrMapOvr>
+  <p:timing>
+    <p:tnLst>
+      <p:par>
+        <p:cTn id="1" dur="indefinite" restart="never" nodeType="tmRoot"/>
+      </p:par>
+    </p:tnLst>
+  </p:timing>
+</p:sld>
+</file>
+
+<file path=ppt/slides/slide11.xml><?xml version="1.0" encoding="utf-8"?>
+<p:sld xmlns:a="http://schemas.openxmlformats.org/drawingml/2006/main" xmlns:r="http://schemas.openxmlformats.org/officeDocument/2006/relationships" xmlns:p="http://schemas.openxmlformats.org/presentationml/2006/main">
+  <p:cSld>
+    <p:spTree>
+      <p:nvGrpSpPr>
+        <p:cNvPr id="1" name=""/>
+        <p:cNvGrpSpPr/>
+        <p:nvPr/>
+      </p:nvGrpSpPr>
+      <p:grpSpPr>
+        <a:xfrm>
+          <a:off x="0" y="0"/>
+          <a:ext cx="0" cy="0"/>
+          <a:chOff x="0" y="0"/>
+          <a:chExt cx="0" cy="0"/>
+        </a:xfrm>
+      </p:grpSpPr>
+      <p:sp>
+        <p:nvSpPr>
+          <p:cNvPr id="2" name="Title 1"/>
+          <p:cNvSpPr>
+            <a:spLocks noGrp="1"/>
+          </p:cNvSpPr>
+          <p:nvPr>
+            <p:ph type="title"/>
+          </p:nvPr>
+        </p:nvSpPr>
+        <p:spPr>
+          <a:xfrm>
+            <a:off x="2017487" y="361986"/>
+            <a:ext cx="8449056" cy="296842"/>
+          </a:xfrm>
+        </p:spPr>
+        <p:txBody>
+          <a:bodyPr/>
+          <a:lstStyle/>
+          <a:p>
+            <a:r>
+              <a:rPr lang="es-AR" dirty="0" err="1" smtClean="0"/>
+              <a:t>Helpers</a:t>
+            </a:r>
+            <a:r>
+              <a:rPr lang="es-AR" dirty="0" smtClean="0"/>
+              <a:t> - 2</a:t>
+            </a:r>
+            <a:endParaRPr lang="en-US" dirty="0"/>
+          </a:p>
+        </p:txBody>
+      </p:sp>
+      <p:sp>
+        <p:nvSpPr>
+          <p:cNvPr id="6" name="5 CuadroTexto"/>
+          <p:cNvSpPr txBox="1"/>
+          <p:nvPr/>
+        </p:nvSpPr>
+        <p:spPr>
+          <a:xfrm>
+            <a:off x="2017487" y="1045029"/>
+            <a:ext cx="6342742" cy="369332"/>
+          </a:xfrm>
+          <a:prstGeom prst="rect">
+            <a:avLst/>
+          </a:prstGeom>
+          <a:noFill/>
+        </p:spPr>
+        <p:txBody>
+          <a:bodyPr wrap="square" rtlCol="0">
+            <a:spAutoFit/>
+          </a:bodyPr>
+          <a:lstStyle/>
+          <a:p>
+            <a:endParaRPr lang="es-AR" dirty="0"/>
+          </a:p>
+        </p:txBody>
+      </p:sp>
+      <p:sp>
+        <p:nvSpPr>
+          <p:cNvPr id="9" name="8 CuadroTexto"/>
+          <p:cNvSpPr txBox="1"/>
+          <p:nvPr/>
+        </p:nvSpPr>
+        <p:spPr>
+          <a:xfrm>
+            <a:off x="1524001" y="844975"/>
+            <a:ext cx="6056033" cy="769441"/>
+          </a:xfrm>
+          <a:prstGeom prst="rect">
+            <a:avLst/>
+          </a:prstGeom>
+          <a:noFill/>
+        </p:spPr>
+        <p:txBody>
+          <a:bodyPr wrap="square" rtlCol="0">
+            <a:spAutoFit/>
+          </a:bodyPr>
+          <a:lstStyle/>
+          <a:p>
+            <a:pPr marL="396874" lvl="1" fontAlgn="base">
+              <a:spcBef>
+                <a:spcPct val="20000"/>
+              </a:spcBef>
+            </a:pPr>
+            <a:endParaRPr lang="es-MX" sz="2000" dirty="0"/>
+          </a:p>
+          <a:p>
+            <a:pPr marL="569912" lvl="1" indent="-173038" fontAlgn="base">
+              <a:spcBef>
+                <a:spcPct val="20000"/>
+              </a:spcBef>
+              <a:buBlip>
+                <a:blip r:embed="rId3"/>
+              </a:buBlip>
+            </a:pPr>
             <a:r>
               <a:rPr lang="es-MX" sz="2000" dirty="0"/>
-              <a:t>MVC</a:t>
-            </a:r>
-            <a:r>
-              <a:rPr lang="es-MX" sz="2000" dirty="0"/>
-              <a:t>?</a:t>
-            </a:r>
-            <a:endParaRPr lang="es-MX" sz="2000" dirty="0"/>
+              <a:t>Cómo nos ayuda ASP.NET MVC?</a:t>
+            </a:r>
           </a:p>
         </p:txBody>
       </p:sp>
@@ -7758,7 +8785,7 @@
 </p:sld>
 </file>
 
-<file path=ppt/slides/slide11.xml><?xml version="1.0" encoding="utf-8"?>
+<file path=ppt/slides/slide12.xml><?xml version="1.0" encoding="utf-8"?>
 <p:sld xmlns:a="http://schemas.openxmlformats.org/drawingml/2006/main" xmlns:r="http://schemas.openxmlformats.org/officeDocument/2006/relationships" xmlns:p="http://schemas.openxmlformats.org/presentationml/2006/main">
   <p:cSld>
     <p:spTree>
@@ -7869,11 +8896,7 @@
             </a:pPr>
             <a:r>
               <a:rPr lang="es-MX" sz="2000" dirty="0"/>
-              <a:t>Cómo nos ayuda ASP.NET </a:t>
-            </a:r>
-            <a:r>
-              <a:rPr lang="es-MX" sz="2000" dirty="0"/>
-              <a:t>MVC?</a:t>
+              <a:t>Cómo nos ayuda ASP.NET MVC?</a:t>
             </a:r>
           </a:p>
           <a:p>
@@ -8151,7 +9174,7 @@
 </p:sld>
 </file>
 
-<file path=ppt/slides/slide12.xml><?xml version="1.0" encoding="utf-8"?>
+<file path=ppt/slides/slide13.xml><?xml version="1.0" encoding="utf-8"?>
 <p:sld xmlns:a="http://schemas.openxmlformats.org/drawingml/2006/main" xmlns:r="http://schemas.openxmlformats.org/officeDocument/2006/relationships" xmlns:p="http://schemas.openxmlformats.org/presentationml/2006/main">
   <p:cSld>
     <p:spTree>
@@ -8991,7 +10014,7 @@
 </p:sld>
 </file>
 
-<file path=ppt/slides/slide13.xml><?xml version="1.0" encoding="utf-8"?>
+<file path=ppt/slides/slide14.xml><?xml version="1.0" encoding="utf-8"?>
 <p:sld xmlns:a="http://schemas.openxmlformats.org/drawingml/2006/main" xmlns:r="http://schemas.openxmlformats.org/officeDocument/2006/relationships" xmlns:p="http://schemas.openxmlformats.org/presentationml/2006/main">
   <p:cSld>
     <p:spTree>
@@ -9535,7 +10558,7 @@
 </p:sld>
 </file>
 
-<file path=ppt/slides/slide14.xml><?xml version="1.0" encoding="utf-8"?>
+<file path=ppt/slides/slide15.xml><?xml version="1.0" encoding="utf-8"?>
 <p:sld xmlns:a="http://schemas.openxmlformats.org/drawingml/2006/main" xmlns:r="http://schemas.openxmlformats.org/officeDocument/2006/relationships" xmlns:p="http://schemas.openxmlformats.org/presentationml/2006/main" show="0">
   <p:cSld>
     <p:spTree>
@@ -9609,7 +10632,6 @@
               <a:rPr lang="es-MX" sz="2000" dirty="0"/>
               <a:t>Permitir al usuario dar de alta una nueva película.  </a:t>
             </a:r>
-            <a:endParaRPr lang="es-MX" sz="2000" dirty="0"/>
           </a:p>
           <a:p>
             <a:r>
@@ -9620,11 +10642,7 @@
           <a:p>
             <a:r>
               <a:rPr lang="es-MX" sz="2000" dirty="0"/>
-              <a:t>No es </a:t>
-            </a:r>
-            <a:r>
-              <a:rPr lang="es-MX" sz="2000" dirty="0"/>
-              <a:t>necesario implementar la asignación de géneros de la película. </a:t>
+              <a:t>No es necesario implementar la asignación de géneros de la película. </a:t>
             </a:r>
             <a:endParaRPr lang="es-AR" sz="2000" dirty="0"/>
           </a:p>
@@ -9695,7 +10713,7 @@
 </p:sld>
 </file>
 
-<file path=ppt/slides/slide15.xml><?xml version="1.0" encoding="utf-8"?>
+<file path=ppt/slides/slide16.xml><?xml version="1.0" encoding="utf-8"?>
 <p:sld xmlns:a="http://schemas.openxmlformats.org/drawingml/2006/main" xmlns:r="http://schemas.openxmlformats.org/officeDocument/2006/relationships" xmlns:p="http://schemas.openxmlformats.org/presentationml/2006/main">
   <p:cSld>
     <p:spTree>
@@ -9793,11 +10811,7 @@
             </a:pPr>
             <a:r>
               <a:rPr lang="es-US" sz="1600" dirty="0"/>
-              <a:t>Model </a:t>
-            </a:r>
-            <a:r>
-              <a:rPr lang="es-US" sz="1600" dirty="0"/>
-              <a:t>Data </a:t>
+              <a:t>Model Data </a:t>
             </a:r>
             <a:r>
               <a:rPr lang="es-US" sz="1600" dirty="0" err="1"/>
@@ -9840,7 +10854,6 @@
               <a:rPr lang="es-US" sz="1600" dirty="0"/>
               <a:t> de ASP.NET MVC se encarga automáticamente de validar las reglas definidas en el modelo. </a:t>
             </a:r>
-            <a:endParaRPr lang="es-US" sz="1600" dirty="0"/>
           </a:p>
           <a:p>
             <a:pPr marL="1087438" lvl="4" indent="-173038" fontAlgn="base">
@@ -10130,7 +11143,7 @@
 </p:sld>
 </file>
 
-<file path=ppt/slides/slide16.xml><?xml version="1.0" encoding="utf-8"?>
+<file path=ppt/slides/slide17.xml><?xml version="1.0" encoding="utf-8"?>
 <p:sld xmlns:a="http://schemas.openxmlformats.org/drawingml/2006/main" xmlns:r="http://schemas.openxmlformats.org/officeDocument/2006/relationships" xmlns:p="http://schemas.openxmlformats.org/presentationml/2006/main">
   <p:cSld>
     <p:spTree>
@@ -10528,7 +11541,7 @@
 </p:sld>
 </file>
 
-<file path=ppt/slides/slide17.xml><?xml version="1.0" encoding="utf-8"?>
+<file path=ppt/slides/slide18.xml><?xml version="1.0" encoding="utf-8"?>
 <p:sld xmlns:a="http://schemas.openxmlformats.org/drawingml/2006/main" xmlns:r="http://schemas.openxmlformats.org/officeDocument/2006/relationships" xmlns:p="http://schemas.openxmlformats.org/presentationml/2006/main" show="0">
   <p:cSld>
     <p:spTree>
@@ -10762,7 +11775,7 @@
 </p:sld>
 </file>
 
-<file path=ppt/slides/slide18.xml><?xml version="1.0" encoding="utf-8"?>
+<file path=ppt/slides/slide19.xml><?xml version="1.0" encoding="utf-8"?>
 <p:sld xmlns:a="http://schemas.openxmlformats.org/drawingml/2006/main" xmlns:r="http://schemas.openxmlformats.org/officeDocument/2006/relationships" xmlns:p="http://schemas.openxmlformats.org/presentationml/2006/main">
   <p:cSld>
     <p:spTree>
@@ -11132,19 +12145,7 @@
                 </a:highlight>
                 <a:latin typeface="Consolas"/>
               </a:rPr>
-              <a:t>Temp</a:t>
-            </a:r>
-            <a:r>
-              <a:rPr lang="en-US" sz="2000" dirty="0" err="1">
-                <a:solidFill>
-                  <a:srgbClr val="000000"/>
-                </a:solidFill>
-                <a:highlight>
-                  <a:srgbClr val="FFFFFF"/>
-                </a:highlight>
-                <a:latin typeface="Consolas"/>
-              </a:rPr>
-              <a:t>Data</a:t>
+              <a:t>TempData</a:t>
             </a:r>
             <a:r>
               <a:rPr lang="en-US" sz="2000" dirty="0">
@@ -11278,193 +12279,6 @@
   <p:clrMapOvr>
     <a:masterClrMapping/>
   </p:clrMapOvr>
-  <p:timing>
-    <p:tnLst>
-      <p:par>
-        <p:cTn id="1" dur="indefinite" restart="never" nodeType="tmRoot"/>
-      </p:par>
-    </p:tnLst>
-  </p:timing>
-</p:sld>
-</file>
-
-<file path=ppt/slides/slide19.xml><?xml version="1.0" encoding="utf-8"?>
-<p:sld xmlns:a="http://schemas.openxmlformats.org/drawingml/2006/main" xmlns:r="http://schemas.openxmlformats.org/officeDocument/2006/relationships" xmlns:p="http://schemas.openxmlformats.org/presentationml/2006/main" show="0">
-  <p:cSld>
-    <p:spTree>
-      <p:nvGrpSpPr>
-        <p:cNvPr id="1" name=""/>
-        <p:cNvGrpSpPr/>
-        <p:nvPr/>
-      </p:nvGrpSpPr>
-      <p:grpSpPr>
-        <a:xfrm>
-          <a:off x="0" y="0"/>
-          <a:ext cx="0" cy="0"/>
-          <a:chOff x="0" y="0"/>
-          <a:chExt cx="0" cy="0"/>
-        </a:xfrm>
-      </p:grpSpPr>
-      <p:sp>
-        <p:nvSpPr>
-          <p:cNvPr id="2" name="Title 1"/>
-          <p:cNvSpPr>
-            <a:spLocks noGrp="1"/>
-          </p:cNvSpPr>
-          <p:nvPr>
-            <p:ph type="title"/>
-          </p:nvPr>
-        </p:nvSpPr>
-        <p:spPr/>
-        <p:txBody>
-          <a:bodyPr/>
-          <a:lstStyle/>
-          <a:p>
-            <a:r>
-              <a:rPr lang="es-AR" dirty="0" smtClean="0"/>
-              <a:t>Ejercicio Práctico </a:t>
-            </a:r>
-            <a:r>
-              <a:rPr lang="es-AR" dirty="0"/>
-              <a:t> </a:t>
-            </a:r>
-            <a:r>
-              <a:rPr lang="es-AR" dirty="0" smtClean="0"/>
-              <a:t>#3 – Mostrar mensaje de éxito al guardar película</a:t>
-            </a:r>
-            <a:endParaRPr lang="en-US" dirty="0"/>
-          </a:p>
-        </p:txBody>
-      </p:sp>
-      <p:sp>
-        <p:nvSpPr>
-          <p:cNvPr id="3" name="Content Placeholder 2"/>
-          <p:cNvSpPr>
-            <a:spLocks noGrp="1"/>
-          </p:cNvSpPr>
-          <p:nvPr>
-            <p:ph idx="1"/>
-          </p:nvPr>
-        </p:nvSpPr>
-        <p:spPr>
-          <a:xfrm>
-            <a:off x="4855028" y="1436915"/>
-            <a:ext cx="7044364" cy="4122057"/>
-          </a:xfrm>
-        </p:spPr>
-        <p:txBody>
-          <a:bodyPr>
-            <a:normAutofit/>
-          </a:bodyPr>
-          <a:lstStyle/>
-          <a:p>
-            <a:r>
-              <a:rPr lang="es-MX" sz="2000" dirty="0"/>
-              <a:t>Si la película se guardó exitosamente retornar a la grilla de películas y mostrar mensaje en la grilla de éxito. </a:t>
-            </a:r>
-          </a:p>
-          <a:p>
-            <a:endParaRPr lang="es-MX" sz="2000" dirty="0"/>
-          </a:p>
-          <a:p>
-            <a:r>
-              <a:rPr lang="es-MX" sz="2000" dirty="0"/>
-              <a:t>El mensaje debe contener el nombre de la película que se creo. </a:t>
-            </a:r>
-            <a:endParaRPr lang="es-MX" sz="2000" dirty="0"/>
-          </a:p>
-          <a:p>
-            <a:endParaRPr lang="es-MX" sz="2000" dirty="0"/>
-          </a:p>
-          <a:p>
-            <a:r>
-              <a:rPr lang="es-MX" sz="2000" dirty="0" err="1"/>
-              <a:t>Bonus</a:t>
-            </a:r>
-            <a:r>
-              <a:rPr lang="es-MX" sz="2000" dirty="0"/>
-              <a:t>: </a:t>
-            </a:r>
-          </a:p>
-          <a:p>
-            <a:pPr lvl="1"/>
-            <a:r>
-              <a:rPr lang="es-MX" sz="2000" dirty="0"/>
-              <a:t>Agregar otro botón “</a:t>
-            </a:r>
-            <a:r>
-              <a:rPr lang="es-MX" sz="2000" dirty="0" err="1"/>
-              <a:t>Save</a:t>
-            </a:r>
-            <a:r>
-              <a:rPr lang="es-MX" sz="2000" dirty="0"/>
-              <a:t> and New” que permitirá al usuario crear la película y seguir cargando otra película a continuación. En este caso, mostrar otro mensaje de éxito en este caso en la pantalla de creación de película. </a:t>
-            </a:r>
-          </a:p>
-          <a:p>
-            <a:endParaRPr lang="es-MX" sz="2000" dirty="0"/>
-          </a:p>
-        </p:txBody>
-      </p:sp>
-      <p:pic>
-        <p:nvPicPr>
-          <p:cNvPr id="6" name="Picture 2" descr="C:\Program Files\Microsoft Office\MEDIA\CAGCAT10\j0292982.wmf"/>
-          <p:cNvPicPr>
-            <a:picLocks noChangeAspect="1" noChangeArrowheads="1"/>
-          </p:cNvPicPr>
-          <p:nvPr/>
-        </p:nvPicPr>
-        <p:blipFill>
-          <a:blip r:embed="rId2" cstate="print">
-            <a:extLst>
-              <a:ext uri="{28A0092B-C50C-407E-A947-70E740481C1C}">
-                <a14:useLocalDpi xmlns:a14="http://schemas.microsoft.com/office/drawing/2010/main" val="0"/>
-              </a:ext>
-            </a:extLst>
-          </a:blip>
-          <a:srcRect/>
-          <a:stretch>
-            <a:fillRect/>
-          </a:stretch>
-        </p:blipFill>
-        <p:spPr bwMode="auto">
-          <a:xfrm>
-            <a:off x="2427682" y="2169241"/>
-            <a:ext cx="1843430" cy="1819656"/>
-          </a:xfrm>
-          <a:prstGeom prst="rect">
-            <a:avLst/>
-          </a:prstGeom>
-          <a:noFill/>
-          <a:extLst>
-            <a:ext uri="{909E8E84-426E-40DD-AFC4-6F175D3DCCD1}">
-              <a14:hiddenFill xmlns:a14="http://schemas.microsoft.com/office/drawing/2010/main">
-                <a:solidFill>
-                  <a:srgbClr val="FFFFFF"/>
-                </a:solidFill>
-              </a14:hiddenFill>
-            </a:ext>
-          </a:extLst>
-        </p:spPr>
-      </p:pic>
-    </p:spTree>
-    <p:extLst>
-      <p:ext uri="{BB962C8B-B14F-4D97-AF65-F5344CB8AC3E}">
-        <p14:creationId xmlns:p14="http://schemas.microsoft.com/office/powerpoint/2010/main" val="132117128"/>
-      </p:ext>
-    </p:extLst>
-  </p:cSld>
-  <p:clrMapOvr>
-    <a:masterClrMapping/>
-  </p:clrMapOvr>
-  <mc:AlternateContent xmlns:mc="http://schemas.openxmlformats.org/markup-compatibility/2006" xmlns:p14="http://schemas.microsoft.com/office/powerpoint/2010/main">
-    <mc:Choice Requires="p14">
-      <p:transition spd="slow" p14:dur="2000"/>
-    </mc:Choice>
-    <mc:Fallback xmlns="">
-      <p:transition spd="slow"/>
-    </mc:Fallback>
-  </mc:AlternateContent>
   <p:timing>
     <p:tnLst>
       <p:par>
@@ -11662,7 +12476,7 @@
             </a:r>
             <a:r>
               <a:rPr lang="es-AR" dirty="0" smtClean="0"/>
-              <a:t>#4 – Editar una película</a:t>
+              <a:t>#3 – Mostrar mensaje de éxito al guardar película</a:t>
             </a:r>
             <a:endParaRPr lang="en-US" dirty="0"/>
           </a:p>
@@ -11680,8 +12494,8 @@
         </p:nvSpPr>
         <p:spPr>
           <a:xfrm>
-            <a:off x="4855027" y="1436915"/>
-            <a:ext cx="6823625" cy="4122057"/>
+            <a:off x="4855028" y="1436915"/>
+            <a:ext cx="7044364" cy="4122057"/>
           </a:xfrm>
         </p:spPr>
         <p:txBody>
@@ -11691,18 +12505,49 @@
           <a:lstStyle/>
           <a:p>
             <a:r>
-              <a:rPr lang="es-AR" sz="2000" dirty="0"/>
-              <a:t>Agregar la funcionalidad de permitir editar una película. </a:t>
-            </a:r>
-          </a:p>
-          <a:p>
-            <a:endParaRPr lang="es-AR" sz="2000" dirty="0"/>
-          </a:p>
-          <a:p>
-            <a:r>
-              <a:rPr lang="es-AR" sz="2000" dirty="0"/>
-              <a:t>El usuario debería capaz de poder editar la película mediante haciendo click en un link botón “Editar” en la grilla de películas. </a:t>
-            </a:r>
+              <a:rPr lang="es-MX" sz="2000" dirty="0"/>
+              <a:t>Si la película se guardó exitosamente retornar a la grilla de películas y mostrar mensaje en la grilla de éxito. </a:t>
+            </a:r>
+          </a:p>
+          <a:p>
+            <a:endParaRPr lang="es-MX" sz="2000" dirty="0"/>
+          </a:p>
+          <a:p>
+            <a:r>
+              <a:rPr lang="es-MX" sz="2000" dirty="0"/>
+              <a:t>El mensaje debe contener el nombre de la película que se creo. </a:t>
+            </a:r>
+          </a:p>
+          <a:p>
+            <a:endParaRPr lang="es-MX" sz="2000" dirty="0"/>
+          </a:p>
+          <a:p>
+            <a:r>
+              <a:rPr lang="es-MX" sz="2000" dirty="0" err="1"/>
+              <a:t>Bonus</a:t>
+            </a:r>
+            <a:r>
+              <a:rPr lang="es-MX" sz="2000" dirty="0"/>
+              <a:t>: </a:t>
+            </a:r>
+          </a:p>
+          <a:p>
+            <a:pPr lvl="1"/>
+            <a:r>
+              <a:rPr lang="es-MX" sz="2000" dirty="0"/>
+              <a:t>Agregar otro botón “</a:t>
+            </a:r>
+            <a:r>
+              <a:rPr lang="es-MX" sz="2000" dirty="0" err="1"/>
+              <a:t>Save</a:t>
+            </a:r>
+            <a:r>
+              <a:rPr lang="es-MX" sz="2000" dirty="0"/>
+              <a:t> and New” que permitirá al usuario crear la película y seguir cargando otra película a continuación. En este caso, mostrar otro mensaje de éxito en este caso en la pantalla de creación de película. </a:t>
+            </a:r>
+          </a:p>
+          <a:p>
+            <a:endParaRPr lang="es-MX" sz="2000" dirty="0"/>
           </a:p>
         </p:txBody>
       </p:sp>
@@ -11817,7 +12662,7 @@
             </a:r>
             <a:r>
               <a:rPr lang="es-AR" dirty="0" smtClean="0"/>
-              <a:t>#5 – Asignar géneros a una película</a:t>
+              <a:t>#4 – Editar una película</a:t>
             </a:r>
             <a:endParaRPr lang="en-US" dirty="0"/>
           </a:p>
@@ -11835,8 +12680,8 @@
         </p:nvSpPr>
         <p:spPr>
           <a:xfrm>
-            <a:off x="4676634" y="1436915"/>
-            <a:ext cx="7082229" cy="4122057"/>
+            <a:off x="4855027" y="1436915"/>
+            <a:ext cx="6823625" cy="4122057"/>
           </a:xfrm>
         </p:spPr>
         <p:txBody>
@@ -11847,7 +12692,7 @@
           <a:p>
             <a:r>
               <a:rPr lang="es-AR" sz="2000" dirty="0"/>
-              <a:t>En la creación y edición de películas, incorporar la posibilidad de ingresar cuales son los géneros de la película.</a:t>
+              <a:t>Agregar la funcionalidad de permitir editar una película. </a:t>
             </a:r>
           </a:p>
           <a:p>
@@ -11856,7 +12701,7 @@
           <a:p>
             <a:r>
               <a:rPr lang="es-AR" sz="2000" dirty="0"/>
-              <a:t>En la grilla de películas, por cada película mostrar cuales son sus géneros. </a:t>
+              <a:t>El usuario debería capaz de poder editar la película mediante haciendo click en un link botón “Editar” en la grilla de películas. </a:t>
             </a:r>
           </a:p>
         </p:txBody>
@@ -11931,6 +12776,161 @@
 </file>
 
 <file path=ppt/slides/slide22.xml><?xml version="1.0" encoding="utf-8"?>
+<p:sld xmlns:a="http://schemas.openxmlformats.org/drawingml/2006/main" xmlns:r="http://schemas.openxmlformats.org/officeDocument/2006/relationships" xmlns:p="http://schemas.openxmlformats.org/presentationml/2006/main" show="0">
+  <p:cSld>
+    <p:spTree>
+      <p:nvGrpSpPr>
+        <p:cNvPr id="1" name=""/>
+        <p:cNvGrpSpPr/>
+        <p:nvPr/>
+      </p:nvGrpSpPr>
+      <p:grpSpPr>
+        <a:xfrm>
+          <a:off x="0" y="0"/>
+          <a:ext cx="0" cy="0"/>
+          <a:chOff x="0" y="0"/>
+          <a:chExt cx="0" cy="0"/>
+        </a:xfrm>
+      </p:grpSpPr>
+      <p:sp>
+        <p:nvSpPr>
+          <p:cNvPr id="2" name="Title 1"/>
+          <p:cNvSpPr>
+            <a:spLocks noGrp="1"/>
+          </p:cNvSpPr>
+          <p:nvPr>
+            <p:ph type="title"/>
+          </p:nvPr>
+        </p:nvSpPr>
+        <p:spPr/>
+        <p:txBody>
+          <a:bodyPr/>
+          <a:lstStyle/>
+          <a:p>
+            <a:r>
+              <a:rPr lang="es-AR" dirty="0" smtClean="0"/>
+              <a:t>Ejercicio Práctico </a:t>
+            </a:r>
+            <a:r>
+              <a:rPr lang="es-AR" dirty="0"/>
+              <a:t> </a:t>
+            </a:r>
+            <a:r>
+              <a:rPr lang="es-AR" dirty="0" smtClean="0"/>
+              <a:t>#5 – Asignar géneros a una película</a:t>
+            </a:r>
+            <a:endParaRPr lang="en-US" dirty="0"/>
+          </a:p>
+        </p:txBody>
+      </p:sp>
+      <p:sp>
+        <p:nvSpPr>
+          <p:cNvPr id="3" name="Content Placeholder 2"/>
+          <p:cNvSpPr>
+            <a:spLocks noGrp="1"/>
+          </p:cNvSpPr>
+          <p:nvPr>
+            <p:ph idx="1"/>
+          </p:nvPr>
+        </p:nvSpPr>
+        <p:spPr>
+          <a:xfrm>
+            <a:off x="4676634" y="1436915"/>
+            <a:ext cx="7082229" cy="4122057"/>
+          </a:xfrm>
+        </p:spPr>
+        <p:txBody>
+          <a:bodyPr>
+            <a:normAutofit/>
+          </a:bodyPr>
+          <a:lstStyle/>
+          <a:p>
+            <a:r>
+              <a:rPr lang="es-AR" sz="2000" dirty="0"/>
+              <a:t>En la creación y edición de películas, incorporar la posibilidad de ingresar cuales son los géneros de la película.</a:t>
+            </a:r>
+          </a:p>
+          <a:p>
+            <a:endParaRPr lang="es-AR" sz="2000" dirty="0"/>
+          </a:p>
+          <a:p>
+            <a:r>
+              <a:rPr lang="es-AR" sz="2000" dirty="0"/>
+              <a:t>En la grilla de películas, por cada película mostrar cuales son sus géneros. </a:t>
+            </a:r>
+          </a:p>
+        </p:txBody>
+      </p:sp>
+      <p:pic>
+        <p:nvPicPr>
+          <p:cNvPr id="6" name="Picture 2" descr="C:\Program Files\Microsoft Office\MEDIA\CAGCAT10\j0292982.wmf"/>
+          <p:cNvPicPr>
+            <a:picLocks noChangeAspect="1" noChangeArrowheads="1"/>
+          </p:cNvPicPr>
+          <p:nvPr/>
+        </p:nvPicPr>
+        <p:blipFill>
+          <a:blip r:embed="rId2" cstate="print">
+            <a:extLst>
+              <a:ext uri="{28A0092B-C50C-407E-A947-70E740481C1C}">
+                <a14:useLocalDpi xmlns:a14="http://schemas.microsoft.com/office/drawing/2010/main" val="0"/>
+              </a:ext>
+            </a:extLst>
+          </a:blip>
+          <a:srcRect/>
+          <a:stretch>
+            <a:fillRect/>
+          </a:stretch>
+        </p:blipFill>
+        <p:spPr bwMode="auto">
+          <a:xfrm>
+            <a:off x="2427682" y="2169241"/>
+            <a:ext cx="1843430" cy="1819656"/>
+          </a:xfrm>
+          <a:prstGeom prst="rect">
+            <a:avLst/>
+          </a:prstGeom>
+          <a:noFill/>
+          <a:extLst>
+            <a:ext uri="{909E8E84-426E-40DD-AFC4-6F175D3DCCD1}">
+              <a14:hiddenFill xmlns:a14="http://schemas.microsoft.com/office/drawing/2010/main">
+                <a:solidFill>
+                  <a:srgbClr val="FFFFFF"/>
+                </a:solidFill>
+              </a14:hiddenFill>
+            </a:ext>
+          </a:extLst>
+        </p:spPr>
+      </p:pic>
+    </p:spTree>
+    <p:extLst>
+      <p:ext uri="{BB962C8B-B14F-4D97-AF65-F5344CB8AC3E}">
+        <p14:creationId xmlns:p14="http://schemas.microsoft.com/office/powerpoint/2010/main" val="132117128"/>
+      </p:ext>
+    </p:extLst>
+  </p:cSld>
+  <p:clrMapOvr>
+    <a:masterClrMapping/>
+  </p:clrMapOvr>
+  <mc:AlternateContent xmlns:mc="http://schemas.openxmlformats.org/markup-compatibility/2006" xmlns:p14="http://schemas.microsoft.com/office/powerpoint/2010/main">
+    <mc:Choice Requires="p14">
+      <p:transition spd="slow" p14:dur="2000"/>
+    </mc:Choice>
+    <mc:Fallback xmlns="">
+      <p:transition spd="slow"/>
+    </mc:Fallback>
+  </mc:AlternateContent>
+  <p:timing>
+    <p:tnLst>
+      <p:par>
+        <p:cTn id="1" dur="indefinite" restart="never" nodeType="tmRoot"/>
+      </p:par>
+    </p:tnLst>
+  </p:timing>
+</p:sld>
+</file>
+
+<file path=ppt/slides/slide23.xml><?xml version="1.0" encoding="utf-8"?>
 <p:sld xmlns:a="http://schemas.openxmlformats.org/drawingml/2006/main" xmlns:r="http://schemas.openxmlformats.org/officeDocument/2006/relationships" xmlns:p="http://schemas.openxmlformats.org/presentationml/2006/main">
   <p:cSld>
     <p:spTree>
@@ -12052,19 +13052,31 @@
               <a:rPr lang="en-US" dirty="0">
                 <a:latin typeface="source-code-pro"/>
               </a:rPr>
-              <a:t>	type</a:t>
+              <a:t>	type: 	</a:t>
+            </a:r>
+            <a:r>
+              <a:rPr lang="en-US" dirty="0">
+                <a:solidFill>
+                  <a:srgbClr val="DD1144"/>
+                </a:solidFill>
+                <a:latin typeface="source-code-pro"/>
+              </a:rPr>
+              <a:t>"POST"</a:t>
             </a:r>
             <a:r>
               <a:rPr lang="en-US" dirty="0">
                 <a:latin typeface="source-code-pro"/>
               </a:rPr>
-              <a:t>: </a:t>
-            </a:r>
+              <a:t>,</a:t>
+            </a:r>
+          </a:p>
+          <a:p>
+            <a:pPr fontAlgn="base"/>
             <a:r>
               <a:rPr lang="en-US" dirty="0">
                 <a:latin typeface="source-code-pro"/>
               </a:rPr>
-              <a:t>	</a:t>
+              <a:t>	url:	 </a:t>
             </a:r>
             <a:r>
               <a:rPr lang="en-US" dirty="0">
@@ -12073,16 +13085,43 @@
                 </a:solidFill>
                 <a:latin typeface="source-code-pro"/>
               </a:rPr>
+              <a:t>“</a:t>
+            </a:r>
+            <a:r>
+              <a:rPr lang="en-US" dirty="0" err="1">
+                <a:solidFill>
+                  <a:srgbClr val="DD1144"/>
+                </a:solidFill>
+                <a:latin typeface="source-code-pro"/>
+              </a:rPr>
+              <a:t>ControllerName</a:t>
+            </a:r>
+            <a:r>
+              <a:rPr lang="en-US" dirty="0">
+                <a:solidFill>
+                  <a:srgbClr val="DD1144"/>
+                </a:solidFill>
+                <a:latin typeface="source-code-pro"/>
+              </a:rPr>
+              <a:t>/</a:t>
+            </a:r>
+            <a:r>
+              <a:rPr lang="en-US" dirty="0" err="1">
+                <a:solidFill>
+                  <a:srgbClr val="DD1144"/>
+                </a:solidFill>
+                <a:latin typeface="source-code-pro"/>
+              </a:rPr>
+              <a:t>ActionName</a:t>
+            </a:r>
+            <a:r>
+              <a:rPr lang="en-US" dirty="0">
+                <a:solidFill>
+                  <a:srgbClr val="DD1144"/>
+                </a:solidFill>
+                <a:latin typeface="source-code-pro"/>
+              </a:rPr>
               <a:t>"</a:t>
-            </a:r>
-            <a:r>
-              <a:rPr lang="en-US" dirty="0">
-                <a:solidFill>
-                  <a:srgbClr val="DD1144"/>
-                </a:solidFill>
-                <a:latin typeface="source-code-pro"/>
-              </a:rPr>
-              <a:t>POST"</a:t>
             </a:r>
             <a:r>
               <a:rPr lang="en-US" dirty="0">
@@ -12097,7 +13136,7 @@
               <a:rPr lang="en-US" dirty="0">
                 <a:latin typeface="source-code-pro"/>
               </a:rPr>
-              <a:t>	url:	 </a:t>
+              <a:t>	data: 	{ name: </a:t>
             </a:r>
             <a:r>
               <a:rPr lang="en-US" dirty="0">
@@ -12106,94 +13145,73 @@
                 </a:solidFill>
                 <a:latin typeface="source-code-pro"/>
               </a:rPr>
-              <a:t>“</a:t>
-            </a:r>
-            <a:r>
-              <a:rPr lang="en-US" dirty="0" err="1">
-                <a:solidFill>
-                  <a:srgbClr val="DD1144"/>
-                </a:solidFill>
-                <a:latin typeface="source-code-pro"/>
-              </a:rPr>
-              <a:t>ControllerName</a:t>
-            </a:r>
-            <a:r>
-              <a:rPr lang="en-US" dirty="0">
-                <a:solidFill>
-                  <a:srgbClr val="DD1144"/>
-                </a:solidFill>
-                <a:latin typeface="source-code-pro"/>
-              </a:rPr>
-              <a:t>/</a:t>
-            </a:r>
-            <a:r>
-              <a:rPr lang="en-US" dirty="0" err="1">
-                <a:solidFill>
-                  <a:srgbClr val="DD1144"/>
-                </a:solidFill>
-                <a:latin typeface="source-code-pro"/>
-              </a:rPr>
-              <a:t>ActionName</a:t>
-            </a:r>
-            <a:r>
-              <a:rPr lang="en-US" dirty="0">
-                <a:solidFill>
-                  <a:srgbClr val="DD1144"/>
-                </a:solidFill>
-                <a:latin typeface="source-code-pro"/>
-              </a:rPr>
-              <a:t>"</a:t>
+              <a:t>"John"</a:t>
             </a:r>
             <a:r>
               <a:rPr lang="en-US" dirty="0">
                 <a:latin typeface="source-code-pro"/>
               </a:rPr>
-              <a:t>,</a:t>
-            </a:r>
-            <a:endParaRPr lang="en-US" dirty="0">
-              <a:latin typeface="source-code-pro"/>
-            </a:endParaRPr>
-          </a:p>
-          <a:p>
-            <a:pPr fontAlgn="base"/>
+              <a:t>, location: </a:t>
+            </a:r>
+            <a:r>
+              <a:rPr lang="en-US" dirty="0">
+                <a:solidFill>
+                  <a:srgbClr val="DD1144"/>
+                </a:solidFill>
+                <a:latin typeface="source-code-pro"/>
+              </a:rPr>
+              <a:t>"Boston"</a:t>
+            </a:r>
             <a:r>
               <a:rPr lang="en-US" dirty="0">
                 <a:latin typeface="source-code-pro"/>
               </a:rPr>
-              <a:t>	data</a:t>
-            </a:r>
+              <a:t> }</a:t>
+            </a:r>
+          </a:p>
+          <a:p>
+            <a:pPr fontAlgn="base"/>
             <a:r>
               <a:rPr lang="en-US" dirty="0">
                 <a:latin typeface="source-code-pro"/>
               </a:rPr>
-              <a:t>: </a:t>
+              <a:t>        }).done(</a:t>
+            </a:r>
+            <a:r>
+              <a:rPr lang="en-US" b="1" dirty="0">
+                <a:solidFill>
+                  <a:srgbClr val="333333"/>
+                </a:solidFill>
+                <a:latin typeface="source-code-pro"/>
+              </a:rPr>
+              <a:t>function</a:t>
             </a:r>
             <a:r>
               <a:rPr lang="en-US" dirty="0">
                 <a:latin typeface="source-code-pro"/>
               </a:rPr>
-              <a:t>	{ </a:t>
+              <a:t>( </a:t>
+            </a:r>
+            <a:r>
+              <a:rPr lang="en-US" dirty="0" err="1">
+                <a:latin typeface="source-code-pro"/>
+              </a:rPr>
+              <a:t>msg</a:t>
             </a:r>
             <a:r>
               <a:rPr lang="en-US" dirty="0">
                 <a:latin typeface="source-code-pro"/>
               </a:rPr>
-              <a:t>name: </a:t>
-            </a:r>
-            <a:r>
-              <a:rPr lang="en-US" dirty="0">
-                <a:solidFill>
-                  <a:srgbClr val="DD1144"/>
-                </a:solidFill>
-                <a:latin typeface="source-code-pro"/>
-              </a:rPr>
-              <a:t>"John"</a:t>
-            </a:r>
+              <a:t> ) {</a:t>
+            </a:r>
+          </a:p>
+          <a:p>
+            <a:pPr fontAlgn="base"/>
             <a:r>
               <a:rPr lang="en-US" dirty="0">
                 <a:latin typeface="source-code-pro"/>
               </a:rPr>
-              <a:t>, location: </a:t>
+              <a:t>	alert( </a:t>
             </a:r>
             <a:r>
               <a:rPr lang="en-US" dirty="0">
@@ -12202,131 +13220,44 @@
                 </a:solidFill>
                 <a:latin typeface="source-code-pro"/>
               </a:rPr>
-              <a:t>"Boston"</a:t>
+              <a:t>"Data Saved: "</a:t>
             </a:r>
             <a:r>
               <a:rPr lang="en-US" dirty="0">
                 <a:latin typeface="source-code-pro"/>
               </a:rPr>
-              <a:t> }</a:t>
-            </a:r>
-          </a:p>
-          <a:p>
-            <a:pPr fontAlgn="base"/>
+              <a:t> + </a:t>
+            </a:r>
+            <a:r>
+              <a:rPr lang="en-US" dirty="0" err="1">
+                <a:latin typeface="source-code-pro"/>
+              </a:rPr>
+              <a:t>msg</a:t>
+            </a:r>
             <a:r>
               <a:rPr lang="en-US" dirty="0">
                 <a:latin typeface="source-code-pro"/>
               </a:rPr>
-              <a:t>  </a:t>
-            </a:r>
+              <a:t> );</a:t>
+            </a:r>
+          </a:p>
+          <a:p>
+            <a:pPr fontAlgn="base"/>
             <a:r>
               <a:rPr lang="en-US" dirty="0">
                 <a:latin typeface="source-code-pro"/>
               </a:rPr>
-              <a:t>      }).</a:t>
-            </a:r>
+              <a:t>        }</a:t>
+            </a:r>
+          </a:p>
+          <a:p>
+            <a:pPr fontAlgn="base"/>
             <a:r>
               <a:rPr lang="en-US" dirty="0">
                 <a:latin typeface="source-code-pro"/>
               </a:rPr>
-              <a:t>done(</a:t>
-            </a:r>
-            <a:r>
-              <a:rPr lang="en-US" b="1" dirty="0">
-                <a:solidFill>
-                  <a:srgbClr val="333333"/>
-                </a:solidFill>
-                <a:latin typeface="source-code-pro"/>
-              </a:rPr>
-              <a:t>function</a:t>
-            </a:r>
-            <a:r>
-              <a:rPr lang="en-US" dirty="0">
-                <a:latin typeface="source-code-pro"/>
-              </a:rPr>
-              <a:t>( </a:t>
-            </a:r>
-            <a:r>
-              <a:rPr lang="en-US" dirty="0" err="1">
-                <a:latin typeface="source-code-pro"/>
-              </a:rPr>
-              <a:t>msg</a:t>
-            </a:r>
-            <a:r>
-              <a:rPr lang="en-US" dirty="0">
-                <a:latin typeface="source-code-pro"/>
-              </a:rPr>
-              <a:t> ) {</a:t>
-            </a:r>
-          </a:p>
-          <a:p>
-            <a:pPr fontAlgn="base"/>
-            <a:r>
-              <a:rPr lang="en-US" dirty="0">
-                <a:latin typeface="source-code-pro"/>
-              </a:rPr>
-              <a:t>	alert</a:t>
-            </a:r>
-            <a:r>
-              <a:rPr lang="en-US" dirty="0">
-                <a:latin typeface="source-code-pro"/>
-              </a:rPr>
-              <a:t>( </a:t>
-            </a:r>
-            <a:r>
-              <a:rPr lang="en-US" dirty="0">
-                <a:solidFill>
-                  <a:srgbClr val="DD1144"/>
-                </a:solidFill>
-                <a:latin typeface="source-code-pro"/>
-              </a:rPr>
-              <a:t>"Data Saved: "</a:t>
-            </a:r>
-            <a:r>
-              <a:rPr lang="en-US" dirty="0">
-                <a:latin typeface="source-code-pro"/>
-              </a:rPr>
-              <a:t> + </a:t>
-            </a:r>
-            <a:r>
-              <a:rPr lang="en-US" dirty="0" err="1">
-                <a:latin typeface="source-code-pro"/>
-              </a:rPr>
-              <a:t>msg</a:t>
-            </a:r>
-            <a:r>
-              <a:rPr lang="en-US" dirty="0">
-                <a:latin typeface="source-code-pro"/>
-              </a:rPr>
-              <a:t> );</a:t>
-            </a:r>
-          </a:p>
-          <a:p>
-            <a:pPr fontAlgn="base"/>
-            <a:r>
-              <a:rPr lang="en-US" dirty="0">
-                <a:latin typeface="source-code-pro"/>
-              </a:rPr>
-              <a:t> </a:t>
-            </a:r>
-            <a:r>
-              <a:rPr lang="en-US" dirty="0">
-                <a:latin typeface="source-code-pro"/>
-              </a:rPr>
-              <a:t>       }</a:t>
-            </a:r>
-          </a:p>
-          <a:p>
-            <a:pPr fontAlgn="base"/>
-            <a:r>
-              <a:rPr lang="en-US" dirty="0">
-                <a:latin typeface="source-code-pro"/>
-              </a:rPr>
               <a:t>);</a:t>
             </a:r>
-            <a:endParaRPr lang="en-US" dirty="0">
-              <a:latin typeface="source-code-pro"/>
-            </a:endParaRPr>
           </a:p>
           <a:p>
             <a:pPr marL="742950" lvl="1" indent="-285750" fontAlgn="base">
@@ -12466,7 +13397,7 @@
 </p:sld>
 </file>
 
-<file path=ppt/slides/slide23.xml><?xml version="1.0" encoding="utf-8"?>
+<file path=ppt/slides/slide24.xml><?xml version="1.0" encoding="utf-8"?>
 <p:sld xmlns:a="http://schemas.openxmlformats.org/drawingml/2006/main" xmlns:r="http://schemas.openxmlformats.org/officeDocument/2006/relationships" xmlns:p="http://schemas.openxmlformats.org/presentationml/2006/main" show="0">
   <p:cSld>
     <p:spTree>
@@ -12612,7 +13543,7 @@
 </p:sld>
 </file>
 
-<file path=ppt/slides/slide24.xml><?xml version="1.0" encoding="utf-8"?>
+<file path=ppt/slides/slide25.xml><?xml version="1.0" encoding="utf-8"?>
 <p:sld xmlns:a="http://schemas.openxmlformats.org/drawingml/2006/main" xmlns:r="http://schemas.openxmlformats.org/officeDocument/2006/relationships" xmlns:p="http://schemas.openxmlformats.org/presentationml/2006/main">
   <p:cSld>
     <p:spTree>
@@ -12676,11 +13607,7 @@
           <a:p>
             <a:r>
               <a:rPr lang="es-ES" sz="2000" dirty="0"/>
-              <a:t>Es </a:t>
-            </a:r>
-            <a:r>
-              <a:rPr lang="es-ES" sz="2000" dirty="0"/>
-              <a:t>el </a:t>
+              <a:t>Es el </a:t>
             </a:r>
             <a:r>
               <a:rPr lang="es-ES" sz="2000" dirty="0" err="1"/>
@@ -12727,7 +13654,6 @@
               <a:rPr lang="es-ES" sz="2000" dirty="0"/>
               <a:t> se divide en:</a:t>
             </a:r>
-            <a:endParaRPr lang="es-ES" sz="2000" dirty="0"/>
           </a:p>
           <a:p>
             <a:r>
@@ -12810,7 +13736,7 @@
 </p:sld>
 </file>
 
-<file path=ppt/slides/slide25.xml><?xml version="1.0" encoding="utf-8"?>
+<file path=ppt/slides/slide26.xml><?xml version="1.0" encoding="utf-8"?>
 <p:sld xmlns:a="http://schemas.openxmlformats.org/drawingml/2006/main" xmlns:r="http://schemas.openxmlformats.org/officeDocument/2006/relationships" xmlns:p="http://schemas.openxmlformats.org/presentationml/2006/main">
   <p:cSld>
     <p:spTree>
@@ -12992,7 +13918,7 @@
 </p:sld>
 </file>
 
-<file path=ppt/slides/slide26.xml><?xml version="1.0" encoding="utf-8"?>
+<file path=ppt/slides/slide27.xml><?xml version="1.0" encoding="utf-8"?>
 <p:sld xmlns:a="http://schemas.openxmlformats.org/drawingml/2006/main" xmlns:r="http://schemas.openxmlformats.org/officeDocument/2006/relationships" xmlns:p="http://schemas.openxmlformats.org/presentationml/2006/main">
   <p:cSld>
     <p:spTree>
@@ -13064,15 +13990,7 @@
           <a:p>
             <a:r>
               <a:rPr lang="es-ES" sz="2000" dirty="0"/>
-              <a:t>Tenemos a nuestra disposición </a:t>
-            </a:r>
-            <a:r>
-              <a:rPr lang="es-ES" sz="2000" dirty="0"/>
-              <a:t>clases </a:t>
-            </a:r>
-            <a:r>
-              <a:rPr lang="es-ES" sz="2000" dirty="0"/>
-              <a:t>para aplicar tanto al formateo de código como a las tablas, formularios, botones, tipografía e incluso iconos (diseñados por </a:t>
+              <a:t>Tenemos a nuestra disposición clases para aplicar tanto al formateo de código como a las tablas, formularios, botones, tipografía e incluso iconos (diseñados por </a:t>
             </a:r>
             <a:r>
               <a:rPr lang="es-ES" sz="2000" dirty="0" err="1"/>
@@ -13136,7 +14054,7 @@
 </p:sld>
 </file>
 
-<file path=ppt/slides/slide27.xml><?xml version="1.0" encoding="utf-8"?>
+<file path=ppt/slides/slide28.xml><?xml version="1.0" encoding="utf-8"?>
 <p:sld xmlns:a="http://schemas.openxmlformats.org/drawingml/2006/main" xmlns:r="http://schemas.openxmlformats.org/officeDocument/2006/relationships" xmlns:p="http://schemas.openxmlformats.org/presentationml/2006/main">
   <p:cSld>
     <p:spTree>
@@ -13288,7 +14206,7 @@
 </p:sld>
 </file>
 
-<file path=ppt/slides/slide28.xml><?xml version="1.0" encoding="utf-8"?>
+<file path=ppt/slides/slide29.xml><?xml version="1.0" encoding="utf-8"?>
 <p:sld xmlns:a="http://schemas.openxmlformats.org/drawingml/2006/main" xmlns:r="http://schemas.openxmlformats.org/officeDocument/2006/relationships" xmlns:p="http://schemas.openxmlformats.org/presentationml/2006/main">
   <p:cSld>
     <p:spTree>
@@ -13368,11 +14286,7 @@
           <a:p>
             <a:r>
               <a:rPr lang="es-ES" sz="2000" dirty="0"/>
-              <a:t>Es </a:t>
-            </a:r>
-            <a:r>
-              <a:rPr lang="es-ES" sz="2000" dirty="0"/>
-              <a:t>importante tener la última versión de </a:t>
+              <a:t>Es importante tener la última versión de </a:t>
             </a:r>
             <a:r>
               <a:rPr lang="es-ES" sz="2000" dirty="0" err="1"/>
@@ -13380,15 +14294,7 @@
             </a:r>
             <a:r>
               <a:rPr lang="es-ES" sz="2000" dirty="0"/>
-              <a:t> para tener todo funcionando </a:t>
-            </a:r>
-            <a:r>
-              <a:rPr lang="es-ES" sz="2000" dirty="0"/>
-              <a:t>correctamente y estandarizado. </a:t>
-            </a:r>
-            <a:r>
-              <a:rPr lang="es-ES" sz="2000" dirty="0"/>
-              <a:t>La propia opción de </a:t>
+              <a:t> para tener todo funcionando correctamente y estandarizado. La propia opción de </a:t>
             </a:r>
             <a:r>
               <a:rPr lang="es-ES" sz="2000" dirty="0" err="1"/>
@@ -13404,11 +14310,7 @@
             </a:r>
             <a:r>
               <a:rPr lang="es-ES" sz="2000" dirty="0"/>
-              <a:t> agregar al pack personalizado que </a:t>
-            </a:r>
-            <a:r>
-              <a:rPr lang="es-ES" sz="2000" dirty="0"/>
-              <a:t>descargaremos</a:t>
+              <a:t> agregar al pack personalizado que descargaremos</a:t>
             </a:r>
             <a:endParaRPr lang="es-AR" sz="2000" dirty="0"/>
           </a:p>
@@ -13464,7 +14366,7 @@
 </p:sld>
 </file>
 
-<file path=ppt/slides/slide29.xml><?xml version="1.0" encoding="utf-8"?>
+<file path=ppt/slides/slide3.xml><?xml version="1.0" encoding="utf-8"?>
 <p:sld xmlns:a="http://schemas.openxmlformats.org/drawingml/2006/main" xmlns:r="http://schemas.openxmlformats.org/officeDocument/2006/relationships" xmlns:p="http://schemas.openxmlformats.org/presentationml/2006/main">
   <p:cSld>
     <p:spTree>
@@ -13497,6 +14399,156 @@
           <a:lstStyle/>
           <a:p>
             <a:r>
+              <a:rPr lang="es-AR" dirty="0" smtClean="0"/>
+              <a:t>Historia</a:t>
+            </a:r>
+            <a:endParaRPr lang="en-US" dirty="0"/>
+          </a:p>
+        </p:txBody>
+      </p:sp>
+      <p:sp>
+        <p:nvSpPr>
+          <p:cNvPr id="9" name="Content Placeholder 2"/>
+          <p:cNvSpPr>
+            <a:spLocks noGrp="1"/>
+          </p:cNvSpPr>
+          <p:nvPr>
+            <p:ph idx="1"/>
+          </p:nvPr>
+        </p:nvSpPr>
+        <p:spPr>
+          <a:xfrm>
+            <a:off x="1999488" y="789435"/>
+            <a:ext cx="8449056" cy="4887723"/>
+          </a:xfrm>
+        </p:spPr>
+        <p:txBody>
+          <a:bodyPr>
+            <a:normAutofit/>
+          </a:bodyPr>
+          <a:lstStyle/>
+          <a:p>
+            <a:pPr marL="173038" lvl="1">
+              <a:buBlip>
+                <a:blip r:embed="rId3"/>
+              </a:buBlip>
+            </a:pPr>
+            <a:r>
+              <a:rPr lang="es-ES" sz="3800" dirty="0"/>
+              <a:t>HTML</a:t>
+            </a:r>
+          </a:p>
+          <a:p>
+            <a:pPr marL="173038" lvl="1">
+              <a:buBlip>
+                <a:blip r:embed="rId3"/>
+              </a:buBlip>
+            </a:pPr>
+            <a:r>
+              <a:rPr lang="es-ES" sz="3800" dirty="0"/>
+              <a:t>XHTML</a:t>
+            </a:r>
+          </a:p>
+          <a:p>
+            <a:pPr marL="173038" lvl="1">
+              <a:buBlip>
+                <a:blip r:embed="rId3"/>
+              </a:buBlip>
+            </a:pPr>
+            <a:r>
+              <a:rPr lang="es-ES" sz="3800" dirty="0"/>
+              <a:t>DHTML</a:t>
+            </a:r>
+          </a:p>
+          <a:p>
+            <a:pPr marL="173038" lvl="1">
+              <a:buBlip>
+                <a:blip r:embed="rId3"/>
+              </a:buBlip>
+            </a:pPr>
+            <a:r>
+              <a:rPr lang="es-ES" sz="3800" dirty="0"/>
+              <a:t>ASP</a:t>
+            </a:r>
+          </a:p>
+          <a:p>
+            <a:pPr marL="173038" lvl="1">
+              <a:buBlip>
+                <a:blip r:embed="rId3"/>
+              </a:buBlip>
+            </a:pPr>
+            <a:r>
+              <a:rPr lang="es-ES" sz="3800" dirty="0"/>
+              <a:t>ASP.net</a:t>
+            </a:r>
+          </a:p>
+          <a:p>
+            <a:pPr marL="173038" lvl="1">
+              <a:buBlip>
+                <a:blip r:embed="rId3"/>
+              </a:buBlip>
+            </a:pPr>
+            <a:r>
+              <a:rPr lang="es-ES" sz="3800" dirty="0"/>
+              <a:t>ASP.net MVC</a:t>
+            </a:r>
+            <a:endParaRPr lang="en-US" sz="3200" dirty="0"/>
+          </a:p>
+        </p:txBody>
+      </p:sp>
+    </p:spTree>
+    <p:extLst>
+      <p:ext uri="{BB962C8B-B14F-4D97-AF65-F5344CB8AC3E}">
+        <p14:creationId xmlns:p14="http://schemas.microsoft.com/office/powerpoint/2010/main" val="3856222584"/>
+      </p:ext>
+    </p:extLst>
+  </p:cSld>
+  <p:clrMapOvr>
+    <a:masterClrMapping/>
+  </p:clrMapOvr>
+  <p:timing>
+    <p:tnLst>
+      <p:par>
+        <p:cTn id="1" dur="indefinite" restart="never" nodeType="tmRoot"/>
+      </p:par>
+    </p:tnLst>
+  </p:timing>
+</p:sld>
+</file>
+
+<file path=ppt/slides/slide30.xml><?xml version="1.0" encoding="utf-8"?>
+<p:sld xmlns:a="http://schemas.openxmlformats.org/drawingml/2006/main" xmlns:r="http://schemas.openxmlformats.org/officeDocument/2006/relationships" xmlns:p="http://schemas.openxmlformats.org/presentationml/2006/main">
+  <p:cSld>
+    <p:spTree>
+      <p:nvGrpSpPr>
+        <p:cNvPr id="1" name=""/>
+        <p:cNvGrpSpPr/>
+        <p:nvPr/>
+      </p:nvGrpSpPr>
+      <p:grpSpPr>
+        <a:xfrm>
+          <a:off x="0" y="0"/>
+          <a:ext cx="0" cy="0"/>
+          <a:chOff x="0" y="0"/>
+          <a:chExt cx="0" cy="0"/>
+        </a:xfrm>
+      </p:grpSpPr>
+      <p:sp>
+        <p:nvSpPr>
+          <p:cNvPr id="2" name="Title 1"/>
+          <p:cNvSpPr>
+            <a:spLocks noGrp="1"/>
+          </p:cNvSpPr>
+          <p:nvPr>
+            <p:ph type="title"/>
+          </p:nvPr>
+        </p:nvSpPr>
+        <p:spPr/>
+        <p:txBody>
+          <a:bodyPr/>
+          <a:lstStyle/>
+          <a:p>
+            <a:r>
               <a:rPr lang="es-AR" dirty="0" err="1" smtClean="0"/>
               <a:t>Boostrap</a:t>
             </a:r>
@@ -13544,11 +14596,7 @@
             </a:r>
             <a:r>
               <a:rPr lang="es-ES" sz="2000" dirty="0"/>
-              <a:t> más famosos para optimizar nuestro trabajo con el CSS (y adaptar diseños a diferentes dispositivos</a:t>
-            </a:r>
-            <a:r>
-              <a:rPr lang="es-ES" sz="2000" dirty="0"/>
-              <a:t>).</a:t>
+              <a:t> más famosos para optimizar nuestro trabajo con el CSS (y adaptar diseños a diferentes dispositivos).</a:t>
             </a:r>
           </a:p>
           <a:p>
@@ -13560,47 +14608,22 @@
           <a:p>
             <a:r>
               <a:rPr lang="es-ES" sz="2000" dirty="0"/>
-              <a:t> </a:t>
-            </a:r>
+              <a:t> Se puede compilar el código de varias maneras</a:t>
+            </a:r>
+          </a:p>
+          <a:p>
+            <a:pPr lvl="1"/>
             <a:r>
               <a:rPr lang="es-ES" sz="2000" dirty="0"/>
-              <a:t>Se puede compilar el </a:t>
-            </a:r>
+              <a:t>script en PHP</a:t>
+            </a:r>
+          </a:p>
+          <a:p>
+            <a:pPr lvl="1"/>
             <a:r>
               <a:rPr lang="es-ES" sz="2000" dirty="0"/>
-              <a:t>código de varias </a:t>
-            </a:r>
-            <a:r>
-              <a:rPr lang="es-ES" sz="2000" dirty="0"/>
-              <a:t>maneras</a:t>
-            </a:r>
-          </a:p>
-          <a:p>
-            <a:pPr lvl="1"/>
-            <a:r>
-              <a:rPr lang="es-ES" sz="2000" dirty="0"/>
-              <a:t>script </a:t>
-            </a:r>
-            <a:r>
-              <a:rPr lang="es-ES" sz="2000" dirty="0"/>
-              <a:t>en </a:t>
-            </a:r>
-            <a:r>
-              <a:rPr lang="es-ES" sz="2000" dirty="0"/>
-              <a:t>PHP</a:t>
-            </a:r>
-          </a:p>
-          <a:p>
-            <a:pPr lvl="1"/>
-            <a:r>
-              <a:rPr lang="es-ES" sz="2000" dirty="0"/>
-              <a:t>versión </a:t>
-            </a:r>
-            <a:r>
-              <a:rPr lang="es-ES" sz="2000" dirty="0"/>
-              <a:t>para .NET </a:t>
-            </a:r>
-            <a:endParaRPr lang="es-ES" sz="2000" dirty="0"/>
+              <a:t>versión para .NET </a:t>
+            </a:r>
           </a:p>
           <a:p>
             <a:pPr lvl="1"/>
@@ -13663,157 +14686,7 @@
 </p:sld>
 </file>
 
-<file path=ppt/slides/slide3.xml><?xml version="1.0" encoding="utf-8"?>
-<p:sld xmlns:a="http://schemas.openxmlformats.org/drawingml/2006/main" xmlns:r="http://schemas.openxmlformats.org/officeDocument/2006/relationships" xmlns:p="http://schemas.openxmlformats.org/presentationml/2006/main">
-  <p:cSld>
-    <p:spTree>
-      <p:nvGrpSpPr>
-        <p:cNvPr id="1" name=""/>
-        <p:cNvGrpSpPr/>
-        <p:nvPr/>
-      </p:nvGrpSpPr>
-      <p:grpSpPr>
-        <a:xfrm>
-          <a:off x="0" y="0"/>
-          <a:ext cx="0" cy="0"/>
-          <a:chOff x="0" y="0"/>
-          <a:chExt cx="0" cy="0"/>
-        </a:xfrm>
-      </p:grpSpPr>
-      <p:sp>
-        <p:nvSpPr>
-          <p:cNvPr id="2" name="Title 1"/>
-          <p:cNvSpPr>
-            <a:spLocks noGrp="1"/>
-          </p:cNvSpPr>
-          <p:nvPr>
-            <p:ph type="title"/>
-          </p:nvPr>
-        </p:nvSpPr>
-        <p:spPr/>
-        <p:txBody>
-          <a:bodyPr/>
-          <a:lstStyle/>
-          <a:p>
-            <a:r>
-              <a:rPr lang="es-AR" dirty="0" smtClean="0"/>
-              <a:t>Historia</a:t>
-            </a:r>
-            <a:endParaRPr lang="en-US" dirty="0"/>
-          </a:p>
-        </p:txBody>
-      </p:sp>
-      <p:sp>
-        <p:nvSpPr>
-          <p:cNvPr id="9" name="Content Placeholder 2"/>
-          <p:cNvSpPr>
-            <a:spLocks noGrp="1"/>
-          </p:cNvSpPr>
-          <p:nvPr>
-            <p:ph idx="1"/>
-          </p:nvPr>
-        </p:nvSpPr>
-        <p:spPr>
-          <a:xfrm>
-            <a:off x="1999488" y="789435"/>
-            <a:ext cx="8449056" cy="4887723"/>
-          </a:xfrm>
-        </p:spPr>
-        <p:txBody>
-          <a:bodyPr>
-            <a:normAutofit/>
-          </a:bodyPr>
-          <a:lstStyle/>
-          <a:p>
-            <a:pPr marL="173038" lvl="1">
-              <a:buBlip>
-                <a:blip r:embed="rId3"/>
-              </a:buBlip>
-            </a:pPr>
-            <a:r>
-              <a:rPr lang="es-ES" sz="3800" dirty="0"/>
-              <a:t>HTML</a:t>
-            </a:r>
-          </a:p>
-          <a:p>
-            <a:pPr marL="173038" lvl="1">
-              <a:buBlip>
-                <a:blip r:embed="rId3"/>
-              </a:buBlip>
-            </a:pPr>
-            <a:r>
-              <a:rPr lang="es-ES" sz="3800" dirty="0"/>
-              <a:t>XHTML</a:t>
-            </a:r>
-          </a:p>
-          <a:p>
-            <a:pPr marL="173038" lvl="1">
-              <a:buBlip>
-                <a:blip r:embed="rId3"/>
-              </a:buBlip>
-            </a:pPr>
-            <a:r>
-              <a:rPr lang="es-ES" sz="3800" dirty="0"/>
-              <a:t>DHTML</a:t>
-            </a:r>
-          </a:p>
-          <a:p>
-            <a:pPr marL="173038" lvl="1">
-              <a:buBlip>
-                <a:blip r:embed="rId3"/>
-              </a:buBlip>
-            </a:pPr>
-            <a:r>
-              <a:rPr lang="es-ES" sz="3800" dirty="0"/>
-              <a:t>ASP</a:t>
-            </a:r>
-          </a:p>
-          <a:p>
-            <a:pPr marL="173038" lvl="1">
-              <a:buBlip>
-                <a:blip r:embed="rId3"/>
-              </a:buBlip>
-            </a:pPr>
-            <a:r>
-              <a:rPr lang="es-ES" sz="3800" dirty="0"/>
-              <a:t>ASP.net</a:t>
-            </a:r>
-          </a:p>
-          <a:p>
-            <a:pPr marL="173038" lvl="1">
-              <a:buBlip>
-                <a:blip r:embed="rId3"/>
-              </a:buBlip>
-            </a:pPr>
-            <a:r>
-              <a:rPr lang="es-ES" sz="3800" dirty="0"/>
-              <a:t>ASP.net MVC</a:t>
-            </a:r>
-            <a:endParaRPr lang="en-US" sz="3200" dirty="0"/>
-          </a:p>
-        </p:txBody>
-      </p:sp>
-    </p:spTree>
-    <p:extLst>
-      <p:ext uri="{BB962C8B-B14F-4D97-AF65-F5344CB8AC3E}">
-        <p14:creationId xmlns:p14="http://schemas.microsoft.com/office/powerpoint/2010/main" val="3856222584"/>
-      </p:ext>
-    </p:extLst>
-  </p:cSld>
-  <p:clrMapOvr>
-    <a:masterClrMapping/>
-  </p:clrMapOvr>
-  <p:timing>
-    <p:tnLst>
-      <p:par>
-        <p:cTn id="1" dur="indefinite" restart="never" nodeType="tmRoot"/>
-      </p:par>
-    </p:tnLst>
-  </p:timing>
-</p:sld>
-</file>
-
-<file path=ppt/slides/slide30.xml><?xml version="1.0" encoding="utf-8"?>
+<file path=ppt/slides/slide31.xml><?xml version="1.0" encoding="utf-8"?>
 <p:sld xmlns:a="http://schemas.openxmlformats.org/drawingml/2006/main" xmlns:r="http://schemas.openxmlformats.org/officeDocument/2006/relationships" xmlns:p="http://schemas.openxmlformats.org/presentationml/2006/main" show="0">
   <p:cSld>
     <p:spTree>
@@ -13951,7 +14824,7 @@
 </p:sld>
 </file>
 
-<file path=ppt/slides/slide31.xml><?xml version="1.0" encoding="utf-8"?>
+<file path=ppt/slides/slide32.xml><?xml version="1.0" encoding="utf-8"?>
 <p:sld xmlns:a="http://schemas.openxmlformats.org/drawingml/2006/main" xmlns:r="http://schemas.openxmlformats.org/officeDocument/2006/relationships" xmlns:p="http://schemas.openxmlformats.org/presentationml/2006/main">
   <p:cSld>
     <p:spTree>
@@ -14052,7 +14925,7 @@
 </p:sld>
 </file>
 
-<file path=ppt/slides/slide32.xml><?xml version="1.0" encoding="utf-8"?>
+<file path=ppt/slides/slide33.xml><?xml version="1.0" encoding="utf-8"?>
 <p:sld xmlns:a="http://schemas.openxmlformats.org/drawingml/2006/main" xmlns:r="http://schemas.openxmlformats.org/officeDocument/2006/relationships" xmlns:p="http://schemas.openxmlformats.org/presentationml/2006/main">
   <p:cSld>
     <p:spTree>
@@ -14138,14 +15011,14 @@
             <p:ph idx="1"/>
             <p:extLst>
               <p:ext uri="{D42A27DB-BD31-4B8C-83A1-F6EECF244321}">
-                <p14:modId xmlns:p14="http://schemas.microsoft.com/office/powerpoint/2010/main" val="144370397"/>
+                <p14:modId xmlns:p14="http://schemas.microsoft.com/office/powerpoint/2010/main" val="201483784"/>
               </p:ext>
             </p:extLst>
           </p:nvPr>
         </p:nvGraphicFramePr>
         <p:xfrm>
-          <a:off x="3413472" y="764257"/>
-          <a:ext cx="5622230" cy="4758159"/>
+          <a:off x="3344199" y="72921"/>
+          <a:ext cx="5622230" cy="6785079"/>
         </p:xfrm>
         <a:graphic>
           <a:graphicData uri="http://schemas.openxmlformats.org/drawingml/2006/table">
@@ -14760,7 +15633,7 @@
                     <a:lstStyle/>
                     <a:p>
                       <a:r>
-                        <a:rPr lang="en-US" sz="1300">
+                        <a:rPr lang="en-US" sz="1300" dirty="0">
                           <a:effectLst/>
                         </a:rPr>
                         <a:t>10 March 2010</a:t>
@@ -15728,7 +16601,7 @@
                     <a:lstStyle/>
                     <a:p>
                       <a:r>
-                        <a:rPr lang="en-US" sz="1300">
+                        <a:rPr lang="en-US" sz="1300" dirty="0">
                           <a:effectLst/>
                         </a:rPr>
                         <a:t>15 August 2012</a:t>
@@ -16212,7 +17085,7 @@
                     <a:lstStyle/>
                     <a:p>
                       <a:r>
-                        <a:rPr lang="en-US" sz="1300">
+                        <a:rPr lang="en-US" sz="1300" dirty="0">
                           <a:effectLst/>
                         </a:rPr>
                         <a:t>17 October 2013</a:t>
@@ -16284,6 +17157,1035 @@
                     </a:p>
                   </a:txBody>
                   <a:tcPr marL="65172" marR="65172" marT="32586" marB="32586" anchor="ctr">
+                    <a:lnL w="9525" cap="flat" cmpd="sng" algn="ctr">
+                      <a:solidFill>
+                        <a:srgbClr val="AAAAAA"/>
+                      </a:solidFill>
+                      <a:prstDash val="solid"/>
+                      <a:round/>
+                      <a:headEnd type="none" w="med" len="med"/>
+                      <a:tailEnd type="none" w="med" len="med"/>
+                    </a:lnL>
+                    <a:lnR w="9525" cap="flat" cmpd="sng" algn="ctr">
+                      <a:solidFill>
+                        <a:srgbClr val="AAAAAA"/>
+                      </a:solidFill>
+                      <a:prstDash val="solid"/>
+                      <a:round/>
+                      <a:headEnd type="none" w="med" len="med"/>
+                      <a:tailEnd type="none" w="med" len="med"/>
+                    </a:lnR>
+                    <a:lnT w="9525" cap="flat" cmpd="sng" algn="ctr">
+                      <a:solidFill>
+                        <a:srgbClr val="AAAAAA"/>
+                      </a:solidFill>
+                      <a:prstDash val="solid"/>
+                      <a:round/>
+                      <a:headEnd type="none" w="med" len="med"/>
+                      <a:tailEnd type="none" w="med" len="med"/>
+                    </a:lnT>
+                    <a:lnB w="9525" cap="flat" cmpd="sng" algn="ctr">
+                      <a:solidFill>
+                        <a:srgbClr val="AAAAAA"/>
+                      </a:solidFill>
+                      <a:prstDash val="solid"/>
+                      <a:round/>
+                      <a:headEnd type="none" w="med" len="med"/>
+                      <a:tailEnd type="none" w="med" len="med"/>
+                    </a:lnB>
+                    <a:solidFill>
+                      <a:srgbClr val="F9F9F9"/>
+                    </a:solidFill>
+                  </a:tcPr>
+                </a:tc>
+              </a:tr>
+              <a:tr h="260689">
+                <a:tc>
+                  <a:txBody>
+                    <a:bodyPr/>
+                    <a:lstStyle/>
+                    <a:p>
+                      <a:pPr marL="0" algn="l" defTabSz="1219170" rtl="0" eaLnBrk="1" latinLnBrk="0" hangingPunct="1"/>
+                      <a:r>
+                        <a:rPr lang="en-US" sz="1300" kern="1200" dirty="0">
+                          <a:solidFill>
+                            <a:schemeClr val="tx1"/>
+                          </a:solidFill>
+                          <a:effectLst/>
+                          <a:latin typeface="+mn-lt"/>
+                          <a:ea typeface="+mn-ea"/>
+                          <a:cs typeface="+mn-cs"/>
+                        </a:rPr>
+                        <a:t>17 January 2014</a:t>
+                      </a:r>
+                    </a:p>
+                  </a:txBody>
+                  <a:tcPr anchor="ctr">
+                    <a:lnL w="9525" cap="flat" cmpd="sng" algn="ctr">
+                      <a:solidFill>
+                        <a:srgbClr val="AAAAAA"/>
+                      </a:solidFill>
+                      <a:prstDash val="solid"/>
+                      <a:round/>
+                      <a:headEnd type="none" w="med" len="med"/>
+                      <a:tailEnd type="none" w="med" len="med"/>
+                    </a:lnL>
+                    <a:lnR w="9525" cap="flat" cmpd="sng" algn="ctr">
+                      <a:solidFill>
+                        <a:srgbClr val="AAAAAA"/>
+                      </a:solidFill>
+                      <a:prstDash val="solid"/>
+                      <a:round/>
+                      <a:headEnd type="none" w="med" len="med"/>
+                      <a:tailEnd type="none" w="med" len="med"/>
+                    </a:lnR>
+                    <a:lnT w="9525" cap="flat" cmpd="sng" algn="ctr">
+                      <a:solidFill>
+                        <a:srgbClr val="AAAAAA"/>
+                      </a:solidFill>
+                      <a:prstDash val="solid"/>
+                      <a:round/>
+                      <a:headEnd type="none" w="med" len="med"/>
+                      <a:tailEnd type="none" w="med" len="med"/>
+                    </a:lnT>
+                    <a:lnB w="9525" cap="flat" cmpd="sng" algn="ctr">
+                      <a:solidFill>
+                        <a:srgbClr val="AAAAAA"/>
+                      </a:solidFill>
+                      <a:prstDash val="solid"/>
+                      <a:round/>
+                      <a:headEnd type="none" w="med" len="med"/>
+                      <a:tailEnd type="none" w="med" len="med"/>
+                    </a:lnB>
+                    <a:solidFill>
+                      <a:srgbClr val="F9F9F9"/>
+                    </a:solidFill>
+                  </a:tcPr>
+                </a:tc>
+                <a:tc>
+                  <a:txBody>
+                    <a:bodyPr/>
+                    <a:lstStyle/>
+                    <a:p>
+                      <a:pPr marL="0" algn="l" defTabSz="1219170" rtl="0" eaLnBrk="1" latinLnBrk="0" hangingPunct="1"/>
+                      <a:r>
+                        <a:rPr lang="en-US" sz="1300" kern="1200" dirty="0">
+                          <a:solidFill>
+                            <a:schemeClr val="tx1"/>
+                          </a:solidFill>
+                          <a:effectLst/>
+                          <a:latin typeface="+mn-lt"/>
+                          <a:ea typeface="+mn-ea"/>
+                          <a:cs typeface="+mn-cs"/>
+                        </a:rPr>
+                        <a:t>ASP.NET MVC </a:t>
+                      </a:r>
+                      <a:r>
+                        <a:rPr lang="en-US" sz="1300" kern="1200" dirty="0" smtClean="0">
+                          <a:solidFill>
+                            <a:schemeClr val="tx1"/>
+                          </a:solidFill>
+                          <a:effectLst/>
+                          <a:latin typeface="+mn-lt"/>
+                          <a:ea typeface="+mn-ea"/>
+                          <a:cs typeface="+mn-cs"/>
+                        </a:rPr>
+                        <a:t>5.1</a:t>
+                      </a:r>
+                      <a:endParaRPr lang="en-US" sz="1300" kern="1200" dirty="0">
+                        <a:solidFill>
+                          <a:schemeClr val="tx1"/>
+                        </a:solidFill>
+                        <a:effectLst/>
+                        <a:latin typeface="+mn-lt"/>
+                        <a:ea typeface="+mn-ea"/>
+                        <a:cs typeface="+mn-cs"/>
+                      </a:endParaRPr>
+                    </a:p>
+                  </a:txBody>
+                  <a:tcPr anchor="ctr">
+                    <a:lnL w="9525" cap="flat" cmpd="sng" algn="ctr">
+                      <a:solidFill>
+                        <a:srgbClr val="AAAAAA"/>
+                      </a:solidFill>
+                      <a:prstDash val="solid"/>
+                      <a:round/>
+                      <a:headEnd type="none" w="med" len="med"/>
+                      <a:tailEnd type="none" w="med" len="med"/>
+                    </a:lnL>
+                    <a:lnR w="9525" cap="flat" cmpd="sng" algn="ctr">
+                      <a:solidFill>
+                        <a:srgbClr val="AAAAAA"/>
+                      </a:solidFill>
+                      <a:prstDash val="solid"/>
+                      <a:round/>
+                      <a:headEnd type="none" w="med" len="med"/>
+                      <a:tailEnd type="none" w="med" len="med"/>
+                    </a:lnR>
+                    <a:lnT w="9525" cap="flat" cmpd="sng" algn="ctr">
+                      <a:solidFill>
+                        <a:srgbClr val="AAAAAA"/>
+                      </a:solidFill>
+                      <a:prstDash val="solid"/>
+                      <a:round/>
+                      <a:headEnd type="none" w="med" len="med"/>
+                      <a:tailEnd type="none" w="med" len="med"/>
+                    </a:lnT>
+                    <a:lnB w="9525" cap="flat" cmpd="sng" algn="ctr">
+                      <a:solidFill>
+                        <a:srgbClr val="AAAAAA"/>
+                      </a:solidFill>
+                      <a:prstDash val="solid"/>
+                      <a:round/>
+                      <a:headEnd type="none" w="med" len="med"/>
+                      <a:tailEnd type="none" w="med" len="med"/>
+                    </a:lnB>
+                    <a:solidFill>
+                      <a:srgbClr val="F9F9F9"/>
+                    </a:solidFill>
+                  </a:tcPr>
+                </a:tc>
+              </a:tr>
+              <a:tr h="260689">
+                <a:tc>
+                  <a:txBody>
+                    <a:bodyPr/>
+                    <a:lstStyle/>
+                    <a:p>
+                      <a:pPr marL="0" algn="l" defTabSz="1219170" rtl="0" eaLnBrk="1" latinLnBrk="0" hangingPunct="1"/>
+                      <a:r>
+                        <a:rPr lang="en-US" sz="1300" kern="1200" dirty="0">
+                          <a:solidFill>
+                            <a:schemeClr val="tx1"/>
+                          </a:solidFill>
+                          <a:effectLst/>
+                          <a:latin typeface="+mn-lt"/>
+                          <a:ea typeface="+mn-ea"/>
+                          <a:cs typeface="+mn-cs"/>
+                        </a:rPr>
+                        <a:t>10 February 2014</a:t>
+                      </a:r>
+                    </a:p>
+                  </a:txBody>
+                  <a:tcPr anchor="ctr">
+                    <a:lnL w="9525" cap="flat" cmpd="sng" algn="ctr">
+                      <a:solidFill>
+                        <a:srgbClr val="AAAAAA"/>
+                      </a:solidFill>
+                      <a:prstDash val="solid"/>
+                      <a:round/>
+                      <a:headEnd type="none" w="med" len="med"/>
+                      <a:tailEnd type="none" w="med" len="med"/>
+                    </a:lnL>
+                    <a:lnR w="9525" cap="flat" cmpd="sng" algn="ctr">
+                      <a:solidFill>
+                        <a:srgbClr val="AAAAAA"/>
+                      </a:solidFill>
+                      <a:prstDash val="solid"/>
+                      <a:round/>
+                      <a:headEnd type="none" w="med" len="med"/>
+                      <a:tailEnd type="none" w="med" len="med"/>
+                    </a:lnR>
+                    <a:lnT w="9525" cap="flat" cmpd="sng" algn="ctr">
+                      <a:solidFill>
+                        <a:srgbClr val="AAAAAA"/>
+                      </a:solidFill>
+                      <a:prstDash val="solid"/>
+                      <a:round/>
+                      <a:headEnd type="none" w="med" len="med"/>
+                      <a:tailEnd type="none" w="med" len="med"/>
+                    </a:lnT>
+                    <a:lnB w="9525" cap="flat" cmpd="sng" algn="ctr">
+                      <a:solidFill>
+                        <a:srgbClr val="AAAAAA"/>
+                      </a:solidFill>
+                      <a:prstDash val="solid"/>
+                      <a:round/>
+                      <a:headEnd type="none" w="med" len="med"/>
+                      <a:tailEnd type="none" w="med" len="med"/>
+                    </a:lnB>
+                    <a:solidFill>
+                      <a:srgbClr val="F9F9F9"/>
+                    </a:solidFill>
+                  </a:tcPr>
+                </a:tc>
+                <a:tc>
+                  <a:txBody>
+                    <a:bodyPr/>
+                    <a:lstStyle/>
+                    <a:p>
+                      <a:pPr marL="0" algn="l" defTabSz="1219170" rtl="0" eaLnBrk="1" latinLnBrk="0" hangingPunct="1"/>
+                      <a:r>
+                        <a:rPr lang="en-US" sz="1300" kern="1200" dirty="0">
+                          <a:solidFill>
+                            <a:schemeClr val="tx1"/>
+                          </a:solidFill>
+                          <a:effectLst/>
+                          <a:latin typeface="+mn-lt"/>
+                          <a:ea typeface="+mn-ea"/>
+                          <a:cs typeface="+mn-cs"/>
+                        </a:rPr>
+                        <a:t>ASP.NET MVC </a:t>
+                      </a:r>
+                      <a:r>
+                        <a:rPr lang="en-US" sz="1300" kern="1200" dirty="0" smtClean="0">
+                          <a:solidFill>
+                            <a:schemeClr val="tx1"/>
+                          </a:solidFill>
+                          <a:effectLst/>
+                          <a:latin typeface="+mn-lt"/>
+                          <a:ea typeface="+mn-ea"/>
+                          <a:cs typeface="+mn-cs"/>
+                        </a:rPr>
+                        <a:t>5.1.1</a:t>
+                      </a:r>
+                      <a:endParaRPr lang="en-US" sz="1300" kern="1200" dirty="0">
+                        <a:solidFill>
+                          <a:schemeClr val="tx1"/>
+                        </a:solidFill>
+                        <a:effectLst/>
+                        <a:latin typeface="+mn-lt"/>
+                        <a:ea typeface="+mn-ea"/>
+                        <a:cs typeface="+mn-cs"/>
+                      </a:endParaRPr>
+                    </a:p>
+                  </a:txBody>
+                  <a:tcPr anchor="ctr">
+                    <a:lnL w="9525" cap="flat" cmpd="sng" algn="ctr">
+                      <a:solidFill>
+                        <a:srgbClr val="AAAAAA"/>
+                      </a:solidFill>
+                      <a:prstDash val="solid"/>
+                      <a:round/>
+                      <a:headEnd type="none" w="med" len="med"/>
+                      <a:tailEnd type="none" w="med" len="med"/>
+                    </a:lnL>
+                    <a:lnR w="9525" cap="flat" cmpd="sng" algn="ctr">
+                      <a:solidFill>
+                        <a:srgbClr val="AAAAAA"/>
+                      </a:solidFill>
+                      <a:prstDash val="solid"/>
+                      <a:round/>
+                      <a:headEnd type="none" w="med" len="med"/>
+                      <a:tailEnd type="none" w="med" len="med"/>
+                    </a:lnR>
+                    <a:lnT w="9525" cap="flat" cmpd="sng" algn="ctr">
+                      <a:solidFill>
+                        <a:srgbClr val="AAAAAA"/>
+                      </a:solidFill>
+                      <a:prstDash val="solid"/>
+                      <a:round/>
+                      <a:headEnd type="none" w="med" len="med"/>
+                      <a:tailEnd type="none" w="med" len="med"/>
+                    </a:lnT>
+                    <a:lnB w="9525" cap="flat" cmpd="sng" algn="ctr">
+                      <a:solidFill>
+                        <a:srgbClr val="AAAAAA"/>
+                      </a:solidFill>
+                      <a:prstDash val="solid"/>
+                      <a:round/>
+                      <a:headEnd type="none" w="med" len="med"/>
+                      <a:tailEnd type="none" w="med" len="med"/>
+                    </a:lnB>
+                    <a:solidFill>
+                      <a:srgbClr val="F9F9F9"/>
+                    </a:solidFill>
+                  </a:tcPr>
+                </a:tc>
+              </a:tr>
+              <a:tr h="260689">
+                <a:tc>
+                  <a:txBody>
+                    <a:bodyPr/>
+                    <a:lstStyle/>
+                    <a:p>
+                      <a:pPr marL="0" algn="l" defTabSz="1219170" rtl="0" eaLnBrk="1" latinLnBrk="0" hangingPunct="1"/>
+                      <a:r>
+                        <a:rPr lang="en-US" sz="1300" kern="1200">
+                          <a:solidFill>
+                            <a:schemeClr val="tx1"/>
+                          </a:solidFill>
+                          <a:effectLst/>
+                          <a:latin typeface="+mn-lt"/>
+                          <a:ea typeface="+mn-ea"/>
+                          <a:cs typeface="+mn-cs"/>
+                        </a:rPr>
+                        <a:t>4 April 2014</a:t>
+                      </a:r>
+                    </a:p>
+                  </a:txBody>
+                  <a:tcPr anchor="ctr">
+                    <a:lnL w="9525" cap="flat" cmpd="sng" algn="ctr">
+                      <a:solidFill>
+                        <a:srgbClr val="AAAAAA"/>
+                      </a:solidFill>
+                      <a:prstDash val="solid"/>
+                      <a:round/>
+                      <a:headEnd type="none" w="med" len="med"/>
+                      <a:tailEnd type="none" w="med" len="med"/>
+                    </a:lnL>
+                    <a:lnR w="9525" cap="flat" cmpd="sng" algn="ctr">
+                      <a:solidFill>
+                        <a:srgbClr val="AAAAAA"/>
+                      </a:solidFill>
+                      <a:prstDash val="solid"/>
+                      <a:round/>
+                      <a:headEnd type="none" w="med" len="med"/>
+                      <a:tailEnd type="none" w="med" len="med"/>
+                    </a:lnR>
+                    <a:lnT w="9525" cap="flat" cmpd="sng" algn="ctr">
+                      <a:solidFill>
+                        <a:srgbClr val="AAAAAA"/>
+                      </a:solidFill>
+                      <a:prstDash val="solid"/>
+                      <a:round/>
+                      <a:headEnd type="none" w="med" len="med"/>
+                      <a:tailEnd type="none" w="med" len="med"/>
+                    </a:lnT>
+                    <a:lnB w="9525" cap="flat" cmpd="sng" algn="ctr">
+                      <a:solidFill>
+                        <a:srgbClr val="AAAAAA"/>
+                      </a:solidFill>
+                      <a:prstDash val="solid"/>
+                      <a:round/>
+                      <a:headEnd type="none" w="med" len="med"/>
+                      <a:tailEnd type="none" w="med" len="med"/>
+                    </a:lnB>
+                    <a:solidFill>
+                      <a:srgbClr val="F9F9F9"/>
+                    </a:solidFill>
+                  </a:tcPr>
+                </a:tc>
+                <a:tc>
+                  <a:txBody>
+                    <a:bodyPr/>
+                    <a:lstStyle/>
+                    <a:p>
+                      <a:pPr marL="0" algn="l" defTabSz="1219170" rtl="0" eaLnBrk="1" latinLnBrk="0" hangingPunct="1"/>
+                      <a:r>
+                        <a:rPr lang="en-US" sz="1300" kern="1200" dirty="0">
+                          <a:solidFill>
+                            <a:schemeClr val="tx1"/>
+                          </a:solidFill>
+                          <a:effectLst/>
+                          <a:latin typeface="+mn-lt"/>
+                          <a:ea typeface="+mn-ea"/>
+                          <a:cs typeface="+mn-cs"/>
+                        </a:rPr>
+                        <a:t>ASP.NET MVC </a:t>
+                      </a:r>
+                      <a:r>
+                        <a:rPr lang="en-US" sz="1300" kern="1200" dirty="0" smtClean="0">
+                          <a:solidFill>
+                            <a:schemeClr val="tx1"/>
+                          </a:solidFill>
+                          <a:effectLst/>
+                          <a:latin typeface="+mn-lt"/>
+                          <a:ea typeface="+mn-ea"/>
+                          <a:cs typeface="+mn-cs"/>
+                        </a:rPr>
+                        <a:t>5.1.2</a:t>
+                      </a:r>
+                      <a:endParaRPr lang="en-US" sz="1300" kern="1200" dirty="0">
+                        <a:solidFill>
+                          <a:schemeClr val="tx1"/>
+                        </a:solidFill>
+                        <a:effectLst/>
+                        <a:latin typeface="+mn-lt"/>
+                        <a:ea typeface="+mn-ea"/>
+                        <a:cs typeface="+mn-cs"/>
+                      </a:endParaRPr>
+                    </a:p>
+                  </a:txBody>
+                  <a:tcPr anchor="ctr">
+                    <a:lnL w="9525" cap="flat" cmpd="sng" algn="ctr">
+                      <a:solidFill>
+                        <a:srgbClr val="AAAAAA"/>
+                      </a:solidFill>
+                      <a:prstDash val="solid"/>
+                      <a:round/>
+                      <a:headEnd type="none" w="med" len="med"/>
+                      <a:tailEnd type="none" w="med" len="med"/>
+                    </a:lnL>
+                    <a:lnR w="9525" cap="flat" cmpd="sng" algn="ctr">
+                      <a:solidFill>
+                        <a:srgbClr val="AAAAAA"/>
+                      </a:solidFill>
+                      <a:prstDash val="solid"/>
+                      <a:round/>
+                      <a:headEnd type="none" w="med" len="med"/>
+                      <a:tailEnd type="none" w="med" len="med"/>
+                    </a:lnR>
+                    <a:lnT w="9525" cap="flat" cmpd="sng" algn="ctr">
+                      <a:solidFill>
+                        <a:srgbClr val="AAAAAA"/>
+                      </a:solidFill>
+                      <a:prstDash val="solid"/>
+                      <a:round/>
+                      <a:headEnd type="none" w="med" len="med"/>
+                      <a:tailEnd type="none" w="med" len="med"/>
+                    </a:lnT>
+                    <a:lnB w="9525" cap="flat" cmpd="sng" algn="ctr">
+                      <a:solidFill>
+                        <a:srgbClr val="AAAAAA"/>
+                      </a:solidFill>
+                      <a:prstDash val="solid"/>
+                      <a:round/>
+                      <a:headEnd type="none" w="med" len="med"/>
+                      <a:tailEnd type="none" w="med" len="med"/>
+                    </a:lnB>
+                    <a:solidFill>
+                      <a:srgbClr val="F9F9F9"/>
+                    </a:solidFill>
+                  </a:tcPr>
+                </a:tc>
+              </a:tr>
+              <a:tr h="260689">
+                <a:tc>
+                  <a:txBody>
+                    <a:bodyPr/>
+                    <a:lstStyle/>
+                    <a:p>
+                      <a:pPr marL="0" algn="l" defTabSz="1219170" rtl="0" eaLnBrk="1" latinLnBrk="0" hangingPunct="1"/>
+                      <a:r>
+                        <a:rPr lang="en-US" sz="1300" kern="1200" dirty="0">
+                          <a:solidFill>
+                            <a:schemeClr val="tx1"/>
+                          </a:solidFill>
+                          <a:effectLst/>
+                          <a:latin typeface="+mn-lt"/>
+                          <a:ea typeface="+mn-ea"/>
+                          <a:cs typeface="+mn-cs"/>
+                        </a:rPr>
+                        <a:t>22 June 2014</a:t>
+                      </a:r>
+                    </a:p>
+                  </a:txBody>
+                  <a:tcPr anchor="ctr">
+                    <a:lnL w="9525" cap="flat" cmpd="sng" algn="ctr">
+                      <a:solidFill>
+                        <a:srgbClr val="AAAAAA"/>
+                      </a:solidFill>
+                      <a:prstDash val="solid"/>
+                      <a:round/>
+                      <a:headEnd type="none" w="med" len="med"/>
+                      <a:tailEnd type="none" w="med" len="med"/>
+                    </a:lnL>
+                    <a:lnR w="9525" cap="flat" cmpd="sng" algn="ctr">
+                      <a:solidFill>
+                        <a:srgbClr val="AAAAAA"/>
+                      </a:solidFill>
+                      <a:prstDash val="solid"/>
+                      <a:round/>
+                      <a:headEnd type="none" w="med" len="med"/>
+                      <a:tailEnd type="none" w="med" len="med"/>
+                    </a:lnR>
+                    <a:lnT w="9525" cap="flat" cmpd="sng" algn="ctr">
+                      <a:solidFill>
+                        <a:srgbClr val="AAAAAA"/>
+                      </a:solidFill>
+                      <a:prstDash val="solid"/>
+                      <a:round/>
+                      <a:headEnd type="none" w="med" len="med"/>
+                      <a:tailEnd type="none" w="med" len="med"/>
+                    </a:lnT>
+                    <a:lnB w="9525" cap="flat" cmpd="sng" algn="ctr">
+                      <a:solidFill>
+                        <a:srgbClr val="AAAAAA"/>
+                      </a:solidFill>
+                      <a:prstDash val="solid"/>
+                      <a:round/>
+                      <a:headEnd type="none" w="med" len="med"/>
+                      <a:tailEnd type="none" w="med" len="med"/>
+                    </a:lnB>
+                    <a:solidFill>
+                      <a:srgbClr val="F9F9F9"/>
+                    </a:solidFill>
+                  </a:tcPr>
+                </a:tc>
+                <a:tc>
+                  <a:txBody>
+                    <a:bodyPr/>
+                    <a:lstStyle/>
+                    <a:p>
+                      <a:pPr marL="0" algn="l" defTabSz="1219170" rtl="0" eaLnBrk="1" latinLnBrk="0" hangingPunct="1"/>
+                      <a:r>
+                        <a:rPr lang="en-US" sz="1300" kern="1200" dirty="0">
+                          <a:solidFill>
+                            <a:schemeClr val="tx1"/>
+                          </a:solidFill>
+                          <a:effectLst/>
+                          <a:latin typeface="+mn-lt"/>
+                          <a:ea typeface="+mn-ea"/>
+                          <a:cs typeface="+mn-cs"/>
+                        </a:rPr>
+                        <a:t>ASP.NET MVC </a:t>
+                      </a:r>
+                      <a:r>
+                        <a:rPr lang="en-US" sz="1300" kern="1200" dirty="0" smtClean="0">
+                          <a:solidFill>
+                            <a:schemeClr val="tx1"/>
+                          </a:solidFill>
+                          <a:effectLst/>
+                          <a:latin typeface="+mn-lt"/>
+                          <a:ea typeface="+mn-ea"/>
+                          <a:cs typeface="+mn-cs"/>
+                        </a:rPr>
+                        <a:t>5.1.3</a:t>
+                      </a:r>
+                      <a:endParaRPr lang="en-US" sz="1300" kern="1200" dirty="0">
+                        <a:solidFill>
+                          <a:schemeClr val="tx1"/>
+                        </a:solidFill>
+                        <a:effectLst/>
+                        <a:latin typeface="+mn-lt"/>
+                        <a:ea typeface="+mn-ea"/>
+                        <a:cs typeface="+mn-cs"/>
+                      </a:endParaRPr>
+                    </a:p>
+                  </a:txBody>
+                  <a:tcPr anchor="ctr">
+                    <a:lnL w="9525" cap="flat" cmpd="sng" algn="ctr">
+                      <a:solidFill>
+                        <a:srgbClr val="AAAAAA"/>
+                      </a:solidFill>
+                      <a:prstDash val="solid"/>
+                      <a:round/>
+                      <a:headEnd type="none" w="med" len="med"/>
+                      <a:tailEnd type="none" w="med" len="med"/>
+                    </a:lnL>
+                    <a:lnR w="9525" cap="flat" cmpd="sng" algn="ctr">
+                      <a:solidFill>
+                        <a:srgbClr val="AAAAAA"/>
+                      </a:solidFill>
+                      <a:prstDash val="solid"/>
+                      <a:round/>
+                      <a:headEnd type="none" w="med" len="med"/>
+                      <a:tailEnd type="none" w="med" len="med"/>
+                    </a:lnR>
+                    <a:lnT w="9525" cap="flat" cmpd="sng" algn="ctr">
+                      <a:solidFill>
+                        <a:srgbClr val="AAAAAA"/>
+                      </a:solidFill>
+                      <a:prstDash val="solid"/>
+                      <a:round/>
+                      <a:headEnd type="none" w="med" len="med"/>
+                      <a:tailEnd type="none" w="med" len="med"/>
+                    </a:lnT>
+                    <a:lnB w="9525" cap="flat" cmpd="sng" algn="ctr">
+                      <a:solidFill>
+                        <a:srgbClr val="AAAAAA"/>
+                      </a:solidFill>
+                      <a:prstDash val="solid"/>
+                      <a:round/>
+                      <a:headEnd type="none" w="med" len="med"/>
+                      <a:tailEnd type="none" w="med" len="med"/>
+                    </a:lnB>
+                    <a:solidFill>
+                      <a:srgbClr val="F9F9F9"/>
+                    </a:solidFill>
+                  </a:tcPr>
+                </a:tc>
+              </a:tr>
+              <a:tr h="260689">
+                <a:tc>
+                  <a:txBody>
+                    <a:bodyPr/>
+                    <a:lstStyle/>
+                    <a:p>
+                      <a:pPr marL="0" algn="l" defTabSz="1219170" rtl="0" eaLnBrk="1" latinLnBrk="0" hangingPunct="1"/>
+                      <a:r>
+                        <a:rPr lang="en-US" sz="1300" kern="1200">
+                          <a:solidFill>
+                            <a:schemeClr val="tx1"/>
+                          </a:solidFill>
+                          <a:effectLst/>
+                          <a:latin typeface="+mn-lt"/>
+                          <a:ea typeface="+mn-ea"/>
+                          <a:cs typeface="+mn-cs"/>
+                        </a:rPr>
+                        <a:t>1 July 2014</a:t>
+                      </a:r>
+                    </a:p>
+                  </a:txBody>
+                  <a:tcPr anchor="ctr">
+                    <a:lnL w="9525" cap="flat" cmpd="sng" algn="ctr">
+                      <a:solidFill>
+                        <a:srgbClr val="AAAAAA"/>
+                      </a:solidFill>
+                      <a:prstDash val="solid"/>
+                      <a:round/>
+                      <a:headEnd type="none" w="med" len="med"/>
+                      <a:tailEnd type="none" w="med" len="med"/>
+                    </a:lnL>
+                    <a:lnR w="9525" cap="flat" cmpd="sng" algn="ctr">
+                      <a:solidFill>
+                        <a:srgbClr val="AAAAAA"/>
+                      </a:solidFill>
+                      <a:prstDash val="solid"/>
+                      <a:round/>
+                      <a:headEnd type="none" w="med" len="med"/>
+                      <a:tailEnd type="none" w="med" len="med"/>
+                    </a:lnR>
+                    <a:lnT w="9525" cap="flat" cmpd="sng" algn="ctr">
+                      <a:solidFill>
+                        <a:srgbClr val="AAAAAA"/>
+                      </a:solidFill>
+                      <a:prstDash val="solid"/>
+                      <a:round/>
+                      <a:headEnd type="none" w="med" len="med"/>
+                      <a:tailEnd type="none" w="med" len="med"/>
+                    </a:lnT>
+                    <a:lnB w="9525" cap="flat" cmpd="sng" algn="ctr">
+                      <a:solidFill>
+                        <a:srgbClr val="AAAAAA"/>
+                      </a:solidFill>
+                      <a:prstDash val="solid"/>
+                      <a:round/>
+                      <a:headEnd type="none" w="med" len="med"/>
+                      <a:tailEnd type="none" w="med" len="med"/>
+                    </a:lnB>
+                    <a:solidFill>
+                      <a:srgbClr val="F9F9F9"/>
+                    </a:solidFill>
+                  </a:tcPr>
+                </a:tc>
+                <a:tc>
+                  <a:txBody>
+                    <a:bodyPr/>
+                    <a:lstStyle/>
+                    <a:p>
+                      <a:pPr marL="0" algn="l" defTabSz="1219170" rtl="0" eaLnBrk="1" latinLnBrk="0" hangingPunct="1"/>
+                      <a:r>
+                        <a:rPr lang="en-US" sz="1300" kern="1200" dirty="0">
+                          <a:solidFill>
+                            <a:schemeClr val="tx1"/>
+                          </a:solidFill>
+                          <a:effectLst/>
+                          <a:latin typeface="+mn-lt"/>
+                          <a:ea typeface="+mn-ea"/>
+                          <a:cs typeface="+mn-cs"/>
+                        </a:rPr>
+                        <a:t>ASP.NET MVC </a:t>
+                      </a:r>
+                      <a:r>
+                        <a:rPr lang="en-US" sz="1300" kern="1200" dirty="0" smtClean="0">
+                          <a:solidFill>
+                            <a:schemeClr val="tx1"/>
+                          </a:solidFill>
+                          <a:effectLst/>
+                          <a:latin typeface="+mn-lt"/>
+                          <a:ea typeface="+mn-ea"/>
+                          <a:cs typeface="+mn-cs"/>
+                        </a:rPr>
+                        <a:t>5.2.0</a:t>
+                      </a:r>
+                      <a:endParaRPr lang="en-US" sz="1300" kern="1200" dirty="0">
+                        <a:solidFill>
+                          <a:schemeClr val="tx1"/>
+                        </a:solidFill>
+                        <a:effectLst/>
+                        <a:latin typeface="+mn-lt"/>
+                        <a:ea typeface="+mn-ea"/>
+                        <a:cs typeface="+mn-cs"/>
+                      </a:endParaRPr>
+                    </a:p>
+                  </a:txBody>
+                  <a:tcPr anchor="ctr">
+                    <a:lnL w="9525" cap="flat" cmpd="sng" algn="ctr">
+                      <a:solidFill>
+                        <a:srgbClr val="AAAAAA"/>
+                      </a:solidFill>
+                      <a:prstDash val="solid"/>
+                      <a:round/>
+                      <a:headEnd type="none" w="med" len="med"/>
+                      <a:tailEnd type="none" w="med" len="med"/>
+                    </a:lnL>
+                    <a:lnR w="9525" cap="flat" cmpd="sng" algn="ctr">
+                      <a:solidFill>
+                        <a:srgbClr val="AAAAAA"/>
+                      </a:solidFill>
+                      <a:prstDash val="solid"/>
+                      <a:round/>
+                      <a:headEnd type="none" w="med" len="med"/>
+                      <a:tailEnd type="none" w="med" len="med"/>
+                    </a:lnR>
+                    <a:lnT w="9525" cap="flat" cmpd="sng" algn="ctr">
+                      <a:solidFill>
+                        <a:srgbClr val="AAAAAA"/>
+                      </a:solidFill>
+                      <a:prstDash val="solid"/>
+                      <a:round/>
+                      <a:headEnd type="none" w="med" len="med"/>
+                      <a:tailEnd type="none" w="med" len="med"/>
+                    </a:lnT>
+                    <a:lnB w="9525" cap="flat" cmpd="sng" algn="ctr">
+                      <a:solidFill>
+                        <a:srgbClr val="AAAAAA"/>
+                      </a:solidFill>
+                      <a:prstDash val="solid"/>
+                      <a:round/>
+                      <a:headEnd type="none" w="med" len="med"/>
+                      <a:tailEnd type="none" w="med" len="med"/>
+                    </a:lnB>
+                    <a:solidFill>
+                      <a:srgbClr val="F9F9F9"/>
+                    </a:solidFill>
+                  </a:tcPr>
+                </a:tc>
+              </a:tr>
+              <a:tr h="260689">
+                <a:tc>
+                  <a:txBody>
+                    <a:bodyPr/>
+                    <a:lstStyle/>
+                    <a:p>
+                      <a:pPr marL="0" algn="l" defTabSz="1219170" rtl="0" eaLnBrk="1" latinLnBrk="0" hangingPunct="1"/>
+                      <a:r>
+                        <a:rPr lang="en-US" sz="1300" kern="1200">
+                          <a:solidFill>
+                            <a:schemeClr val="tx1"/>
+                          </a:solidFill>
+                          <a:effectLst/>
+                          <a:latin typeface="+mn-lt"/>
+                          <a:ea typeface="+mn-ea"/>
+                          <a:cs typeface="+mn-cs"/>
+                        </a:rPr>
+                        <a:t>28 August 2014</a:t>
+                      </a:r>
+                    </a:p>
+                  </a:txBody>
+                  <a:tcPr anchor="ctr">
+                    <a:lnL w="9525" cap="flat" cmpd="sng" algn="ctr">
+                      <a:solidFill>
+                        <a:srgbClr val="AAAAAA"/>
+                      </a:solidFill>
+                      <a:prstDash val="solid"/>
+                      <a:round/>
+                      <a:headEnd type="none" w="med" len="med"/>
+                      <a:tailEnd type="none" w="med" len="med"/>
+                    </a:lnL>
+                    <a:lnR w="9525" cap="flat" cmpd="sng" algn="ctr">
+                      <a:solidFill>
+                        <a:srgbClr val="AAAAAA"/>
+                      </a:solidFill>
+                      <a:prstDash val="solid"/>
+                      <a:round/>
+                      <a:headEnd type="none" w="med" len="med"/>
+                      <a:tailEnd type="none" w="med" len="med"/>
+                    </a:lnR>
+                    <a:lnT w="9525" cap="flat" cmpd="sng" algn="ctr">
+                      <a:solidFill>
+                        <a:srgbClr val="AAAAAA"/>
+                      </a:solidFill>
+                      <a:prstDash val="solid"/>
+                      <a:round/>
+                      <a:headEnd type="none" w="med" len="med"/>
+                      <a:tailEnd type="none" w="med" len="med"/>
+                    </a:lnT>
+                    <a:lnB w="9525" cap="flat" cmpd="sng" algn="ctr">
+                      <a:solidFill>
+                        <a:srgbClr val="AAAAAA"/>
+                      </a:solidFill>
+                      <a:prstDash val="solid"/>
+                      <a:round/>
+                      <a:headEnd type="none" w="med" len="med"/>
+                      <a:tailEnd type="none" w="med" len="med"/>
+                    </a:lnB>
+                    <a:solidFill>
+                      <a:srgbClr val="F9F9F9"/>
+                    </a:solidFill>
+                  </a:tcPr>
+                </a:tc>
+                <a:tc>
+                  <a:txBody>
+                    <a:bodyPr/>
+                    <a:lstStyle/>
+                    <a:p>
+                      <a:pPr marL="0" algn="l" defTabSz="1219170" rtl="0" eaLnBrk="1" latinLnBrk="0" hangingPunct="1"/>
+                      <a:r>
+                        <a:rPr lang="en-US" sz="1300" kern="1200" dirty="0">
+                          <a:solidFill>
+                            <a:schemeClr val="tx1"/>
+                          </a:solidFill>
+                          <a:effectLst/>
+                          <a:latin typeface="+mn-lt"/>
+                          <a:ea typeface="+mn-ea"/>
+                          <a:cs typeface="+mn-cs"/>
+                        </a:rPr>
+                        <a:t>ASP.NET MVC </a:t>
+                      </a:r>
+                      <a:r>
+                        <a:rPr lang="en-US" sz="1300" kern="1200" dirty="0" smtClean="0">
+                          <a:solidFill>
+                            <a:schemeClr val="tx1"/>
+                          </a:solidFill>
+                          <a:effectLst/>
+                          <a:latin typeface="+mn-lt"/>
+                          <a:ea typeface="+mn-ea"/>
+                          <a:cs typeface="+mn-cs"/>
+                        </a:rPr>
+                        <a:t>5.2.2</a:t>
+                      </a:r>
+                      <a:endParaRPr lang="en-US" sz="1300" kern="1200" dirty="0">
+                        <a:solidFill>
+                          <a:schemeClr val="tx1"/>
+                        </a:solidFill>
+                        <a:effectLst/>
+                        <a:latin typeface="+mn-lt"/>
+                        <a:ea typeface="+mn-ea"/>
+                        <a:cs typeface="+mn-cs"/>
+                      </a:endParaRPr>
+                    </a:p>
+                  </a:txBody>
+                  <a:tcPr anchor="ctr">
+                    <a:lnL w="9525" cap="flat" cmpd="sng" algn="ctr">
+                      <a:solidFill>
+                        <a:srgbClr val="AAAAAA"/>
+                      </a:solidFill>
+                      <a:prstDash val="solid"/>
+                      <a:round/>
+                      <a:headEnd type="none" w="med" len="med"/>
+                      <a:tailEnd type="none" w="med" len="med"/>
+                    </a:lnL>
+                    <a:lnR w="9525" cap="flat" cmpd="sng" algn="ctr">
+                      <a:solidFill>
+                        <a:srgbClr val="AAAAAA"/>
+                      </a:solidFill>
+                      <a:prstDash val="solid"/>
+                      <a:round/>
+                      <a:headEnd type="none" w="med" len="med"/>
+                      <a:tailEnd type="none" w="med" len="med"/>
+                    </a:lnR>
+                    <a:lnT w="9525" cap="flat" cmpd="sng" algn="ctr">
+                      <a:solidFill>
+                        <a:srgbClr val="AAAAAA"/>
+                      </a:solidFill>
+                      <a:prstDash val="solid"/>
+                      <a:round/>
+                      <a:headEnd type="none" w="med" len="med"/>
+                      <a:tailEnd type="none" w="med" len="med"/>
+                    </a:lnT>
+                    <a:lnB w="9525" cap="flat" cmpd="sng" algn="ctr">
+                      <a:solidFill>
+                        <a:srgbClr val="AAAAAA"/>
+                      </a:solidFill>
+                      <a:prstDash val="solid"/>
+                      <a:round/>
+                      <a:headEnd type="none" w="med" len="med"/>
+                      <a:tailEnd type="none" w="med" len="med"/>
+                    </a:lnB>
+                    <a:solidFill>
+                      <a:srgbClr val="F9F9F9"/>
+                    </a:solidFill>
+                  </a:tcPr>
+                </a:tc>
+              </a:tr>
+              <a:tr h="260689">
+                <a:tc>
+                  <a:txBody>
+                    <a:bodyPr/>
+                    <a:lstStyle/>
+                    <a:p>
+                      <a:pPr marL="0" algn="l" defTabSz="1219170" rtl="0" eaLnBrk="1" latinLnBrk="0" hangingPunct="1"/>
+                      <a:r>
+                        <a:rPr lang="en-US" sz="1300" kern="1200">
+                          <a:solidFill>
+                            <a:schemeClr val="tx1"/>
+                          </a:solidFill>
+                          <a:effectLst/>
+                          <a:latin typeface="+mn-lt"/>
+                          <a:ea typeface="+mn-ea"/>
+                          <a:cs typeface="+mn-cs"/>
+                        </a:rPr>
+                        <a:t>9 January 2015</a:t>
+                      </a:r>
+                    </a:p>
+                  </a:txBody>
+                  <a:tcPr anchor="ctr">
+                    <a:lnL w="9525" cap="flat" cmpd="sng" algn="ctr">
+                      <a:solidFill>
+                        <a:srgbClr val="AAAAAA"/>
+                      </a:solidFill>
+                      <a:prstDash val="solid"/>
+                      <a:round/>
+                      <a:headEnd type="none" w="med" len="med"/>
+                      <a:tailEnd type="none" w="med" len="med"/>
+                    </a:lnL>
+                    <a:lnR w="9525" cap="flat" cmpd="sng" algn="ctr">
+                      <a:solidFill>
+                        <a:srgbClr val="AAAAAA"/>
+                      </a:solidFill>
+                      <a:prstDash val="solid"/>
+                      <a:round/>
+                      <a:headEnd type="none" w="med" len="med"/>
+                      <a:tailEnd type="none" w="med" len="med"/>
+                    </a:lnR>
+                    <a:lnT w="9525" cap="flat" cmpd="sng" algn="ctr">
+                      <a:solidFill>
+                        <a:srgbClr val="AAAAAA"/>
+                      </a:solidFill>
+                      <a:prstDash val="solid"/>
+                      <a:round/>
+                      <a:headEnd type="none" w="med" len="med"/>
+                      <a:tailEnd type="none" w="med" len="med"/>
+                    </a:lnT>
+                    <a:lnB w="9525" cap="flat" cmpd="sng" algn="ctr">
+                      <a:solidFill>
+                        <a:srgbClr val="AAAAAA"/>
+                      </a:solidFill>
+                      <a:prstDash val="solid"/>
+                      <a:round/>
+                      <a:headEnd type="none" w="med" len="med"/>
+                      <a:tailEnd type="none" w="med" len="med"/>
+                    </a:lnB>
+                    <a:solidFill>
+                      <a:srgbClr val="F9F9F9"/>
+                    </a:solidFill>
+                  </a:tcPr>
+                </a:tc>
+                <a:tc>
+                  <a:txBody>
+                    <a:bodyPr/>
+                    <a:lstStyle/>
+                    <a:p>
+                      <a:pPr marL="0" algn="l" defTabSz="1219170" rtl="0" eaLnBrk="1" latinLnBrk="0" hangingPunct="1"/>
+                      <a:r>
+                        <a:rPr lang="en-US" sz="1300" kern="1200" dirty="0">
+                          <a:solidFill>
+                            <a:schemeClr val="tx1"/>
+                          </a:solidFill>
+                          <a:effectLst/>
+                          <a:latin typeface="+mn-lt"/>
+                          <a:ea typeface="+mn-ea"/>
+                          <a:cs typeface="+mn-cs"/>
+                        </a:rPr>
+                        <a:t>ASP.NET MVC </a:t>
+                      </a:r>
+                      <a:r>
+                        <a:rPr lang="en-US" sz="1300" kern="1200" dirty="0" smtClean="0">
+                          <a:solidFill>
+                            <a:schemeClr val="tx1"/>
+                          </a:solidFill>
+                          <a:effectLst/>
+                          <a:latin typeface="+mn-lt"/>
+                          <a:ea typeface="+mn-ea"/>
+                          <a:cs typeface="+mn-cs"/>
+                        </a:rPr>
+                        <a:t>5.2.3</a:t>
+                      </a:r>
+                      <a:endParaRPr lang="en-US" sz="1300" kern="1200" dirty="0">
+                        <a:solidFill>
+                          <a:schemeClr val="tx1"/>
+                        </a:solidFill>
+                        <a:effectLst/>
+                        <a:latin typeface="+mn-lt"/>
+                        <a:ea typeface="+mn-ea"/>
+                        <a:cs typeface="+mn-cs"/>
+                      </a:endParaRPr>
+                    </a:p>
+                  </a:txBody>
+                  <a:tcPr anchor="ctr">
                     <a:lnL w="9525" cap="flat" cmpd="sng" algn="ctr">
                       <a:solidFill>
                         <a:srgbClr val="AAAAAA"/>
@@ -16351,6 +18253,1288 @@
 </file>
 
 <file path=ppt/slides/slide5.xml><?xml version="1.0" encoding="utf-8"?>
+<p:sld xmlns:a="http://schemas.openxmlformats.org/drawingml/2006/main" xmlns:r="http://schemas.openxmlformats.org/officeDocument/2006/relationships" xmlns:p="http://schemas.openxmlformats.org/presentationml/2006/main">
+  <p:cSld>
+    <p:bg>
+      <p:bgPr>
+        <a:noFill/>
+        <a:effectLst/>
+      </p:bgPr>
+    </p:bg>
+    <p:spTree>
+      <p:nvGrpSpPr>
+        <p:cNvPr id="1" name=""/>
+        <p:cNvGrpSpPr/>
+        <p:nvPr/>
+      </p:nvGrpSpPr>
+      <p:grpSpPr>
+        <a:xfrm>
+          <a:off x="0" y="0"/>
+          <a:ext cx="0" cy="0"/>
+          <a:chOff x="0" y="0"/>
+          <a:chExt cx="0" cy="0"/>
+        </a:xfrm>
+      </p:grpSpPr>
+      <p:sp>
+        <p:nvSpPr>
+          <p:cNvPr id="2" name="Title 1"/>
+          <p:cNvSpPr>
+            <a:spLocks noGrp="1"/>
+          </p:cNvSpPr>
+          <p:nvPr>
+            <p:ph type="title"/>
+          </p:nvPr>
+        </p:nvSpPr>
+        <p:spPr/>
+        <p:txBody>
+          <a:bodyPr/>
+          <a:lstStyle/>
+          <a:p>
+            <a:r>
+              <a:rPr lang="es-AR" dirty="0" smtClean="0"/>
+              <a:t>Historia</a:t>
+            </a:r>
+            <a:endParaRPr lang="en-US" dirty="0"/>
+          </a:p>
+        </p:txBody>
+      </p:sp>
+      <p:graphicFrame>
+        <p:nvGraphicFramePr>
+          <p:cNvPr id="3" name="Content Placeholder 2"/>
+          <p:cNvGraphicFramePr>
+            <a:graphicFrameLocks noGrp="1"/>
+          </p:cNvGraphicFramePr>
+          <p:nvPr>
+            <p:ph idx="1"/>
+            <p:extLst>
+              <p:ext uri="{D42A27DB-BD31-4B8C-83A1-F6EECF244321}">
+                <p14:modId xmlns:p14="http://schemas.microsoft.com/office/powerpoint/2010/main" val="2614187419"/>
+              </p:ext>
+            </p:extLst>
+          </p:nvPr>
+        </p:nvGraphicFramePr>
+        <p:xfrm>
+          <a:off x="2660473" y="1666194"/>
+          <a:ext cx="7212430" cy="2316882"/>
+        </p:xfrm>
+        <a:graphic>
+          <a:graphicData uri="http://schemas.openxmlformats.org/drawingml/2006/table">
+            <a:tbl>
+              <a:tblPr/>
+              <a:tblGrid>
+                <a:gridCol w="2681995"/>
+                <a:gridCol w="4530435"/>
+              </a:tblGrid>
+              <a:tr h="260689">
+                <a:tc>
+                  <a:txBody>
+                    <a:bodyPr/>
+                    <a:lstStyle/>
+                    <a:p>
+                      <a:pPr algn="ctr"/>
+                      <a:r>
+                        <a:rPr lang="en-US" sz="1300" dirty="0">
+                          <a:effectLst/>
+                        </a:rPr>
+                        <a:t>Date</a:t>
+                      </a:r>
+                    </a:p>
+                  </a:txBody>
+                  <a:tcPr marL="65172" marR="65172" marT="32586" marB="32586" anchor="ctr">
+                    <a:lnL w="9525" cap="flat" cmpd="sng" algn="ctr">
+                      <a:solidFill>
+                        <a:srgbClr val="AAAAAA"/>
+                      </a:solidFill>
+                      <a:prstDash val="solid"/>
+                      <a:round/>
+                      <a:headEnd type="none" w="med" len="med"/>
+                      <a:tailEnd type="none" w="med" len="med"/>
+                    </a:lnL>
+                    <a:lnR w="9525" cap="flat" cmpd="sng" algn="ctr">
+                      <a:solidFill>
+                        <a:srgbClr val="AAAAAA"/>
+                      </a:solidFill>
+                      <a:prstDash val="solid"/>
+                      <a:round/>
+                      <a:headEnd type="none" w="med" len="med"/>
+                      <a:tailEnd type="none" w="med" len="med"/>
+                    </a:lnR>
+                    <a:lnT w="9525" cap="flat" cmpd="sng" algn="ctr">
+                      <a:solidFill>
+                        <a:srgbClr val="AAAAAA"/>
+                      </a:solidFill>
+                      <a:prstDash val="solid"/>
+                      <a:round/>
+                      <a:headEnd type="none" w="med" len="med"/>
+                      <a:tailEnd type="none" w="med" len="med"/>
+                    </a:lnT>
+                    <a:lnB w="9525" cap="flat" cmpd="sng" algn="ctr">
+                      <a:solidFill>
+                        <a:srgbClr val="AAAAAA"/>
+                      </a:solidFill>
+                      <a:prstDash val="solid"/>
+                      <a:round/>
+                      <a:headEnd type="none" w="med" len="med"/>
+                      <a:tailEnd type="none" w="med" len="med"/>
+                    </a:lnB>
+                    <a:solidFill>
+                      <a:srgbClr val="F2F2F2"/>
+                    </a:solidFill>
+                  </a:tcPr>
+                </a:tc>
+                <a:tc>
+                  <a:txBody>
+                    <a:bodyPr/>
+                    <a:lstStyle/>
+                    <a:p>
+                      <a:pPr algn="ctr"/>
+                      <a:r>
+                        <a:rPr lang="en-US" sz="1300" dirty="0">
+                          <a:effectLst/>
+                        </a:rPr>
+                        <a:t>Version</a:t>
+                      </a:r>
+                    </a:p>
+                  </a:txBody>
+                  <a:tcPr marL="65172" marR="65172" marT="32586" marB="32586" anchor="ctr">
+                    <a:lnL w="9525" cap="flat" cmpd="sng" algn="ctr">
+                      <a:solidFill>
+                        <a:srgbClr val="AAAAAA"/>
+                      </a:solidFill>
+                      <a:prstDash val="solid"/>
+                      <a:round/>
+                      <a:headEnd type="none" w="med" len="med"/>
+                      <a:tailEnd type="none" w="med" len="med"/>
+                    </a:lnL>
+                    <a:lnR w="9525" cap="flat" cmpd="sng" algn="ctr">
+                      <a:solidFill>
+                        <a:srgbClr val="AAAAAA"/>
+                      </a:solidFill>
+                      <a:prstDash val="solid"/>
+                      <a:round/>
+                      <a:headEnd type="none" w="med" len="med"/>
+                      <a:tailEnd type="none" w="med" len="med"/>
+                    </a:lnR>
+                    <a:lnT w="9525" cap="flat" cmpd="sng" algn="ctr">
+                      <a:solidFill>
+                        <a:srgbClr val="AAAAAA"/>
+                      </a:solidFill>
+                      <a:prstDash val="solid"/>
+                      <a:round/>
+                      <a:headEnd type="none" w="med" len="med"/>
+                      <a:tailEnd type="none" w="med" len="med"/>
+                    </a:lnT>
+                    <a:lnB w="9525" cap="flat" cmpd="sng" algn="ctr">
+                      <a:solidFill>
+                        <a:srgbClr val="AAAAAA"/>
+                      </a:solidFill>
+                      <a:prstDash val="solid"/>
+                      <a:round/>
+                      <a:headEnd type="none" w="med" len="med"/>
+                      <a:tailEnd type="none" w="med" len="med"/>
+                    </a:lnB>
+                    <a:solidFill>
+                      <a:srgbClr val="F2F2F2"/>
+                    </a:solidFill>
+                  </a:tcPr>
+                </a:tc>
+              </a:tr>
+              <a:tr h="260689">
+                <a:tc>
+                  <a:txBody>
+                    <a:bodyPr/>
+                    <a:lstStyle/>
+                    <a:p>
+                      <a:pPr algn="l" fontAlgn="ctr"/>
+                      <a:r>
+                        <a:rPr lang="en-US" sz="1300" kern="1200" dirty="0" smtClean="0">
+                          <a:solidFill>
+                            <a:schemeClr val="tx1"/>
+                          </a:solidFill>
+                          <a:effectLst/>
+                          <a:latin typeface="+mn-lt"/>
+                          <a:ea typeface="+mn-ea"/>
+                          <a:cs typeface="+mn-cs"/>
+                        </a:rPr>
+                        <a:t>November </a:t>
+                      </a:r>
+                      <a:r>
+                        <a:rPr lang="en-US" sz="1300" kern="1200" dirty="0">
+                          <a:solidFill>
+                            <a:schemeClr val="tx1"/>
+                          </a:solidFill>
+                          <a:effectLst/>
+                          <a:latin typeface="+mn-lt"/>
+                          <a:ea typeface="+mn-ea"/>
+                          <a:cs typeface="+mn-cs"/>
+                        </a:rPr>
+                        <a:t>11 2014</a:t>
+                      </a:r>
+                    </a:p>
+                  </a:txBody>
+                  <a:tcPr marL="171450" marR="9525" marT="47625" marB="47625" anchor="ctr">
+                    <a:lnL w="9525" cap="flat" cmpd="sng" algn="ctr">
+                      <a:solidFill>
+                        <a:srgbClr val="AAAAAA"/>
+                      </a:solidFill>
+                      <a:prstDash val="solid"/>
+                      <a:round/>
+                      <a:headEnd type="none" w="med" len="med"/>
+                      <a:tailEnd type="none" w="med" len="med"/>
+                    </a:lnL>
+                    <a:lnR w="9525" cap="flat" cmpd="sng" algn="ctr">
+                      <a:solidFill>
+                        <a:srgbClr val="AAAAAA"/>
+                      </a:solidFill>
+                      <a:prstDash val="solid"/>
+                      <a:round/>
+                      <a:headEnd type="none" w="med" len="med"/>
+                      <a:tailEnd type="none" w="med" len="med"/>
+                    </a:lnR>
+                    <a:lnT w="9525" cap="flat" cmpd="sng" algn="ctr">
+                      <a:solidFill>
+                        <a:srgbClr val="AAAAAA"/>
+                      </a:solidFill>
+                      <a:prstDash val="solid"/>
+                      <a:round/>
+                      <a:headEnd type="none" w="med" len="med"/>
+                      <a:tailEnd type="none" w="med" len="med"/>
+                    </a:lnT>
+                    <a:lnB w="9525" cap="flat" cmpd="sng" algn="ctr">
+                      <a:solidFill>
+                        <a:srgbClr val="AAAAAA"/>
+                      </a:solidFill>
+                      <a:prstDash val="solid"/>
+                      <a:round/>
+                      <a:headEnd type="none" w="med" len="med"/>
+                      <a:tailEnd type="none" w="med" len="med"/>
+                    </a:lnB>
+                    <a:solidFill>
+                      <a:srgbClr val="F2F2F2"/>
+                    </a:solidFill>
+                  </a:tcPr>
+                </a:tc>
+                <a:tc>
+                  <a:txBody>
+                    <a:bodyPr/>
+                    <a:lstStyle/>
+                    <a:p>
+                      <a:pPr algn="l" fontAlgn="ctr"/>
+                      <a:r>
+                        <a:rPr lang="en-US" sz="1300" kern="1200" dirty="0" err="1">
+                          <a:solidFill>
+                            <a:schemeClr val="tx1"/>
+                          </a:solidFill>
+                          <a:effectLst/>
+                          <a:latin typeface="+mn-lt"/>
+                          <a:ea typeface="+mn-ea"/>
+                          <a:cs typeface="+mn-cs"/>
+                        </a:rPr>
+                        <a:t>Microsoft.AspNet.Mvc</a:t>
+                      </a:r>
+                      <a:r>
+                        <a:rPr lang="en-US" sz="1300" kern="1200" dirty="0">
+                          <a:solidFill>
+                            <a:schemeClr val="tx1"/>
+                          </a:solidFill>
+                          <a:effectLst/>
+                          <a:latin typeface="+mn-lt"/>
+                          <a:ea typeface="+mn-ea"/>
+                          <a:cs typeface="+mn-cs"/>
+                        </a:rPr>
+                        <a:t> 6.0.0-beta1</a:t>
+                      </a:r>
+                    </a:p>
+                  </a:txBody>
+                  <a:tcPr marL="171450" marR="9525" marT="47625" marB="47625" anchor="ctr">
+                    <a:lnL w="9525" cap="flat" cmpd="sng" algn="ctr">
+                      <a:solidFill>
+                        <a:srgbClr val="AAAAAA"/>
+                      </a:solidFill>
+                      <a:prstDash val="solid"/>
+                      <a:round/>
+                      <a:headEnd type="none" w="med" len="med"/>
+                      <a:tailEnd type="none" w="med" len="med"/>
+                    </a:lnL>
+                    <a:lnR w="9525" cap="flat" cmpd="sng" algn="ctr">
+                      <a:solidFill>
+                        <a:srgbClr val="AAAAAA"/>
+                      </a:solidFill>
+                      <a:prstDash val="solid"/>
+                      <a:round/>
+                      <a:headEnd type="none" w="med" len="med"/>
+                      <a:tailEnd type="none" w="med" len="med"/>
+                    </a:lnR>
+                    <a:lnT w="9525" cap="flat" cmpd="sng" algn="ctr">
+                      <a:solidFill>
+                        <a:srgbClr val="AAAAAA"/>
+                      </a:solidFill>
+                      <a:prstDash val="solid"/>
+                      <a:round/>
+                      <a:headEnd type="none" w="med" len="med"/>
+                      <a:tailEnd type="none" w="med" len="med"/>
+                    </a:lnT>
+                    <a:lnB w="9525" cap="flat" cmpd="sng" algn="ctr">
+                      <a:solidFill>
+                        <a:srgbClr val="AAAAAA"/>
+                      </a:solidFill>
+                      <a:prstDash val="solid"/>
+                      <a:round/>
+                      <a:headEnd type="none" w="med" len="med"/>
+                      <a:tailEnd type="none" w="med" len="med"/>
+                    </a:lnB>
+                    <a:solidFill>
+                      <a:srgbClr val="F2F2F2"/>
+                    </a:solidFill>
+                  </a:tcPr>
+                </a:tc>
+              </a:tr>
+              <a:tr h="260689">
+                <a:tc>
+                  <a:txBody>
+                    <a:bodyPr/>
+                    <a:lstStyle/>
+                    <a:p>
+                      <a:pPr algn="l" fontAlgn="ctr"/>
+                      <a:r>
+                        <a:rPr lang="en-US" sz="1300" kern="1200" dirty="0" smtClean="0">
+                          <a:solidFill>
+                            <a:schemeClr val="tx1"/>
+                          </a:solidFill>
+                          <a:effectLst/>
+                          <a:latin typeface="+mn-lt"/>
+                          <a:ea typeface="+mn-ea"/>
+                          <a:cs typeface="+mn-cs"/>
+                        </a:rPr>
+                        <a:t>January </a:t>
+                      </a:r>
+                      <a:r>
+                        <a:rPr lang="en-US" sz="1300" kern="1200" dirty="0">
+                          <a:solidFill>
+                            <a:schemeClr val="tx1"/>
+                          </a:solidFill>
+                          <a:effectLst/>
+                          <a:latin typeface="+mn-lt"/>
+                          <a:ea typeface="+mn-ea"/>
+                          <a:cs typeface="+mn-cs"/>
+                        </a:rPr>
+                        <a:t>15 2015</a:t>
+                      </a:r>
+                    </a:p>
+                  </a:txBody>
+                  <a:tcPr marL="171450" marR="9525" marT="47625" marB="47625" anchor="ctr">
+                    <a:lnL w="9525" cap="flat" cmpd="sng" algn="ctr">
+                      <a:solidFill>
+                        <a:srgbClr val="AAAAAA"/>
+                      </a:solidFill>
+                      <a:prstDash val="solid"/>
+                      <a:round/>
+                      <a:headEnd type="none" w="med" len="med"/>
+                      <a:tailEnd type="none" w="med" len="med"/>
+                    </a:lnL>
+                    <a:lnR w="9525" cap="flat" cmpd="sng" algn="ctr">
+                      <a:solidFill>
+                        <a:srgbClr val="AAAAAA"/>
+                      </a:solidFill>
+                      <a:prstDash val="solid"/>
+                      <a:round/>
+                      <a:headEnd type="none" w="med" len="med"/>
+                      <a:tailEnd type="none" w="med" len="med"/>
+                    </a:lnR>
+                    <a:lnT w="9525" cap="flat" cmpd="sng" algn="ctr">
+                      <a:solidFill>
+                        <a:srgbClr val="AAAAAA"/>
+                      </a:solidFill>
+                      <a:prstDash val="solid"/>
+                      <a:round/>
+                      <a:headEnd type="none" w="med" len="med"/>
+                      <a:tailEnd type="none" w="med" len="med"/>
+                    </a:lnT>
+                    <a:lnB w="9525" cap="flat" cmpd="sng" algn="ctr">
+                      <a:solidFill>
+                        <a:srgbClr val="AAAAAA"/>
+                      </a:solidFill>
+                      <a:prstDash val="solid"/>
+                      <a:round/>
+                      <a:headEnd type="none" w="med" len="med"/>
+                      <a:tailEnd type="none" w="med" len="med"/>
+                    </a:lnB>
+                    <a:solidFill>
+                      <a:srgbClr val="F2F2F2"/>
+                    </a:solidFill>
+                  </a:tcPr>
+                </a:tc>
+                <a:tc>
+                  <a:txBody>
+                    <a:bodyPr/>
+                    <a:lstStyle/>
+                    <a:p>
+                      <a:pPr algn="l" fontAlgn="ctr"/>
+                      <a:r>
+                        <a:rPr lang="en-US" sz="1300" kern="1200" dirty="0" err="1">
+                          <a:solidFill>
+                            <a:schemeClr val="tx1"/>
+                          </a:solidFill>
+                          <a:effectLst/>
+                          <a:latin typeface="+mn-lt"/>
+                          <a:ea typeface="+mn-ea"/>
+                          <a:cs typeface="+mn-cs"/>
+                        </a:rPr>
+                        <a:t>Microsoft.AspNet.Mvc</a:t>
+                      </a:r>
+                      <a:r>
+                        <a:rPr lang="en-US" sz="1300" kern="1200" dirty="0">
+                          <a:solidFill>
+                            <a:schemeClr val="tx1"/>
+                          </a:solidFill>
+                          <a:effectLst/>
+                          <a:latin typeface="+mn-lt"/>
+                          <a:ea typeface="+mn-ea"/>
+                          <a:cs typeface="+mn-cs"/>
+                        </a:rPr>
+                        <a:t> 6.0.0-beta2</a:t>
+                      </a:r>
+                    </a:p>
+                  </a:txBody>
+                  <a:tcPr marL="171450" marR="9525" marT="47625" marB="47625" anchor="ctr">
+                    <a:lnL w="9525" cap="flat" cmpd="sng" algn="ctr">
+                      <a:solidFill>
+                        <a:srgbClr val="AAAAAA"/>
+                      </a:solidFill>
+                      <a:prstDash val="solid"/>
+                      <a:round/>
+                      <a:headEnd type="none" w="med" len="med"/>
+                      <a:tailEnd type="none" w="med" len="med"/>
+                    </a:lnL>
+                    <a:lnR w="9525" cap="flat" cmpd="sng" algn="ctr">
+                      <a:solidFill>
+                        <a:srgbClr val="AAAAAA"/>
+                      </a:solidFill>
+                      <a:prstDash val="solid"/>
+                      <a:round/>
+                      <a:headEnd type="none" w="med" len="med"/>
+                      <a:tailEnd type="none" w="med" len="med"/>
+                    </a:lnR>
+                    <a:lnT w="9525" cap="flat" cmpd="sng" algn="ctr">
+                      <a:solidFill>
+                        <a:srgbClr val="AAAAAA"/>
+                      </a:solidFill>
+                      <a:prstDash val="solid"/>
+                      <a:round/>
+                      <a:headEnd type="none" w="med" len="med"/>
+                      <a:tailEnd type="none" w="med" len="med"/>
+                    </a:lnT>
+                    <a:lnB w="9525" cap="flat" cmpd="sng" algn="ctr">
+                      <a:solidFill>
+                        <a:srgbClr val="AAAAAA"/>
+                      </a:solidFill>
+                      <a:prstDash val="solid"/>
+                      <a:round/>
+                      <a:headEnd type="none" w="med" len="med"/>
+                      <a:tailEnd type="none" w="med" len="med"/>
+                    </a:lnB>
+                    <a:solidFill>
+                      <a:srgbClr val="F2F2F2"/>
+                    </a:solidFill>
+                  </a:tcPr>
+                </a:tc>
+              </a:tr>
+              <a:tr h="260689">
+                <a:tc>
+                  <a:txBody>
+                    <a:bodyPr/>
+                    <a:lstStyle/>
+                    <a:p>
+                      <a:pPr algn="l" fontAlgn="ctr"/>
+                      <a:r>
+                        <a:rPr lang="en-US" sz="1300" kern="1200" dirty="0" smtClean="0">
+                          <a:solidFill>
+                            <a:schemeClr val="tx1"/>
+                          </a:solidFill>
+                          <a:effectLst/>
+                          <a:latin typeface="+mn-lt"/>
+                          <a:ea typeface="+mn-ea"/>
+                          <a:cs typeface="+mn-cs"/>
+                        </a:rPr>
+                        <a:t>February </a:t>
+                      </a:r>
+                      <a:r>
+                        <a:rPr lang="en-US" sz="1300" kern="1200" dirty="0">
+                          <a:solidFill>
+                            <a:schemeClr val="tx1"/>
+                          </a:solidFill>
+                          <a:effectLst/>
+                          <a:latin typeface="+mn-lt"/>
+                          <a:ea typeface="+mn-ea"/>
+                          <a:cs typeface="+mn-cs"/>
+                        </a:rPr>
+                        <a:t>13 2015</a:t>
+                      </a:r>
+                    </a:p>
+                  </a:txBody>
+                  <a:tcPr marL="171450" marR="9525" marT="47625" marB="47625" anchor="ctr">
+                    <a:lnL w="9525" cap="flat" cmpd="sng" algn="ctr">
+                      <a:solidFill>
+                        <a:srgbClr val="AAAAAA"/>
+                      </a:solidFill>
+                      <a:prstDash val="solid"/>
+                      <a:round/>
+                      <a:headEnd type="none" w="med" len="med"/>
+                      <a:tailEnd type="none" w="med" len="med"/>
+                    </a:lnL>
+                    <a:lnR w="9525" cap="flat" cmpd="sng" algn="ctr">
+                      <a:solidFill>
+                        <a:srgbClr val="AAAAAA"/>
+                      </a:solidFill>
+                      <a:prstDash val="solid"/>
+                      <a:round/>
+                      <a:headEnd type="none" w="med" len="med"/>
+                      <a:tailEnd type="none" w="med" len="med"/>
+                    </a:lnR>
+                    <a:lnT w="9525" cap="flat" cmpd="sng" algn="ctr">
+                      <a:solidFill>
+                        <a:srgbClr val="AAAAAA"/>
+                      </a:solidFill>
+                      <a:prstDash val="solid"/>
+                      <a:round/>
+                      <a:headEnd type="none" w="med" len="med"/>
+                      <a:tailEnd type="none" w="med" len="med"/>
+                    </a:lnT>
+                    <a:lnB w="9525" cap="flat" cmpd="sng" algn="ctr">
+                      <a:solidFill>
+                        <a:srgbClr val="AAAAAA"/>
+                      </a:solidFill>
+                      <a:prstDash val="solid"/>
+                      <a:round/>
+                      <a:headEnd type="none" w="med" len="med"/>
+                      <a:tailEnd type="none" w="med" len="med"/>
+                    </a:lnB>
+                    <a:solidFill>
+                      <a:srgbClr val="F2F2F2"/>
+                    </a:solidFill>
+                  </a:tcPr>
+                </a:tc>
+                <a:tc>
+                  <a:txBody>
+                    <a:bodyPr/>
+                    <a:lstStyle/>
+                    <a:p>
+                      <a:pPr algn="l" fontAlgn="ctr"/>
+                      <a:r>
+                        <a:rPr lang="en-US" sz="1300" kern="1200" dirty="0" err="1">
+                          <a:solidFill>
+                            <a:schemeClr val="tx1"/>
+                          </a:solidFill>
+                          <a:effectLst/>
+                          <a:latin typeface="+mn-lt"/>
+                          <a:ea typeface="+mn-ea"/>
+                          <a:cs typeface="+mn-cs"/>
+                        </a:rPr>
+                        <a:t>Microsoft.AspNet.Mvc</a:t>
+                      </a:r>
+                      <a:r>
+                        <a:rPr lang="en-US" sz="1300" kern="1200" dirty="0">
+                          <a:solidFill>
+                            <a:schemeClr val="tx1"/>
+                          </a:solidFill>
+                          <a:effectLst/>
+                          <a:latin typeface="+mn-lt"/>
+                          <a:ea typeface="+mn-ea"/>
+                          <a:cs typeface="+mn-cs"/>
+                        </a:rPr>
+                        <a:t> 6.0.0-beta3</a:t>
+                      </a:r>
+                    </a:p>
+                  </a:txBody>
+                  <a:tcPr marL="171450" marR="9525" marT="47625" marB="47625" anchor="ctr">
+                    <a:lnL w="9525" cap="flat" cmpd="sng" algn="ctr">
+                      <a:solidFill>
+                        <a:srgbClr val="AAAAAA"/>
+                      </a:solidFill>
+                      <a:prstDash val="solid"/>
+                      <a:round/>
+                      <a:headEnd type="none" w="med" len="med"/>
+                      <a:tailEnd type="none" w="med" len="med"/>
+                    </a:lnL>
+                    <a:lnR w="9525" cap="flat" cmpd="sng" algn="ctr">
+                      <a:solidFill>
+                        <a:srgbClr val="AAAAAA"/>
+                      </a:solidFill>
+                      <a:prstDash val="solid"/>
+                      <a:round/>
+                      <a:headEnd type="none" w="med" len="med"/>
+                      <a:tailEnd type="none" w="med" len="med"/>
+                    </a:lnR>
+                    <a:lnT w="9525" cap="flat" cmpd="sng" algn="ctr">
+                      <a:solidFill>
+                        <a:srgbClr val="AAAAAA"/>
+                      </a:solidFill>
+                      <a:prstDash val="solid"/>
+                      <a:round/>
+                      <a:headEnd type="none" w="med" len="med"/>
+                      <a:tailEnd type="none" w="med" len="med"/>
+                    </a:lnT>
+                    <a:lnB w="9525" cap="flat" cmpd="sng" algn="ctr">
+                      <a:solidFill>
+                        <a:srgbClr val="AAAAAA"/>
+                      </a:solidFill>
+                      <a:prstDash val="solid"/>
+                      <a:round/>
+                      <a:headEnd type="none" w="med" len="med"/>
+                      <a:tailEnd type="none" w="med" len="med"/>
+                    </a:lnB>
+                    <a:solidFill>
+                      <a:srgbClr val="F2F2F2"/>
+                    </a:solidFill>
+                  </a:tcPr>
+                </a:tc>
+              </a:tr>
+              <a:tr h="260689">
+                <a:tc>
+                  <a:txBody>
+                    <a:bodyPr/>
+                    <a:lstStyle/>
+                    <a:p>
+                      <a:pPr algn="l" fontAlgn="ctr"/>
+                      <a:r>
+                        <a:rPr lang="en-US" sz="1300" kern="1200" dirty="0" smtClean="0">
+                          <a:solidFill>
+                            <a:schemeClr val="tx1"/>
+                          </a:solidFill>
+                          <a:effectLst/>
+                          <a:latin typeface="+mn-lt"/>
+                          <a:ea typeface="+mn-ea"/>
+                          <a:cs typeface="+mn-cs"/>
+                        </a:rPr>
+                        <a:t>April </a:t>
+                      </a:r>
+                      <a:r>
+                        <a:rPr lang="en-US" sz="1300" kern="1200" dirty="0">
+                          <a:solidFill>
+                            <a:schemeClr val="tx1"/>
+                          </a:solidFill>
+                          <a:effectLst/>
+                          <a:latin typeface="+mn-lt"/>
+                          <a:ea typeface="+mn-ea"/>
+                          <a:cs typeface="+mn-cs"/>
+                        </a:rPr>
+                        <a:t>24 2015</a:t>
+                      </a:r>
+                    </a:p>
+                  </a:txBody>
+                  <a:tcPr marL="171450" marR="9525" marT="47625" marB="47625" anchor="ctr">
+                    <a:lnL w="9525" cap="flat" cmpd="sng" algn="ctr">
+                      <a:solidFill>
+                        <a:srgbClr val="AAAAAA"/>
+                      </a:solidFill>
+                      <a:prstDash val="solid"/>
+                      <a:round/>
+                      <a:headEnd type="none" w="med" len="med"/>
+                      <a:tailEnd type="none" w="med" len="med"/>
+                    </a:lnL>
+                    <a:lnR w="9525" cap="flat" cmpd="sng" algn="ctr">
+                      <a:solidFill>
+                        <a:srgbClr val="AAAAAA"/>
+                      </a:solidFill>
+                      <a:prstDash val="solid"/>
+                      <a:round/>
+                      <a:headEnd type="none" w="med" len="med"/>
+                      <a:tailEnd type="none" w="med" len="med"/>
+                    </a:lnR>
+                    <a:lnT w="9525" cap="flat" cmpd="sng" algn="ctr">
+                      <a:solidFill>
+                        <a:srgbClr val="AAAAAA"/>
+                      </a:solidFill>
+                      <a:prstDash val="solid"/>
+                      <a:round/>
+                      <a:headEnd type="none" w="med" len="med"/>
+                      <a:tailEnd type="none" w="med" len="med"/>
+                    </a:lnT>
+                    <a:lnB w="9525" cap="flat" cmpd="sng" algn="ctr">
+                      <a:solidFill>
+                        <a:srgbClr val="AAAAAA"/>
+                      </a:solidFill>
+                      <a:prstDash val="solid"/>
+                      <a:round/>
+                      <a:headEnd type="none" w="med" len="med"/>
+                      <a:tailEnd type="none" w="med" len="med"/>
+                    </a:lnB>
+                    <a:solidFill>
+                      <a:srgbClr val="F2F2F2"/>
+                    </a:solidFill>
+                  </a:tcPr>
+                </a:tc>
+                <a:tc>
+                  <a:txBody>
+                    <a:bodyPr/>
+                    <a:lstStyle/>
+                    <a:p>
+                      <a:pPr algn="l" fontAlgn="ctr"/>
+                      <a:r>
+                        <a:rPr lang="en-US" sz="1300" kern="1200" dirty="0" err="1">
+                          <a:solidFill>
+                            <a:schemeClr val="tx1"/>
+                          </a:solidFill>
+                          <a:effectLst/>
+                          <a:latin typeface="+mn-lt"/>
+                          <a:ea typeface="+mn-ea"/>
+                          <a:cs typeface="+mn-cs"/>
+                        </a:rPr>
+                        <a:t>Microsoft.AspNet.Mvc</a:t>
+                      </a:r>
+                      <a:r>
+                        <a:rPr lang="en-US" sz="1300" kern="1200" dirty="0">
+                          <a:solidFill>
+                            <a:schemeClr val="tx1"/>
+                          </a:solidFill>
+                          <a:effectLst/>
+                          <a:latin typeface="+mn-lt"/>
+                          <a:ea typeface="+mn-ea"/>
+                          <a:cs typeface="+mn-cs"/>
+                        </a:rPr>
+                        <a:t> 6.0.0-beta4</a:t>
+                      </a:r>
+                    </a:p>
+                  </a:txBody>
+                  <a:tcPr marL="171450" marR="9525" marT="47625" marB="47625" anchor="ctr">
+                    <a:lnL w="9525" cap="flat" cmpd="sng" algn="ctr">
+                      <a:solidFill>
+                        <a:srgbClr val="AAAAAA"/>
+                      </a:solidFill>
+                      <a:prstDash val="solid"/>
+                      <a:round/>
+                      <a:headEnd type="none" w="med" len="med"/>
+                      <a:tailEnd type="none" w="med" len="med"/>
+                    </a:lnL>
+                    <a:lnR w="9525" cap="flat" cmpd="sng" algn="ctr">
+                      <a:solidFill>
+                        <a:srgbClr val="AAAAAA"/>
+                      </a:solidFill>
+                      <a:prstDash val="solid"/>
+                      <a:round/>
+                      <a:headEnd type="none" w="med" len="med"/>
+                      <a:tailEnd type="none" w="med" len="med"/>
+                    </a:lnR>
+                    <a:lnT w="9525" cap="flat" cmpd="sng" algn="ctr">
+                      <a:solidFill>
+                        <a:srgbClr val="AAAAAA"/>
+                      </a:solidFill>
+                      <a:prstDash val="solid"/>
+                      <a:round/>
+                      <a:headEnd type="none" w="med" len="med"/>
+                      <a:tailEnd type="none" w="med" len="med"/>
+                    </a:lnT>
+                    <a:lnB w="9525" cap="flat" cmpd="sng" algn="ctr">
+                      <a:solidFill>
+                        <a:srgbClr val="AAAAAA"/>
+                      </a:solidFill>
+                      <a:prstDash val="solid"/>
+                      <a:round/>
+                      <a:headEnd type="none" w="med" len="med"/>
+                      <a:tailEnd type="none" w="med" len="med"/>
+                    </a:lnB>
+                    <a:solidFill>
+                      <a:srgbClr val="F2F2F2"/>
+                    </a:solidFill>
+                  </a:tcPr>
+                </a:tc>
+              </a:tr>
+              <a:tr h="260689">
+                <a:tc>
+                  <a:txBody>
+                    <a:bodyPr/>
+                    <a:lstStyle/>
+                    <a:p>
+                      <a:pPr algn="l" fontAlgn="ctr"/>
+                      <a:r>
+                        <a:rPr lang="en-US" sz="1300" kern="1200" dirty="0" smtClean="0">
+                          <a:solidFill>
+                            <a:schemeClr val="tx1"/>
+                          </a:solidFill>
+                          <a:effectLst/>
+                          <a:latin typeface="+mn-lt"/>
+                          <a:ea typeface="+mn-ea"/>
+                          <a:cs typeface="+mn-cs"/>
+                        </a:rPr>
+                        <a:t>June </a:t>
+                      </a:r>
+                      <a:r>
+                        <a:rPr lang="en-US" sz="1300" kern="1200" dirty="0">
+                          <a:solidFill>
+                            <a:schemeClr val="tx1"/>
+                          </a:solidFill>
+                          <a:effectLst/>
+                          <a:latin typeface="+mn-lt"/>
+                          <a:ea typeface="+mn-ea"/>
+                          <a:cs typeface="+mn-cs"/>
+                        </a:rPr>
+                        <a:t>30 2015</a:t>
+                      </a:r>
+                    </a:p>
+                  </a:txBody>
+                  <a:tcPr marL="171450" marR="9525" marT="47625" marB="47625" anchor="ctr">
+                    <a:lnL w="9525" cap="flat" cmpd="sng" algn="ctr">
+                      <a:solidFill>
+                        <a:srgbClr val="AAAAAA"/>
+                      </a:solidFill>
+                      <a:prstDash val="solid"/>
+                      <a:round/>
+                      <a:headEnd type="none" w="med" len="med"/>
+                      <a:tailEnd type="none" w="med" len="med"/>
+                    </a:lnL>
+                    <a:lnR w="9525" cap="flat" cmpd="sng" algn="ctr">
+                      <a:solidFill>
+                        <a:srgbClr val="AAAAAA"/>
+                      </a:solidFill>
+                      <a:prstDash val="solid"/>
+                      <a:round/>
+                      <a:headEnd type="none" w="med" len="med"/>
+                      <a:tailEnd type="none" w="med" len="med"/>
+                    </a:lnR>
+                    <a:lnT w="9525" cap="flat" cmpd="sng" algn="ctr">
+                      <a:solidFill>
+                        <a:srgbClr val="AAAAAA"/>
+                      </a:solidFill>
+                      <a:prstDash val="solid"/>
+                      <a:round/>
+                      <a:headEnd type="none" w="med" len="med"/>
+                      <a:tailEnd type="none" w="med" len="med"/>
+                    </a:lnT>
+                    <a:lnB w="9525" cap="flat" cmpd="sng" algn="ctr">
+                      <a:solidFill>
+                        <a:srgbClr val="AAAAAA"/>
+                      </a:solidFill>
+                      <a:prstDash val="solid"/>
+                      <a:round/>
+                      <a:headEnd type="none" w="med" len="med"/>
+                      <a:tailEnd type="none" w="med" len="med"/>
+                    </a:lnB>
+                    <a:solidFill>
+                      <a:srgbClr val="F2F2F2"/>
+                    </a:solidFill>
+                  </a:tcPr>
+                </a:tc>
+                <a:tc>
+                  <a:txBody>
+                    <a:bodyPr/>
+                    <a:lstStyle/>
+                    <a:p>
+                      <a:pPr algn="l" fontAlgn="ctr"/>
+                      <a:r>
+                        <a:rPr lang="en-US" sz="1300" kern="1200" dirty="0" err="1">
+                          <a:solidFill>
+                            <a:schemeClr val="tx1"/>
+                          </a:solidFill>
+                          <a:effectLst/>
+                          <a:latin typeface="+mn-lt"/>
+                          <a:ea typeface="+mn-ea"/>
+                          <a:cs typeface="+mn-cs"/>
+                        </a:rPr>
+                        <a:t>Microsoft.AspNet.Mvc</a:t>
+                      </a:r>
+                      <a:r>
+                        <a:rPr lang="en-US" sz="1300" kern="1200" dirty="0">
+                          <a:solidFill>
+                            <a:schemeClr val="tx1"/>
+                          </a:solidFill>
+                          <a:effectLst/>
+                          <a:latin typeface="+mn-lt"/>
+                          <a:ea typeface="+mn-ea"/>
+                          <a:cs typeface="+mn-cs"/>
+                        </a:rPr>
+                        <a:t> 6.0.0-beta5</a:t>
+                      </a:r>
+                    </a:p>
+                  </a:txBody>
+                  <a:tcPr marL="171450" marR="9525" marT="47625" marB="47625" anchor="ctr">
+                    <a:lnL w="9525" cap="flat" cmpd="sng" algn="ctr">
+                      <a:solidFill>
+                        <a:srgbClr val="AAAAAA"/>
+                      </a:solidFill>
+                      <a:prstDash val="solid"/>
+                      <a:round/>
+                      <a:headEnd type="none" w="med" len="med"/>
+                      <a:tailEnd type="none" w="med" len="med"/>
+                    </a:lnL>
+                    <a:lnR w="9525" cap="flat" cmpd="sng" algn="ctr">
+                      <a:solidFill>
+                        <a:srgbClr val="AAAAAA"/>
+                      </a:solidFill>
+                      <a:prstDash val="solid"/>
+                      <a:round/>
+                      <a:headEnd type="none" w="med" len="med"/>
+                      <a:tailEnd type="none" w="med" len="med"/>
+                    </a:lnR>
+                    <a:lnT w="9525" cap="flat" cmpd="sng" algn="ctr">
+                      <a:solidFill>
+                        <a:srgbClr val="AAAAAA"/>
+                      </a:solidFill>
+                      <a:prstDash val="solid"/>
+                      <a:round/>
+                      <a:headEnd type="none" w="med" len="med"/>
+                      <a:tailEnd type="none" w="med" len="med"/>
+                    </a:lnT>
+                    <a:lnB w="9525" cap="flat" cmpd="sng" algn="ctr">
+                      <a:solidFill>
+                        <a:srgbClr val="AAAAAA"/>
+                      </a:solidFill>
+                      <a:prstDash val="solid"/>
+                      <a:round/>
+                      <a:headEnd type="none" w="med" len="med"/>
+                      <a:tailEnd type="none" w="med" len="med"/>
+                    </a:lnB>
+                    <a:solidFill>
+                      <a:srgbClr val="F2F2F2"/>
+                    </a:solidFill>
+                  </a:tcPr>
+                </a:tc>
+              </a:tr>
+              <a:tr h="260689">
+                <a:tc>
+                  <a:txBody>
+                    <a:bodyPr/>
+                    <a:lstStyle/>
+                    <a:p>
+                      <a:pPr algn="l" fontAlgn="ctr"/>
+                      <a:r>
+                        <a:rPr lang="en-US" sz="1300" kern="1200" dirty="0" smtClean="0">
+                          <a:solidFill>
+                            <a:schemeClr val="tx1"/>
+                          </a:solidFill>
+                          <a:effectLst/>
+                          <a:latin typeface="+mn-lt"/>
+                          <a:ea typeface="+mn-ea"/>
+                          <a:cs typeface="+mn-cs"/>
+                        </a:rPr>
+                        <a:t>July </a:t>
+                      </a:r>
+                      <a:r>
+                        <a:rPr lang="en-US" sz="1300" kern="1200" dirty="0">
+                          <a:solidFill>
+                            <a:schemeClr val="tx1"/>
+                          </a:solidFill>
+                          <a:effectLst/>
+                          <a:latin typeface="+mn-lt"/>
+                          <a:ea typeface="+mn-ea"/>
+                          <a:cs typeface="+mn-cs"/>
+                        </a:rPr>
+                        <a:t>27 2015</a:t>
+                      </a:r>
+                    </a:p>
+                  </a:txBody>
+                  <a:tcPr marL="171450" marR="9525" marT="47625" marB="47625" anchor="ctr">
+                    <a:lnL w="9525" cap="flat" cmpd="sng" algn="ctr">
+                      <a:solidFill>
+                        <a:srgbClr val="AAAAAA"/>
+                      </a:solidFill>
+                      <a:prstDash val="solid"/>
+                      <a:round/>
+                      <a:headEnd type="none" w="med" len="med"/>
+                      <a:tailEnd type="none" w="med" len="med"/>
+                    </a:lnL>
+                    <a:lnR w="9525" cap="flat" cmpd="sng" algn="ctr">
+                      <a:solidFill>
+                        <a:srgbClr val="AAAAAA"/>
+                      </a:solidFill>
+                      <a:prstDash val="solid"/>
+                      <a:round/>
+                      <a:headEnd type="none" w="med" len="med"/>
+                      <a:tailEnd type="none" w="med" len="med"/>
+                    </a:lnR>
+                    <a:lnT w="9525" cap="flat" cmpd="sng" algn="ctr">
+                      <a:solidFill>
+                        <a:srgbClr val="AAAAAA"/>
+                      </a:solidFill>
+                      <a:prstDash val="solid"/>
+                      <a:round/>
+                      <a:headEnd type="none" w="med" len="med"/>
+                      <a:tailEnd type="none" w="med" len="med"/>
+                    </a:lnT>
+                    <a:lnB w="9525" cap="flat" cmpd="sng" algn="ctr">
+                      <a:solidFill>
+                        <a:srgbClr val="AAAAAA"/>
+                      </a:solidFill>
+                      <a:prstDash val="solid"/>
+                      <a:round/>
+                      <a:headEnd type="none" w="med" len="med"/>
+                      <a:tailEnd type="none" w="med" len="med"/>
+                    </a:lnB>
+                    <a:solidFill>
+                      <a:srgbClr val="F2F2F2"/>
+                    </a:solidFill>
+                  </a:tcPr>
+                </a:tc>
+                <a:tc>
+                  <a:txBody>
+                    <a:bodyPr/>
+                    <a:lstStyle/>
+                    <a:p>
+                      <a:pPr algn="l" fontAlgn="ctr"/>
+                      <a:r>
+                        <a:rPr lang="en-US" sz="1300" kern="1200" dirty="0" err="1">
+                          <a:solidFill>
+                            <a:schemeClr val="tx1"/>
+                          </a:solidFill>
+                          <a:effectLst/>
+                          <a:latin typeface="+mn-lt"/>
+                          <a:ea typeface="+mn-ea"/>
+                          <a:cs typeface="+mn-cs"/>
+                        </a:rPr>
+                        <a:t>Microsoft.AspNet.Mvc</a:t>
+                      </a:r>
+                      <a:r>
+                        <a:rPr lang="en-US" sz="1300" kern="1200" dirty="0">
+                          <a:solidFill>
+                            <a:schemeClr val="tx1"/>
+                          </a:solidFill>
+                          <a:effectLst/>
+                          <a:latin typeface="+mn-lt"/>
+                          <a:ea typeface="+mn-ea"/>
+                          <a:cs typeface="+mn-cs"/>
+                        </a:rPr>
+                        <a:t> 6.0.0-beta6</a:t>
+                      </a:r>
+                    </a:p>
+                  </a:txBody>
+                  <a:tcPr marL="171450" marR="9525" marT="47625" marB="47625" anchor="ctr">
+                    <a:lnL w="9525" cap="flat" cmpd="sng" algn="ctr">
+                      <a:solidFill>
+                        <a:srgbClr val="AAAAAA"/>
+                      </a:solidFill>
+                      <a:prstDash val="solid"/>
+                      <a:round/>
+                      <a:headEnd type="none" w="med" len="med"/>
+                      <a:tailEnd type="none" w="med" len="med"/>
+                    </a:lnL>
+                    <a:lnR w="9525" cap="flat" cmpd="sng" algn="ctr">
+                      <a:solidFill>
+                        <a:srgbClr val="AAAAAA"/>
+                      </a:solidFill>
+                      <a:prstDash val="solid"/>
+                      <a:round/>
+                      <a:headEnd type="none" w="med" len="med"/>
+                      <a:tailEnd type="none" w="med" len="med"/>
+                    </a:lnR>
+                    <a:lnT w="9525" cap="flat" cmpd="sng" algn="ctr">
+                      <a:solidFill>
+                        <a:srgbClr val="AAAAAA"/>
+                      </a:solidFill>
+                      <a:prstDash val="solid"/>
+                      <a:round/>
+                      <a:headEnd type="none" w="med" len="med"/>
+                      <a:tailEnd type="none" w="med" len="med"/>
+                    </a:lnT>
+                    <a:lnB w="9525" cap="flat" cmpd="sng" algn="ctr">
+                      <a:solidFill>
+                        <a:srgbClr val="AAAAAA"/>
+                      </a:solidFill>
+                      <a:prstDash val="solid"/>
+                      <a:round/>
+                      <a:headEnd type="none" w="med" len="med"/>
+                      <a:tailEnd type="none" w="med" len="med"/>
+                    </a:lnB>
+                    <a:solidFill>
+                      <a:srgbClr val="F2F2F2"/>
+                    </a:solidFill>
+                  </a:tcPr>
+                </a:tc>
+              </a:tr>
+              <a:tr h="260689">
+                <a:tc>
+                  <a:txBody>
+                    <a:bodyPr/>
+                    <a:lstStyle/>
+                    <a:p>
+                      <a:pPr algn="l" fontAlgn="ctr"/>
+                      <a:r>
+                        <a:rPr lang="en-US" sz="1300" kern="1200" dirty="0" smtClean="0">
+                          <a:solidFill>
+                            <a:schemeClr val="tx1"/>
+                          </a:solidFill>
+                          <a:effectLst/>
+                          <a:latin typeface="+mn-lt"/>
+                          <a:ea typeface="+mn-ea"/>
+                          <a:cs typeface="+mn-cs"/>
+                        </a:rPr>
+                        <a:t>September </a:t>
+                      </a:r>
+                      <a:r>
+                        <a:rPr lang="en-US" sz="1300" kern="1200" dirty="0">
+                          <a:solidFill>
+                            <a:schemeClr val="tx1"/>
+                          </a:solidFill>
+                          <a:effectLst/>
+                          <a:latin typeface="+mn-lt"/>
+                          <a:ea typeface="+mn-ea"/>
+                          <a:cs typeface="+mn-cs"/>
+                        </a:rPr>
+                        <a:t>02 2015</a:t>
+                      </a:r>
+                    </a:p>
+                  </a:txBody>
+                  <a:tcPr marL="171450" marR="9525" marT="47625" marB="47625" anchor="ctr">
+                    <a:lnL w="9525" cap="flat" cmpd="sng" algn="ctr">
+                      <a:solidFill>
+                        <a:srgbClr val="AAAAAA"/>
+                      </a:solidFill>
+                      <a:prstDash val="solid"/>
+                      <a:round/>
+                      <a:headEnd type="none" w="med" len="med"/>
+                      <a:tailEnd type="none" w="med" len="med"/>
+                    </a:lnL>
+                    <a:lnR w="9525" cap="flat" cmpd="sng" algn="ctr">
+                      <a:solidFill>
+                        <a:srgbClr val="AAAAAA"/>
+                      </a:solidFill>
+                      <a:prstDash val="solid"/>
+                      <a:round/>
+                      <a:headEnd type="none" w="med" len="med"/>
+                      <a:tailEnd type="none" w="med" len="med"/>
+                    </a:lnR>
+                    <a:lnT w="9525" cap="flat" cmpd="sng" algn="ctr">
+                      <a:solidFill>
+                        <a:srgbClr val="AAAAAA"/>
+                      </a:solidFill>
+                      <a:prstDash val="solid"/>
+                      <a:round/>
+                      <a:headEnd type="none" w="med" len="med"/>
+                      <a:tailEnd type="none" w="med" len="med"/>
+                    </a:lnT>
+                    <a:lnB w="9525" cap="flat" cmpd="sng" algn="ctr">
+                      <a:solidFill>
+                        <a:srgbClr val="AAAAAA"/>
+                      </a:solidFill>
+                      <a:prstDash val="solid"/>
+                      <a:round/>
+                      <a:headEnd type="none" w="med" len="med"/>
+                      <a:tailEnd type="none" w="med" len="med"/>
+                    </a:lnB>
+                    <a:solidFill>
+                      <a:srgbClr val="F2F2F2"/>
+                    </a:solidFill>
+                  </a:tcPr>
+                </a:tc>
+                <a:tc>
+                  <a:txBody>
+                    <a:bodyPr/>
+                    <a:lstStyle/>
+                    <a:p>
+                      <a:pPr algn="l" fontAlgn="ctr"/>
+                      <a:r>
+                        <a:rPr lang="en-US" sz="1300" kern="1200" dirty="0" err="1">
+                          <a:solidFill>
+                            <a:schemeClr val="tx1"/>
+                          </a:solidFill>
+                          <a:effectLst/>
+                          <a:latin typeface="+mn-lt"/>
+                          <a:ea typeface="+mn-ea"/>
+                          <a:cs typeface="+mn-cs"/>
+                        </a:rPr>
+                        <a:t>Microsoft.AspNet.Mvc</a:t>
+                      </a:r>
+                      <a:r>
+                        <a:rPr lang="en-US" sz="1300" kern="1200" dirty="0">
+                          <a:solidFill>
+                            <a:schemeClr val="tx1"/>
+                          </a:solidFill>
+                          <a:effectLst/>
+                          <a:latin typeface="+mn-lt"/>
+                          <a:ea typeface="+mn-ea"/>
+                          <a:cs typeface="+mn-cs"/>
+                        </a:rPr>
+                        <a:t> </a:t>
+                      </a:r>
+                      <a:r>
+                        <a:rPr lang="en-US" sz="1300" kern="1200" dirty="0" smtClean="0">
+                          <a:solidFill>
+                            <a:schemeClr val="tx1"/>
+                          </a:solidFill>
+                          <a:effectLst/>
+                          <a:latin typeface="+mn-lt"/>
+                          <a:ea typeface="+mn-ea"/>
+                          <a:cs typeface="+mn-cs"/>
+                        </a:rPr>
+                        <a:t>6.0.0-beta7</a:t>
+                      </a:r>
+                      <a:endParaRPr lang="en-US" sz="1300" kern="1200" dirty="0">
+                        <a:solidFill>
+                          <a:schemeClr val="tx1"/>
+                        </a:solidFill>
+                        <a:effectLst/>
+                        <a:latin typeface="+mn-lt"/>
+                        <a:ea typeface="+mn-ea"/>
+                        <a:cs typeface="+mn-cs"/>
+                      </a:endParaRPr>
+                    </a:p>
+                  </a:txBody>
+                  <a:tcPr marL="171450" marR="9525" marT="47625" marB="47625" anchor="ctr">
+                    <a:lnL w="9525" cap="flat" cmpd="sng" algn="ctr">
+                      <a:solidFill>
+                        <a:srgbClr val="AAAAAA"/>
+                      </a:solidFill>
+                      <a:prstDash val="solid"/>
+                      <a:round/>
+                      <a:headEnd type="none" w="med" len="med"/>
+                      <a:tailEnd type="none" w="med" len="med"/>
+                    </a:lnL>
+                    <a:lnR w="9525" cap="flat" cmpd="sng" algn="ctr">
+                      <a:solidFill>
+                        <a:srgbClr val="AAAAAA"/>
+                      </a:solidFill>
+                      <a:prstDash val="solid"/>
+                      <a:round/>
+                      <a:headEnd type="none" w="med" len="med"/>
+                      <a:tailEnd type="none" w="med" len="med"/>
+                    </a:lnR>
+                    <a:lnT w="9525" cap="flat" cmpd="sng" algn="ctr">
+                      <a:solidFill>
+                        <a:srgbClr val="AAAAAA"/>
+                      </a:solidFill>
+                      <a:prstDash val="solid"/>
+                      <a:round/>
+                      <a:headEnd type="none" w="med" len="med"/>
+                      <a:tailEnd type="none" w="med" len="med"/>
+                    </a:lnT>
+                    <a:lnB w="9525" cap="flat" cmpd="sng" algn="ctr">
+                      <a:solidFill>
+                        <a:srgbClr val="AAAAAA"/>
+                      </a:solidFill>
+                      <a:prstDash val="solid"/>
+                      <a:round/>
+                      <a:headEnd type="none" w="med" len="med"/>
+                      <a:tailEnd type="none" w="med" len="med"/>
+                    </a:lnB>
+                    <a:solidFill>
+                      <a:srgbClr val="F2F2F2"/>
+                    </a:solidFill>
+                  </a:tcPr>
+                </a:tc>
+              </a:tr>
+            </a:tbl>
+          </a:graphicData>
+        </a:graphic>
+      </p:graphicFrame>
+    </p:spTree>
+    <p:extLst>
+      <p:ext uri="{BB962C8B-B14F-4D97-AF65-F5344CB8AC3E}">
+        <p14:creationId xmlns:p14="http://schemas.microsoft.com/office/powerpoint/2010/main" val="2074363418"/>
+      </p:ext>
+    </p:extLst>
+  </p:cSld>
+  <p:clrMapOvr>
+    <a:masterClrMapping/>
+  </p:clrMapOvr>
+  <p:timing>
+    <p:tnLst>
+      <p:par>
+        <p:cTn id="1" dur="indefinite" restart="never" nodeType="tmRoot"/>
+      </p:par>
+    </p:tnLst>
+  </p:timing>
+</p:sld>
+</file>
+
+<file path=ppt/slides/slide6.xml><?xml version="1.0" encoding="utf-8"?>
 <p:sld xmlns:a="http://schemas.openxmlformats.org/drawingml/2006/main" xmlns:r="http://schemas.openxmlformats.org/officeDocument/2006/relationships" xmlns:p="http://schemas.openxmlformats.org/presentationml/2006/main">
   <p:cSld>
     <p:spTree>
@@ -16439,356 +19623,6 @@
 </p:sld>
 </file>
 
-<file path=ppt/slides/slide6.xml><?xml version="1.0" encoding="utf-8"?>
-<p:sld xmlns:a="http://schemas.openxmlformats.org/drawingml/2006/main" xmlns:r="http://schemas.openxmlformats.org/officeDocument/2006/relationships" xmlns:p="http://schemas.openxmlformats.org/presentationml/2006/main">
-  <p:cSld>
-    <p:spTree>
-      <p:nvGrpSpPr>
-        <p:cNvPr id="1" name=""/>
-        <p:cNvGrpSpPr/>
-        <p:nvPr/>
-      </p:nvGrpSpPr>
-      <p:grpSpPr>
-        <a:xfrm>
-          <a:off x="0" y="0"/>
-          <a:ext cx="0" cy="0"/>
-          <a:chOff x="0" y="0"/>
-          <a:chExt cx="0" cy="0"/>
-        </a:xfrm>
-      </p:grpSpPr>
-      <p:sp>
-        <p:nvSpPr>
-          <p:cNvPr id="2" name="Title 1"/>
-          <p:cNvSpPr>
-            <a:spLocks noGrp="1"/>
-          </p:cNvSpPr>
-          <p:nvPr>
-            <p:ph type="title"/>
-          </p:nvPr>
-        </p:nvSpPr>
-        <p:spPr/>
-        <p:txBody>
-          <a:bodyPr/>
-          <a:lstStyle/>
-          <a:p>
-            <a:r>
-              <a:rPr lang="es-AR" dirty="0" smtClean="0"/>
-              <a:t>Estructura</a:t>
-            </a:r>
-            <a:endParaRPr lang="en-US" dirty="0"/>
-          </a:p>
-        </p:txBody>
-      </p:sp>
-      <p:sp>
-        <p:nvSpPr>
-          <p:cNvPr id="9" name="Content Placeholder 2"/>
-          <p:cNvSpPr>
-            <a:spLocks noGrp="1"/>
-          </p:cNvSpPr>
-          <p:nvPr>
-            <p:ph idx="1"/>
-          </p:nvPr>
-        </p:nvSpPr>
-        <p:spPr>
-          <a:xfrm>
-            <a:off x="449179" y="981941"/>
-            <a:ext cx="11450213" cy="5531154"/>
-          </a:xfrm>
-        </p:spPr>
-        <p:txBody>
-          <a:bodyPr>
-            <a:noAutofit/>
-          </a:bodyPr>
-          <a:lstStyle/>
-          <a:p>
-            <a:pPr marL="173038" lvl="1">
-              <a:buBlip>
-                <a:blip r:embed="rId3"/>
-              </a:buBlip>
-            </a:pPr>
-            <a:r>
-              <a:rPr lang="es-ES" sz="1800" dirty="0"/>
-              <a:t>Content, carpeta donde se almacena el contenido estático de la </a:t>
-            </a:r>
-            <a:r>
-              <a:rPr lang="es-ES" sz="1800" dirty="0"/>
-              <a:t>aplicación </a:t>
-            </a:r>
-            <a:endParaRPr lang="es-ES" sz="1800" dirty="0"/>
-          </a:p>
-          <a:p>
-            <a:pPr marL="401638" lvl="2">
-              <a:buBlip>
-                <a:blip r:embed="rId3"/>
-              </a:buBlip>
-            </a:pPr>
-            <a:r>
-              <a:rPr lang="es-ES" sz="1800" dirty="0"/>
-              <a:t>hojas </a:t>
-            </a:r>
-            <a:r>
-              <a:rPr lang="es-ES" sz="1800" dirty="0"/>
-              <a:t>de estilo, las imágenes, etc. </a:t>
-            </a:r>
-            <a:endParaRPr lang="es-ES" sz="1800" dirty="0"/>
-          </a:p>
-          <a:p>
-            <a:pPr marL="228600" lvl="2" indent="0">
-              <a:buNone/>
-            </a:pPr>
-            <a:endParaRPr lang="es-ES" sz="1800" dirty="0"/>
-          </a:p>
-          <a:p>
-            <a:pPr marL="173038" lvl="1">
-              <a:buBlip>
-                <a:blip r:embed="rId3"/>
-              </a:buBlip>
-            </a:pPr>
-            <a:r>
-              <a:rPr lang="es-ES" sz="1800" dirty="0" err="1"/>
-              <a:t>Controllers</a:t>
-            </a:r>
-            <a:r>
-              <a:rPr lang="es-ES" sz="1800" dirty="0"/>
-              <a:t>, carpeta donde almacenamos los controladores. </a:t>
-            </a:r>
-            <a:endParaRPr lang="es-ES" sz="1800" dirty="0"/>
-          </a:p>
-          <a:p>
-            <a:pPr marL="401638" lvl="2">
-              <a:buBlip>
-                <a:blip r:embed="rId3"/>
-              </a:buBlip>
-            </a:pPr>
-            <a:r>
-              <a:rPr lang="es-ES" sz="1800" dirty="0" err="1"/>
-              <a:t>Home</a:t>
-            </a:r>
-            <a:r>
-              <a:rPr lang="es-ES" sz="1800" i="1" dirty="0" err="1"/>
-              <a:t>Controller</a:t>
-            </a:r>
-            <a:r>
-              <a:rPr lang="es-ES" sz="1800" dirty="0"/>
-              <a:t>, </a:t>
-            </a:r>
-            <a:r>
-              <a:rPr lang="es-ES" sz="1800" dirty="0" err="1"/>
-              <a:t>Catalogador</a:t>
-            </a:r>
-            <a:r>
-              <a:rPr lang="es-ES" sz="1800" i="1" dirty="0" err="1"/>
-              <a:t>Controller</a:t>
-            </a:r>
-            <a:r>
-              <a:rPr lang="es-ES" sz="1800" dirty="0"/>
-              <a:t> </a:t>
-            </a:r>
-            <a:r>
-              <a:rPr lang="es-ES" sz="1800" dirty="0"/>
-              <a:t>o </a:t>
-            </a:r>
-            <a:r>
-              <a:rPr lang="es-ES" sz="1800" dirty="0" err="1"/>
-              <a:t>Usuarios</a:t>
-            </a:r>
-            <a:r>
-              <a:rPr lang="es-ES" sz="1800" i="1" dirty="0" err="1"/>
-              <a:t>Controller</a:t>
-            </a:r>
-            <a:r>
-              <a:rPr lang="es-ES" sz="1800" dirty="0"/>
-              <a:t>. </a:t>
-            </a:r>
-            <a:endParaRPr lang="es-ES" sz="1800" dirty="0"/>
-          </a:p>
-          <a:p>
-            <a:pPr marL="228600" lvl="2" indent="0">
-              <a:buNone/>
-            </a:pPr>
-            <a:endParaRPr lang="es-ES" sz="1800" dirty="0"/>
-          </a:p>
-          <a:p>
-            <a:pPr marL="173038" lvl="1">
-              <a:buBlip>
-                <a:blip r:embed="rId3"/>
-              </a:buBlip>
-            </a:pPr>
-            <a:r>
-              <a:rPr lang="es-ES" sz="1800" dirty="0" err="1"/>
-              <a:t>Models</a:t>
-            </a:r>
-            <a:r>
-              <a:rPr lang="es-ES" sz="1800" dirty="0"/>
-              <a:t>, carpeta donde almacenamos las clases que representan los modelos que usaremos </a:t>
-            </a:r>
-            <a:r>
-              <a:rPr lang="es-ES" sz="1800" dirty="0"/>
-              <a:t>en </a:t>
-            </a:r>
-            <a:r>
-              <a:rPr lang="es-ES" sz="1800" dirty="0"/>
-              <a:t>nuestra aplicación. </a:t>
-            </a:r>
-            <a:endParaRPr lang="es-ES" sz="1800" dirty="0"/>
-          </a:p>
-          <a:p>
-            <a:pPr marL="0" lvl="1" indent="0">
-              <a:buNone/>
-            </a:pPr>
-            <a:endParaRPr lang="es-ES" sz="1800" dirty="0"/>
-          </a:p>
-          <a:p>
-            <a:pPr marL="173038" lvl="1">
-              <a:buBlip>
-                <a:blip r:embed="rId3"/>
-              </a:buBlip>
-            </a:pPr>
-            <a:r>
-              <a:rPr lang="es-ES" sz="1800" dirty="0"/>
-              <a:t>Scripts</a:t>
-            </a:r>
-            <a:r>
-              <a:rPr lang="es-ES" sz="1800" dirty="0"/>
-              <a:t>, carpeta dónde alojamos todos los ficheros </a:t>
-            </a:r>
-            <a:r>
-              <a:rPr lang="es-ES" sz="1800" dirty="0" err="1"/>
-              <a:t>javascriptor</a:t>
-            </a:r>
-            <a:r>
-              <a:rPr lang="es-ES" sz="1800" dirty="0"/>
-              <a:t> </a:t>
-            </a:r>
-            <a:r>
-              <a:rPr lang="es-ES" sz="1800" dirty="0"/>
-              <a:t>defecto Visual Studio). </a:t>
-            </a:r>
-          </a:p>
-          <a:p>
-            <a:pPr marL="173038" lvl="1">
-              <a:buBlip>
-                <a:blip r:embed="rId3"/>
-              </a:buBlip>
-            </a:pPr>
-            <a:endParaRPr lang="es-ES" sz="1800" dirty="0"/>
-          </a:p>
-          <a:p>
-            <a:pPr marL="173038" lvl="1">
-              <a:buBlip>
-                <a:blip r:embed="rId3"/>
-              </a:buBlip>
-            </a:pPr>
-            <a:r>
-              <a:rPr lang="es-ES" sz="1800" dirty="0" err="1"/>
-              <a:t>Views</a:t>
-            </a:r>
-            <a:r>
-              <a:rPr lang="es-ES" sz="1800" dirty="0"/>
-              <a:t>, que es la ubicación recomendada para las vistas. </a:t>
-            </a:r>
-          </a:p>
-          <a:p>
-            <a:pPr marL="401638" lvl="2">
-              <a:buBlip>
-                <a:blip r:embed="rId3"/>
-              </a:buBlip>
-            </a:pPr>
-            <a:r>
-              <a:rPr lang="es-ES" sz="1800" dirty="0" err="1"/>
-              <a:t>ViewPage</a:t>
-            </a:r>
-            <a:r>
-              <a:rPr lang="es-ES" sz="1800" dirty="0"/>
-              <a:t> </a:t>
-            </a:r>
-            <a:r>
-              <a:rPr lang="es-ES" sz="1800" dirty="0"/>
-              <a:t>(.</a:t>
-            </a:r>
-            <a:r>
-              <a:rPr lang="es-ES" sz="1800" dirty="0" err="1"/>
-              <a:t>aspx</a:t>
-            </a:r>
-            <a:r>
-              <a:rPr lang="es-ES" sz="1800" dirty="0"/>
-              <a:t>), </a:t>
-            </a:r>
-            <a:r>
-              <a:rPr lang="es-ES" sz="1800" dirty="0" err="1"/>
-              <a:t>ViewUserControl</a:t>
-            </a:r>
-            <a:r>
-              <a:rPr lang="es-ES" sz="1800" dirty="0"/>
-              <a:t> (.</a:t>
-            </a:r>
-            <a:r>
-              <a:rPr lang="es-ES" sz="1800" dirty="0" err="1"/>
-              <a:t>ascx</a:t>
-            </a:r>
-            <a:r>
-              <a:rPr lang="es-ES" sz="1800" dirty="0"/>
-              <a:t>) y </a:t>
-            </a:r>
-            <a:r>
-              <a:rPr lang="es-ES" sz="1800" dirty="0" err="1"/>
-              <a:t>ViewMasterPage</a:t>
-            </a:r>
-            <a:r>
-              <a:rPr lang="es-ES" sz="1800" dirty="0"/>
-              <a:t> </a:t>
-            </a:r>
-            <a:r>
-              <a:rPr lang="es-ES" sz="1800" dirty="0"/>
-              <a:t>(.master)</a:t>
-            </a:r>
-          </a:p>
-          <a:p>
-            <a:pPr marL="401638" lvl="2">
-              <a:buBlip>
-                <a:blip r:embed="rId3"/>
-              </a:buBlip>
-            </a:pPr>
-            <a:r>
-              <a:rPr lang="es-ES" sz="1800" dirty="0" err="1"/>
-              <a:t>Shared</a:t>
-            </a:r>
-            <a:r>
-              <a:rPr lang="es-ES" sz="1800" dirty="0"/>
-              <a:t> la usaremos </a:t>
-            </a:r>
-            <a:r>
-              <a:rPr lang="es-ES" sz="1800" dirty="0"/>
-              <a:t>para alojar todo aquello que sea común para todos los </a:t>
-            </a:r>
-            <a:r>
-              <a:rPr lang="es-ES" sz="1800" dirty="0"/>
-              <a:t>controladores</a:t>
-            </a:r>
-            <a:endParaRPr lang="en-US" sz="1600" dirty="0"/>
-          </a:p>
-        </p:txBody>
-      </p:sp>
-    </p:spTree>
-    <p:extLst>
-      <p:ext uri="{BB962C8B-B14F-4D97-AF65-F5344CB8AC3E}">
-        <p14:creationId xmlns:p14="http://schemas.microsoft.com/office/powerpoint/2010/main" val="545465070"/>
-      </p:ext>
-    </p:extLst>
-  </p:cSld>
-  <p:clrMapOvr>
-    <a:masterClrMapping/>
-  </p:clrMapOvr>
-  <p:timing>
-    <p:tnLst>
-      <p:par>
-        <p:cTn id="1" dur="indefinite" restart="never" nodeType="tmRoot"/>
-      </p:par>
-    </p:tnLst>
-  </p:timing>
-</p:sld>
-</file>
-
 <file path=ppt/slides/slide7.xml><?xml version="1.0" encoding="utf-8"?>
 <p:sld xmlns:a="http://schemas.openxmlformats.org/drawingml/2006/main" xmlns:r="http://schemas.openxmlformats.org/officeDocument/2006/relationships" xmlns:p="http://schemas.openxmlformats.org/presentationml/2006/main">
   <p:cSld>
@@ -16823,7 +19657,7 @@
           <a:p>
             <a:r>
               <a:rPr lang="es-AR" dirty="0" smtClean="0"/>
-              <a:t>Áreas</a:t>
+              <a:t>Estructura</a:t>
             </a:r>
             <a:endParaRPr lang="en-US" dirty="0"/>
           </a:p>
@@ -16841,13 +19675,13 @@
         </p:nvSpPr>
         <p:spPr>
           <a:xfrm>
-            <a:off x="288758" y="1224864"/>
-            <a:ext cx="6950644" cy="4887723"/>
+            <a:off x="449179" y="981941"/>
+            <a:ext cx="11450213" cy="5531154"/>
           </a:xfrm>
         </p:spPr>
         <p:txBody>
           <a:bodyPr>
-            <a:normAutofit fontScale="55000" lnSpcReduction="20000"/>
+            <a:noAutofit/>
           </a:bodyPr>
           <a:lstStyle/>
           <a:p>
@@ -16857,8 +19691,8 @@
               </a:buBlip>
             </a:pPr>
             <a:r>
-              <a:rPr lang="es-US" sz="3800" dirty="0"/>
-              <a:t>MVC</a:t>
+              <a:rPr lang="es-ES" sz="1800" dirty="0"/>
+              <a:t>Content, carpeta donde se almacena el contenido estático de la aplicación </a:t>
             </a:r>
           </a:p>
           <a:p>
@@ -16868,26 +19702,15 @@
               </a:buBlip>
             </a:pPr>
             <a:r>
-              <a:rPr lang="es-US" sz="3800" dirty="0"/>
-              <a:t>Separación </a:t>
-            </a:r>
-            <a:r>
-              <a:rPr lang="es-US" sz="3800" dirty="0"/>
-              <a:t>de conceptos “</a:t>
-            </a:r>
-            <a:r>
-              <a:rPr lang="es-US" sz="3800" dirty="0"/>
-              <a:t>técnicos” (Model, Controlador y Vista)</a:t>
-            </a:r>
-            <a:endParaRPr lang="es-US" sz="3800" dirty="0"/>
-          </a:p>
-          <a:p>
-            <a:pPr marL="173038" lvl="2">
-              <a:buBlip>
-                <a:blip r:embed="rId3"/>
-              </a:buBlip>
+              <a:rPr lang="es-ES" sz="1800" dirty="0"/>
+              <a:t>hojas de estilo, las imágenes, etc. </a:t>
+            </a:r>
+          </a:p>
+          <a:p>
+            <a:pPr marL="228600" lvl="2" indent="0">
+              <a:buNone/>
             </a:pPr>
-            <a:endParaRPr lang="es-US" sz="3800" dirty="0"/>
+            <a:endParaRPr lang="es-ES" sz="1800" dirty="0"/>
           </a:p>
           <a:p>
             <a:pPr marL="173038" lvl="1">
@@ -16896,148 +19719,195 @@
               </a:buBlip>
             </a:pPr>
             <a:r>
-              <a:rPr lang="es-US" sz="3800" dirty="0"/>
-              <a:t>Pero cómo logramos un separación funcional? </a:t>
-            </a:r>
-          </a:p>
-          <a:p>
-            <a:pPr marL="401638" lvl="3">
+              <a:rPr lang="es-ES" sz="1800" dirty="0" err="1"/>
+              <a:t>Controllers</a:t>
+            </a:r>
+            <a:r>
+              <a:rPr lang="es-ES" sz="1800" dirty="0"/>
+              <a:t>, carpeta donde almacenamos los controladores. </a:t>
+            </a:r>
+          </a:p>
+          <a:p>
+            <a:pPr marL="401638" lvl="2">
               <a:buBlip>
                 <a:blip r:embed="rId3"/>
               </a:buBlip>
             </a:pPr>
             <a:r>
-              <a:rPr lang="es-US" sz="3800" dirty="0"/>
-              <a:t>Áreas:</a:t>
-            </a:r>
-          </a:p>
-          <a:p>
-            <a:pPr marL="173038" lvl="2">
+              <a:rPr lang="es-ES" sz="1800" dirty="0" err="1"/>
+              <a:t>Home</a:t>
+            </a:r>
+            <a:r>
+              <a:rPr lang="es-ES" sz="1800" i="1" dirty="0" err="1"/>
+              <a:t>Controller</a:t>
+            </a:r>
+            <a:r>
+              <a:rPr lang="es-ES" sz="1800" dirty="0"/>
+              <a:t>, </a:t>
+            </a:r>
+            <a:r>
+              <a:rPr lang="es-ES" sz="1800" dirty="0" err="1"/>
+              <a:t>Catalogador</a:t>
+            </a:r>
+            <a:r>
+              <a:rPr lang="es-ES" sz="1800" i="1" dirty="0" err="1"/>
+              <a:t>Controller</a:t>
+            </a:r>
+            <a:r>
+              <a:rPr lang="es-ES" sz="1800" dirty="0"/>
+              <a:t> o </a:t>
+            </a:r>
+            <a:r>
+              <a:rPr lang="es-ES" sz="1800" dirty="0" err="1"/>
+              <a:t>Usuarios</a:t>
+            </a:r>
+            <a:r>
+              <a:rPr lang="es-ES" sz="1800" i="1" dirty="0" err="1"/>
+              <a:t>Controller</a:t>
+            </a:r>
+            <a:r>
+              <a:rPr lang="es-ES" sz="1800" dirty="0"/>
+              <a:t>. </a:t>
+            </a:r>
+          </a:p>
+          <a:p>
+            <a:pPr marL="228600" lvl="2" indent="0">
+              <a:buNone/>
+            </a:pPr>
+            <a:endParaRPr lang="es-ES" sz="1800" dirty="0"/>
+          </a:p>
+          <a:p>
+            <a:pPr marL="173038" lvl="1">
               <a:buBlip>
                 <a:blip r:embed="rId3"/>
               </a:buBlip>
             </a:pPr>
-            <a:endParaRPr lang="es-US" sz="3800" dirty="0"/>
-          </a:p>
-          <a:p>
-            <a:pPr marL="401638" lvl="3">
+            <a:r>
+              <a:rPr lang="es-ES" sz="1800" dirty="0" err="1"/>
+              <a:t>Models</a:t>
+            </a:r>
+            <a:r>
+              <a:rPr lang="es-ES" sz="1800" dirty="0"/>
+              <a:t>, carpeta donde almacenamos las clases que representan los modelos que usaremos en nuestra aplicación. </a:t>
+            </a:r>
+          </a:p>
+          <a:p>
+            <a:pPr marL="0" lvl="1" indent="0">
+              <a:buNone/>
+            </a:pPr>
+            <a:endParaRPr lang="es-ES" sz="1800" dirty="0"/>
+          </a:p>
+          <a:p>
+            <a:pPr marL="173038" lvl="1">
               <a:buBlip>
                 <a:blip r:embed="rId3"/>
               </a:buBlip>
             </a:pPr>
             <a:r>
-              <a:rPr lang="es-US" sz="3600" dirty="0"/>
-              <a:t>Proveen una manera de separar aplicaciones MVC de gran tamaño en grupos funcionales más pequeños. </a:t>
-            </a:r>
-          </a:p>
-          <a:p>
-            <a:pPr marL="401638" lvl="3">
+              <a:rPr lang="es-ES" sz="1800" dirty="0"/>
+              <a:t>Scripts, carpeta dónde alojamos todos los ficheros </a:t>
+            </a:r>
+            <a:r>
+              <a:rPr lang="es-ES" sz="1800" dirty="0" err="1"/>
+              <a:t>javascriptor</a:t>
+            </a:r>
+            <a:r>
+              <a:rPr lang="es-ES" sz="1800" dirty="0"/>
+              <a:t> defecto Visual Studio). </a:t>
+            </a:r>
+          </a:p>
+          <a:p>
+            <a:pPr marL="173038" lvl="1">
               <a:buBlip>
                 <a:blip r:embed="rId3"/>
               </a:buBlip>
             </a:pPr>
-            <a:r>
-              <a:rPr lang="es-US" sz="3600" dirty="0"/>
-              <a:t>Se puede considerar como una sub-aplicación MVC dentro de la aplicación MVC.</a:t>
-            </a:r>
-          </a:p>
-          <a:p>
-            <a:pPr marL="401638" lvl="3">
+            <a:endParaRPr lang="es-ES" sz="1800" dirty="0"/>
+          </a:p>
+          <a:p>
+            <a:pPr marL="173038" lvl="1">
               <a:buBlip>
                 <a:blip r:embed="rId3"/>
               </a:buBlip>
             </a:pPr>
             <a:r>
-              <a:rPr lang="es-US" sz="3600" dirty="0"/>
-              <a:t>Una aplicación MVC puede contener múltiples áreas. </a:t>
-            </a:r>
-          </a:p>
-          <a:p>
-            <a:pPr lvl="2">
-              <a:buNone/>
+              <a:rPr lang="es-ES" sz="1800" dirty="0" err="1"/>
+              <a:t>Views</a:t>
+            </a:r>
+            <a:r>
+              <a:rPr lang="es-ES" sz="1800" dirty="0"/>
+              <a:t>, que es la ubicación recomendada para las vistas. </a:t>
+            </a:r>
+          </a:p>
+          <a:p>
+            <a:pPr marL="401638" lvl="2">
+              <a:buBlip>
+                <a:blip r:embed="rId3"/>
+              </a:buBlip>
             </a:pPr>
-            <a:endParaRPr lang="es-US" sz="3200" dirty="0"/>
-          </a:p>
-          <a:p>
-            <a:pPr lvl="1"/>
-            <a:endParaRPr lang="es-AR" sz="3200" dirty="0"/>
-          </a:p>
-          <a:p>
-            <a:pPr marL="228600" lvl="1" indent="0">
-              <a:buNone/>
+            <a:r>
+              <a:rPr lang="es-ES" sz="1800" dirty="0" err="1"/>
+              <a:t>ViewPage</a:t>
+            </a:r>
+            <a:r>
+              <a:rPr lang="es-ES" sz="1800" dirty="0"/>
+              <a:t> (.</a:t>
+            </a:r>
+            <a:r>
+              <a:rPr lang="es-ES" sz="1800" dirty="0" err="1"/>
+              <a:t>aspx</a:t>
+            </a:r>
+            <a:r>
+              <a:rPr lang="es-ES" sz="1800" dirty="0"/>
+              <a:t>), </a:t>
+            </a:r>
+            <a:r>
+              <a:rPr lang="es-ES" sz="1800" dirty="0" err="1"/>
+              <a:t>ViewUserControl</a:t>
+            </a:r>
+            <a:r>
+              <a:rPr lang="es-ES" sz="1800" dirty="0"/>
+              <a:t> (.</a:t>
+            </a:r>
+            <a:r>
+              <a:rPr lang="es-ES" sz="1800" dirty="0" err="1"/>
+              <a:t>ascx</a:t>
+            </a:r>
+            <a:r>
+              <a:rPr lang="es-ES" sz="1800" dirty="0"/>
+              <a:t>) y </a:t>
+            </a:r>
+            <a:r>
+              <a:rPr lang="es-ES" sz="1800" dirty="0" err="1"/>
+              <a:t>ViewMasterPage</a:t>
+            </a:r>
+            <a:r>
+              <a:rPr lang="es-ES" sz="1800" dirty="0"/>
+              <a:t> (.master)</a:t>
+            </a:r>
+          </a:p>
+          <a:p>
+            <a:pPr marL="401638" lvl="2">
+              <a:buBlip>
+                <a:blip r:embed="rId3"/>
+              </a:buBlip>
             </a:pPr>
-            <a:endParaRPr lang="en-US" sz="3200" dirty="0"/>
+            <a:r>
+              <a:rPr lang="es-ES" sz="1800" dirty="0" err="1"/>
+              <a:t>Shared</a:t>
+            </a:r>
+            <a:r>
+              <a:rPr lang="es-ES" sz="1800" dirty="0"/>
+              <a:t> la usaremos para alojar todo aquello que sea común para todos los controladores</a:t>
+            </a:r>
+            <a:endParaRPr lang="en-US" sz="1600" dirty="0"/>
           </a:p>
         </p:txBody>
       </p:sp>
-      <p:pic>
-        <p:nvPicPr>
-          <p:cNvPr id="2050" name="Picture 2"/>
-          <p:cNvPicPr>
-            <a:picLocks noChangeAspect="1" noChangeArrowheads="1"/>
-          </p:cNvPicPr>
-          <p:nvPr/>
-        </p:nvPicPr>
-        <p:blipFill>
-          <a:blip r:embed="rId4">
-            <a:extLst>
-              <a:ext uri="{28A0092B-C50C-407E-A947-70E740481C1C}">
-                <a14:useLocalDpi xmlns:a14="http://schemas.microsoft.com/office/drawing/2010/main" val="0"/>
-              </a:ext>
-            </a:extLst>
-          </a:blip>
-          <a:srcRect/>
-          <a:stretch>
-            <a:fillRect/>
-          </a:stretch>
-        </p:blipFill>
-        <p:spPr bwMode="auto">
-          <a:xfrm>
-            <a:off x="7389529" y="1074739"/>
-            <a:ext cx="2779713" cy="4713287"/>
-          </a:xfrm>
-          <a:prstGeom prst="rect">
-            <a:avLst/>
-          </a:prstGeom>
-          <a:noFill/>
-          <a:ln>
-            <a:noFill/>
-          </a:ln>
-          <a:effectLst/>
-          <a:extLst>
-            <a:ext uri="{909E8E84-426E-40DD-AFC4-6F175D3DCCD1}">
-              <a14:hiddenFill xmlns:a14="http://schemas.microsoft.com/office/drawing/2010/main">
-                <a:solidFill>
-                  <a:schemeClr val="accent1"/>
-                </a:solidFill>
-              </a14:hiddenFill>
-            </a:ext>
-            <a:ext uri="{91240B29-F687-4F45-9708-019B960494DF}">
-              <a14:hiddenLine xmlns:a14="http://schemas.microsoft.com/office/drawing/2010/main" w="9525">
-                <a:solidFill>
-                  <a:schemeClr val="tx1"/>
-                </a:solidFill>
-                <a:miter lim="800000"/>
-                <a:headEnd/>
-                <a:tailEnd/>
-              </a14:hiddenLine>
-            </a:ext>
-            <a:ext uri="{AF507438-7753-43E0-B8FC-AC1667EBCBE1}">
-              <a14:hiddenEffects xmlns:a14="http://schemas.microsoft.com/office/drawing/2010/main">
-                <a:effectLst>
-                  <a:outerShdw dist="35921" dir="2700000" algn="ctr" rotWithShape="0">
-                    <a:schemeClr val="bg2"/>
-                  </a:outerShdw>
-                </a:effectLst>
-              </a14:hiddenEffects>
-            </a:ext>
-          </a:extLst>
-        </p:spPr>
-      </p:pic>
     </p:spTree>
     <p:extLst>
       <p:ext uri="{BB962C8B-B14F-4D97-AF65-F5344CB8AC3E}">
-        <p14:creationId xmlns:p14="http://schemas.microsoft.com/office/powerpoint/2010/main" val="2476612261"/>
+        <p14:creationId xmlns:p14="http://schemas.microsoft.com/office/powerpoint/2010/main" val="545465070"/>
       </p:ext>
     </p:extLst>
   </p:cSld>
@@ -17096,7 +19966,7 @@
       </p:sp>
       <p:sp>
         <p:nvSpPr>
-          <p:cNvPr id="3" name="Content Placeholder 2"/>
+          <p:cNvPr id="9" name="Content Placeholder 2"/>
           <p:cNvSpPr>
             <a:spLocks noGrp="1"/>
           </p:cNvSpPr>
@@ -17104,123 +19974,196 @@
             <p:ph idx="1"/>
           </p:nvPr>
         </p:nvSpPr>
-        <p:spPr/>
+        <p:spPr>
+          <a:xfrm>
+            <a:off x="288758" y="1224864"/>
+            <a:ext cx="6950644" cy="4887723"/>
+          </a:xfrm>
+        </p:spPr>
         <p:txBody>
           <a:bodyPr>
             <a:normAutofit fontScale="55000" lnSpcReduction="20000"/>
           </a:bodyPr>
           <a:lstStyle/>
           <a:p>
-            <a:pPr lvl="1"/>
-            <a:r>
-              <a:rPr lang="es-MX" sz="3200" dirty="0"/>
-              <a:t>Dos secciones: </a:t>
-            </a:r>
-          </a:p>
-          <a:p>
-            <a:pPr lvl="2"/>
-            <a:r>
-              <a:rPr lang="es-MX" sz="3200" dirty="0"/>
-              <a:t>Sector público del sistema (Buscador de películas).</a:t>
-            </a:r>
-          </a:p>
-          <a:p>
-            <a:pPr lvl="2"/>
-            <a:r>
-              <a:rPr lang="es-MX" sz="3200" dirty="0"/>
-              <a:t>Sector de administración del sistema (El “Admin”).</a:t>
-            </a:r>
-          </a:p>
-          <a:p>
-            <a:pPr lvl="1"/>
-            <a:endParaRPr lang="es-MX" sz="3200" dirty="0"/>
-          </a:p>
-          <a:p>
-            <a:pPr lvl="1"/>
-            <a:r>
-              <a:rPr lang="es-MX" sz="3200" b="1" dirty="0"/>
-              <a:t>Requerimientos: </a:t>
-            </a:r>
+            <a:pPr marL="173038" lvl="1">
+              <a:buBlip>
+                <a:blip r:embed="rId3"/>
+              </a:buBlip>
+            </a:pPr>
+            <a:r>
+              <a:rPr lang="es-US" sz="3800" dirty="0"/>
+              <a:t>MVC</a:t>
+            </a:r>
+          </a:p>
+          <a:p>
+            <a:pPr marL="401638" lvl="2">
+              <a:buBlip>
+                <a:blip r:embed="rId3"/>
+              </a:buBlip>
+            </a:pPr>
+            <a:r>
+              <a:rPr lang="es-US" sz="3800" dirty="0"/>
+              <a:t>Separación de conceptos “técnicos” (Model, Controlador y Vista)</a:t>
+            </a:r>
+          </a:p>
+          <a:p>
+            <a:pPr marL="173038" lvl="2">
+              <a:buBlip>
+                <a:blip r:embed="rId3"/>
+              </a:buBlip>
+            </a:pPr>
+            <a:endParaRPr lang="es-US" sz="3800" dirty="0"/>
+          </a:p>
+          <a:p>
+            <a:pPr marL="173038" lvl="1">
+              <a:buBlip>
+                <a:blip r:embed="rId3"/>
+              </a:buBlip>
+            </a:pPr>
+            <a:r>
+              <a:rPr lang="es-US" sz="3800" dirty="0"/>
+              <a:t>Pero cómo logramos un separación funcional? </a:t>
+            </a:r>
+          </a:p>
+          <a:p>
+            <a:pPr marL="401638" lvl="3">
+              <a:buBlip>
+                <a:blip r:embed="rId3"/>
+              </a:buBlip>
+            </a:pPr>
+            <a:r>
+              <a:rPr lang="es-US" sz="3800" dirty="0"/>
+              <a:t>Áreas:</a:t>
+            </a:r>
+          </a:p>
+          <a:p>
+            <a:pPr marL="173038" lvl="2">
+              <a:buBlip>
+                <a:blip r:embed="rId3"/>
+              </a:buBlip>
+            </a:pPr>
+            <a:endParaRPr lang="es-US" sz="3800" dirty="0"/>
+          </a:p>
+          <a:p>
+            <a:pPr marL="401638" lvl="3">
+              <a:buBlip>
+                <a:blip r:embed="rId3"/>
+              </a:buBlip>
+            </a:pPr>
+            <a:r>
+              <a:rPr lang="es-US" sz="3600" dirty="0"/>
+              <a:t>Proveen una manera de separar aplicaciones MVC de gran tamaño en grupos funcionales más pequeños. </a:t>
+            </a:r>
+          </a:p>
+          <a:p>
+            <a:pPr marL="401638" lvl="3">
+              <a:buBlip>
+                <a:blip r:embed="rId3"/>
+              </a:buBlip>
+            </a:pPr>
+            <a:r>
+              <a:rPr lang="es-US" sz="3600" dirty="0"/>
+              <a:t>Se puede considerar como una sub-aplicación MVC dentro de la aplicación MVC.</a:t>
+            </a:r>
+          </a:p>
+          <a:p>
+            <a:pPr marL="401638" lvl="3">
+              <a:buBlip>
+                <a:blip r:embed="rId3"/>
+              </a:buBlip>
+            </a:pPr>
+            <a:r>
+              <a:rPr lang="es-US" sz="3600" dirty="0"/>
+              <a:t>Una aplicación MVC puede contener múltiples áreas. </a:t>
+            </a:r>
+          </a:p>
+          <a:p>
+            <a:pPr lvl="2">
+              <a:buNone/>
+            </a:pPr>
+            <a:endParaRPr lang="es-US" sz="3200" dirty="0"/>
           </a:p>
           <a:p>
             <a:pPr lvl="1"/>
             <a:endParaRPr lang="es-AR" sz="3200" dirty="0"/>
           </a:p>
           <a:p>
-            <a:pPr lvl="2"/>
-            <a:r>
-              <a:rPr lang="es-MX" sz="3200" dirty="0"/>
-              <a:t>Control de acceso. </a:t>
-            </a:r>
-          </a:p>
-          <a:p>
-            <a:pPr lvl="3"/>
-            <a:r>
-              <a:rPr lang="es-MX" sz="3200" dirty="0"/>
-              <a:t>S</a:t>
-            </a:r>
-            <a:r>
-              <a:rPr lang="es-MX" sz="3200" dirty="0"/>
-              <a:t>ólo usuarios autenticados pueden acceder al área Admin.</a:t>
-            </a:r>
-          </a:p>
-          <a:p>
-            <a:pPr marL="685800" lvl="3" indent="0">
+            <a:pPr marL="228600" lvl="1" indent="0">
               <a:buNone/>
             </a:pPr>
-            <a:endParaRPr lang="es-AR" sz="3200" dirty="0"/>
-          </a:p>
-          <a:p>
-            <a:pPr lvl="2"/>
-            <a:r>
-              <a:rPr lang="es-MX" sz="3200" dirty="0"/>
-              <a:t>Diferente interface de usuario</a:t>
-            </a:r>
-          </a:p>
-          <a:p>
-            <a:pPr lvl="3"/>
-            <a:r>
-              <a:rPr lang="es-MX" sz="3200" dirty="0"/>
-              <a:t>Mientras que la parte de películas tiene que tener un interfaz orientada al público y a que sea más atractivo. </a:t>
-            </a:r>
-          </a:p>
-          <a:p>
-            <a:pPr lvl="3"/>
-            <a:r>
-              <a:rPr lang="es-MX" sz="3200" dirty="0"/>
-              <a:t>En cambio lo buscado del admin es la simplicidad y facilidad para actualizar los datos de la base de datos de películas </a:t>
-            </a:r>
-            <a:endParaRPr lang="es-AR" sz="3200" dirty="0"/>
+            <a:endParaRPr lang="en-US" sz="3200" dirty="0"/>
           </a:p>
         </p:txBody>
       </p:sp>
-      <p:sp>
-        <p:nvSpPr>
-          <p:cNvPr id="4" name="Text Placeholder 3"/>
-          <p:cNvSpPr>
-            <a:spLocks noGrp="1"/>
-          </p:cNvSpPr>
-          <p:nvPr>
-            <p:ph type="body" sz="quarter" idx="13"/>
-          </p:nvPr>
-        </p:nvSpPr>
-        <p:spPr/>
-        <p:txBody>
-          <a:bodyPr/>
-          <a:lstStyle/>
-          <a:p>
-            <a:r>
-              <a:rPr lang="es-AR" dirty="0" smtClean="0"/>
-              <a:t>Aplicado al ejercicio de películas</a:t>
-            </a:r>
-            <a:endParaRPr lang="en-US" dirty="0"/>
-          </a:p>
-        </p:txBody>
-      </p:sp>
+      <p:pic>
+        <p:nvPicPr>
+          <p:cNvPr id="2050" name="Picture 2"/>
+          <p:cNvPicPr>
+            <a:picLocks noChangeAspect="1" noChangeArrowheads="1"/>
+          </p:cNvPicPr>
+          <p:nvPr/>
+        </p:nvPicPr>
+        <p:blipFill>
+          <a:blip r:embed="rId4">
+            <a:extLst>
+              <a:ext uri="{28A0092B-C50C-407E-A947-70E740481C1C}">
+                <a14:useLocalDpi xmlns:a14="http://schemas.microsoft.com/office/drawing/2010/main" val="0"/>
+              </a:ext>
+            </a:extLst>
+          </a:blip>
+          <a:srcRect/>
+          <a:stretch>
+            <a:fillRect/>
+          </a:stretch>
+        </p:blipFill>
+        <p:spPr bwMode="auto">
+          <a:xfrm>
+            <a:off x="7389529" y="1074739"/>
+            <a:ext cx="2779713" cy="4713287"/>
+          </a:xfrm>
+          <a:prstGeom prst="rect">
+            <a:avLst/>
+          </a:prstGeom>
+          <a:noFill/>
+          <a:ln>
+            <a:noFill/>
+          </a:ln>
+          <a:effectLst/>
+          <a:extLst>
+            <a:ext uri="{909E8E84-426E-40DD-AFC4-6F175D3DCCD1}">
+              <a14:hiddenFill xmlns:a14="http://schemas.microsoft.com/office/drawing/2010/main">
+                <a:solidFill>
+                  <a:schemeClr val="accent1"/>
+                </a:solidFill>
+              </a14:hiddenFill>
+            </a:ext>
+            <a:ext uri="{91240B29-F687-4F45-9708-019B960494DF}">
+              <a14:hiddenLine xmlns:a14="http://schemas.microsoft.com/office/drawing/2010/main" w="9525">
+                <a:solidFill>
+                  <a:schemeClr val="tx1"/>
+                </a:solidFill>
+                <a:miter lim="800000"/>
+                <a:headEnd/>
+                <a:tailEnd/>
+              </a14:hiddenLine>
+            </a:ext>
+            <a:ext uri="{AF507438-7753-43E0-B8FC-AC1667EBCBE1}">
+              <a14:hiddenEffects xmlns:a14="http://schemas.microsoft.com/office/drawing/2010/main">
+                <a:effectLst>
+                  <a:outerShdw dist="35921" dir="2700000" algn="ctr" rotWithShape="0">
+                    <a:schemeClr val="bg2"/>
+                  </a:outerShdw>
+                </a:effectLst>
+              </a14:hiddenEffects>
+            </a:ext>
+          </a:extLst>
+        </p:spPr>
+      </p:pic>
     </p:spTree>
     <p:extLst>
       <p:ext uri="{BB962C8B-B14F-4D97-AF65-F5344CB8AC3E}">
-        <p14:creationId xmlns:p14="http://schemas.microsoft.com/office/powerpoint/2010/main" val="1885949895"/>
+        <p14:creationId xmlns:p14="http://schemas.microsoft.com/office/powerpoint/2010/main" val="2476612261"/>
       </p:ext>
     </p:extLst>
   </p:cSld>
@@ -17264,23 +20207,14 @@
             <p:ph type="title"/>
           </p:nvPr>
         </p:nvSpPr>
-        <p:spPr>
-          <a:xfrm>
-            <a:off x="2017487" y="361986"/>
-            <a:ext cx="8449056" cy="296842"/>
-          </a:xfrm>
-        </p:spPr>
+        <p:spPr/>
         <p:txBody>
           <a:bodyPr/>
           <a:lstStyle/>
           <a:p>
             <a:r>
-              <a:rPr lang="es-AR" dirty="0" err="1" smtClean="0"/>
-              <a:t>Helpers</a:t>
-            </a:r>
-            <a:r>
               <a:rPr lang="es-AR" dirty="0" smtClean="0"/>
-              <a:t> - 1</a:t>
+              <a:t>Áreas</a:t>
             </a:r>
             <a:endParaRPr lang="en-US" dirty="0"/>
           </a:p>
@@ -17288,912 +20222,127 @@
       </p:sp>
       <p:sp>
         <p:nvSpPr>
-          <p:cNvPr id="6" name="5 CuadroTexto"/>
-          <p:cNvSpPr txBox="1"/>
-          <p:nvPr/>
+          <p:cNvPr id="3" name="Content Placeholder 2"/>
+          <p:cNvSpPr>
+            <a:spLocks noGrp="1"/>
+          </p:cNvSpPr>
+          <p:nvPr>
+            <p:ph idx="1"/>
+          </p:nvPr>
         </p:nvSpPr>
-        <p:spPr>
-          <a:xfrm>
-            <a:off x="2017487" y="1045029"/>
-            <a:ext cx="6342742" cy="369332"/>
-          </a:xfrm>
-          <a:prstGeom prst="rect">
-            <a:avLst/>
-          </a:prstGeom>
-          <a:noFill/>
-        </p:spPr>
+        <p:spPr/>
         <p:txBody>
-          <a:bodyPr wrap="square" rtlCol="0">
-            <a:spAutoFit/>
+          <a:bodyPr>
+            <a:normAutofit fontScale="55000" lnSpcReduction="20000"/>
           </a:bodyPr>
           <a:lstStyle/>
           <a:p>
-            <a:endParaRPr lang="es-AR" dirty="0"/>
+            <a:pPr lvl="1"/>
+            <a:r>
+              <a:rPr lang="es-MX" sz="3200" dirty="0"/>
+              <a:t>Dos secciones: </a:t>
+            </a:r>
+          </a:p>
+          <a:p>
+            <a:pPr lvl="2"/>
+            <a:r>
+              <a:rPr lang="es-MX" sz="3200" dirty="0"/>
+              <a:t>Sector público del sistema (Buscador de películas).</a:t>
+            </a:r>
+          </a:p>
+          <a:p>
+            <a:pPr lvl="2"/>
+            <a:r>
+              <a:rPr lang="es-MX" sz="3200" dirty="0"/>
+              <a:t>Sector de administración del sistema (El “Admin”).</a:t>
+            </a:r>
+          </a:p>
+          <a:p>
+            <a:pPr lvl="1"/>
+            <a:endParaRPr lang="es-MX" sz="3200" dirty="0"/>
+          </a:p>
+          <a:p>
+            <a:pPr lvl="1"/>
+            <a:r>
+              <a:rPr lang="es-MX" sz="3200" b="1" dirty="0"/>
+              <a:t>Requerimientos: </a:t>
+            </a:r>
+          </a:p>
+          <a:p>
+            <a:pPr lvl="1"/>
+            <a:endParaRPr lang="es-AR" sz="3200" dirty="0"/>
+          </a:p>
+          <a:p>
+            <a:pPr lvl="2"/>
+            <a:r>
+              <a:rPr lang="es-MX" sz="3200" dirty="0"/>
+              <a:t>Control de acceso. </a:t>
+            </a:r>
+          </a:p>
+          <a:p>
+            <a:pPr lvl="3"/>
+            <a:r>
+              <a:rPr lang="es-MX" sz="3200" dirty="0"/>
+              <a:t>Sólo usuarios autenticados pueden acceder al área Admin.</a:t>
+            </a:r>
+          </a:p>
+          <a:p>
+            <a:pPr marL="685800" lvl="3" indent="0">
+              <a:buNone/>
+            </a:pPr>
+            <a:endParaRPr lang="es-AR" sz="3200" dirty="0"/>
+          </a:p>
+          <a:p>
+            <a:pPr lvl="2"/>
+            <a:r>
+              <a:rPr lang="es-MX" sz="3200" dirty="0"/>
+              <a:t>Diferente interface de usuario</a:t>
+            </a:r>
+          </a:p>
+          <a:p>
+            <a:pPr lvl="3"/>
+            <a:r>
+              <a:rPr lang="es-MX" sz="3200" dirty="0"/>
+              <a:t>Mientras que la parte de películas tiene que tener un interfaz orientada al público y a que sea más atractivo. </a:t>
+            </a:r>
+          </a:p>
+          <a:p>
+            <a:pPr lvl="3"/>
+            <a:r>
+              <a:rPr lang="es-MX" sz="3200" dirty="0"/>
+              <a:t>En cambio lo buscado del admin es la simplicidad y facilidad para actualizar los datos de la base de datos de películas </a:t>
+            </a:r>
+            <a:endParaRPr lang="es-AR" sz="3200" dirty="0"/>
           </a:p>
         </p:txBody>
       </p:sp>
       <p:sp>
         <p:nvSpPr>
-          <p:cNvPr id="9" name="8 CuadroTexto"/>
-          <p:cNvSpPr txBox="1"/>
-          <p:nvPr/>
+          <p:cNvPr id="4" name="Text Placeholder 3"/>
+          <p:cNvSpPr>
+            <a:spLocks noGrp="1"/>
+          </p:cNvSpPr>
+          <p:nvPr>
+            <p:ph type="body" sz="quarter" idx="13"/>
+          </p:nvPr>
         </p:nvSpPr>
-        <p:spPr>
-          <a:xfrm>
-            <a:off x="1524001" y="844975"/>
-            <a:ext cx="6056033" cy="769441"/>
-          </a:xfrm>
-          <a:prstGeom prst="rect">
-            <a:avLst/>
-          </a:prstGeom>
-          <a:noFill/>
-        </p:spPr>
+        <p:spPr/>
         <p:txBody>
-          <a:bodyPr wrap="square" rtlCol="0">
-            <a:spAutoFit/>
-          </a:bodyPr>
+          <a:bodyPr/>
           <a:lstStyle/>
           <a:p>
-            <a:pPr marL="396874" lvl="1" fontAlgn="base">
-              <a:spcBef>
-                <a:spcPct val="20000"/>
-              </a:spcBef>
-            </a:pPr>
-            <a:endParaRPr lang="es-MX" sz="2000" dirty="0"/>
-          </a:p>
-          <a:p>
-            <a:pPr marL="569912" lvl="1" indent="-173038" fontAlgn="base">
-              <a:spcBef>
-                <a:spcPct val="20000"/>
-              </a:spcBef>
-              <a:buBlip>
-                <a:blip r:embed="rId3"/>
-              </a:buBlip>
-            </a:pPr>
-            <a:r>
-              <a:rPr lang="es-MX" sz="2000" dirty="0"/>
-              <a:t>Cómo nos ayuda ASP.NET </a:t>
-            </a:r>
-            <a:r>
-              <a:rPr lang="es-MX" sz="2000" dirty="0"/>
-              <a:t>MVC</a:t>
-            </a:r>
-            <a:r>
-              <a:rPr lang="es-MX" sz="2000" dirty="0"/>
-              <a:t>?</a:t>
-            </a:r>
-            <a:endParaRPr lang="es-MX" sz="2000" dirty="0"/>
-          </a:p>
-        </p:txBody>
-      </p:sp>
-      <p:sp>
-        <p:nvSpPr>
-          <p:cNvPr id="3" name="Rectangle 2"/>
-          <p:cNvSpPr/>
-          <p:nvPr/>
-        </p:nvSpPr>
-        <p:spPr>
-          <a:xfrm>
-            <a:off x="2017487" y="1814470"/>
-            <a:ext cx="5562546" cy="369332"/>
-          </a:xfrm>
-          <a:prstGeom prst="rect">
-            <a:avLst/>
-          </a:prstGeom>
-        </p:spPr>
-        <p:txBody>
-          <a:bodyPr wrap="square">
-            <a:spAutoFit/>
-          </a:bodyPr>
-          <a:lstStyle/>
-          <a:p>
-            <a:r>
-              <a:rPr lang="en-US" dirty="0" err="1">
-                <a:solidFill>
-                  <a:srgbClr val="005682"/>
-                </a:solidFill>
-                <a:latin typeface="Arial" panose="020B0604020202020204" pitchFamily="34" charset="0"/>
-              </a:rPr>
-              <a:t>Html.BeginForm</a:t>
-            </a:r>
-            <a:r>
-              <a:rPr lang="en-US" dirty="0">
-                <a:solidFill>
-                  <a:srgbClr val="005682"/>
-                </a:solidFill>
-                <a:latin typeface="Arial" panose="020B0604020202020204" pitchFamily="34" charset="0"/>
-              </a:rPr>
-              <a:t>("Create", "</a:t>
-            </a:r>
-            <a:r>
-              <a:rPr lang="en-US" dirty="0" err="1">
-                <a:solidFill>
-                  <a:srgbClr val="005682"/>
-                </a:solidFill>
-                <a:latin typeface="Arial" panose="020B0604020202020204" pitchFamily="34" charset="0"/>
-              </a:rPr>
-              <a:t>Libro</a:t>
-            </a:r>
-            <a:r>
-              <a:rPr lang="en-US" dirty="0">
-                <a:solidFill>
-                  <a:srgbClr val="005682"/>
-                </a:solidFill>
-                <a:latin typeface="Arial" panose="020B0604020202020204" pitchFamily="34" charset="0"/>
-              </a:rPr>
-              <a:t>", </a:t>
-            </a:r>
-            <a:r>
-              <a:rPr lang="en-US" dirty="0" err="1">
-                <a:solidFill>
-                  <a:srgbClr val="005682"/>
-                </a:solidFill>
-                <a:latin typeface="Arial" panose="020B0604020202020204" pitchFamily="34" charset="0"/>
-              </a:rPr>
-              <a:t>FormMethod.Get</a:t>
-            </a:r>
-            <a:r>
-              <a:rPr lang="en-US" dirty="0">
-                <a:solidFill>
-                  <a:srgbClr val="005682"/>
-                </a:solidFill>
-                <a:latin typeface="Arial" panose="020B0604020202020204" pitchFamily="34" charset="0"/>
-              </a:rPr>
-              <a:t>)</a:t>
+            <a:r>
+              <a:rPr lang="es-AR" dirty="0" smtClean="0"/>
+              <a:t>Aplicado al ejercicio de películas</a:t>
             </a:r>
             <a:endParaRPr lang="en-US" dirty="0"/>
-          </a:p>
-        </p:txBody>
-      </p:sp>
-      <p:sp>
-        <p:nvSpPr>
-          <p:cNvPr id="4" name="Rectangle 1"/>
-          <p:cNvSpPr>
-            <a:spLocks noChangeArrowheads="1"/>
-          </p:cNvSpPr>
-          <p:nvPr/>
-        </p:nvSpPr>
-        <p:spPr bwMode="auto">
-          <a:xfrm>
-            <a:off x="2017487" y="2199191"/>
-            <a:ext cx="5641288" cy="369332"/>
-          </a:xfrm>
-          <a:prstGeom prst="rect">
-            <a:avLst/>
-          </a:prstGeom>
-          <a:solidFill>
-            <a:srgbClr val="FAFAFA"/>
-          </a:solidFill>
-          <a:ln>
-            <a:noFill/>
-          </a:ln>
-          <a:effectLst/>
-          <a:extLst>
-            <a:ext uri="{91240B29-F687-4F45-9708-019B960494DF}">
-              <a14:hiddenLine xmlns:a14="http://schemas.microsoft.com/office/drawing/2010/main" w="9525">
-                <a:solidFill>
-                  <a:schemeClr val="tx1"/>
-                </a:solidFill>
-                <a:miter lim="800000"/>
-                <a:headEnd/>
-                <a:tailEnd/>
-              </a14:hiddenLine>
-            </a:ext>
-            <a:ext uri="{AF507438-7753-43E0-B8FC-AC1667EBCBE1}">
-              <a14:hiddenEffects xmlns:a14="http://schemas.microsoft.com/office/drawing/2010/main">
-                <a:effectLst>
-                  <a:outerShdw dist="35921" dir="2700000" algn="ctr" rotWithShape="0">
-                    <a:schemeClr val="bg2"/>
-                  </a:outerShdw>
-                </a:effectLst>
-              </a14:hiddenEffects>
-            </a:ext>
-          </a:extLst>
-        </p:spPr>
-        <p:txBody>
-          <a:bodyPr vert="horz" wrap="none" lIns="91440" tIns="45720" rIns="91440" bIns="45720" numCol="1" anchor="ctr" anchorCtr="0" compatLnSpc="1">
-            <a:prstTxWarp prst="textNoShape">
-              <a:avLst/>
-            </a:prstTxWarp>
-            <a:spAutoFit/>
-          </a:bodyPr>
-          <a:lstStyle/>
-          <a:p>
-            <a:pPr algn="just" eaLnBrk="0" fontAlgn="base" hangingPunct="0">
-              <a:spcBef>
-                <a:spcPct val="0"/>
-              </a:spcBef>
-              <a:spcAft>
-                <a:spcPct val="0"/>
-              </a:spcAft>
-            </a:pPr>
-            <a:r>
-              <a:rPr lang="en-US" b="1" dirty="0">
-                <a:solidFill>
-                  <a:srgbClr val="0000FF"/>
-                </a:solidFill>
-                <a:latin typeface="Arial" panose="020B0604020202020204" pitchFamily="34" charset="0"/>
-                <a:cs typeface="Arial" panose="020B0604020202020204" pitchFamily="34" charset="0"/>
-              </a:rPr>
-              <a:t>&lt;form</a:t>
-            </a:r>
-            <a:r>
-              <a:rPr lang="en-US" dirty="0">
-                <a:solidFill>
-                  <a:srgbClr val="000000"/>
-                </a:solidFill>
-                <a:latin typeface="Arial" panose="020B0604020202020204" pitchFamily="34" charset="0"/>
-                <a:cs typeface="Arial" panose="020B0604020202020204" pitchFamily="34" charset="0"/>
-              </a:rPr>
-              <a:t> </a:t>
-            </a:r>
-            <a:r>
-              <a:rPr lang="en-US" dirty="0">
-                <a:solidFill>
-                  <a:srgbClr val="006400"/>
-                </a:solidFill>
-                <a:latin typeface="Arial" panose="020B0604020202020204" pitchFamily="34" charset="0"/>
-                <a:cs typeface="Arial" panose="020B0604020202020204" pitchFamily="34" charset="0"/>
-              </a:rPr>
-              <a:t>action</a:t>
-            </a:r>
-            <a:r>
-              <a:rPr lang="en-US" dirty="0">
-                <a:solidFill>
-                  <a:srgbClr val="8B0000"/>
-                </a:solidFill>
-                <a:latin typeface="Arial" panose="020B0604020202020204" pitchFamily="34" charset="0"/>
-                <a:cs typeface="Arial" panose="020B0604020202020204" pitchFamily="34" charset="0"/>
-              </a:rPr>
-              <a:t>=</a:t>
-            </a:r>
-            <a:r>
-              <a:rPr lang="en-US" dirty="0">
-                <a:solidFill>
-                  <a:srgbClr val="FF0000"/>
-                </a:solidFill>
-                <a:latin typeface="Arial" panose="020B0604020202020204" pitchFamily="34" charset="0"/>
-                <a:cs typeface="Arial" panose="020B0604020202020204" pitchFamily="34" charset="0"/>
-              </a:rPr>
-              <a:t>"</a:t>
-            </a:r>
-            <a:r>
-              <a:rPr lang="en-US" dirty="0">
-                <a:solidFill>
-                  <a:srgbClr val="FF0000"/>
-                </a:solidFill>
-                <a:latin typeface="Arial" panose="020B0604020202020204" pitchFamily="34" charset="0"/>
-                <a:cs typeface="Arial" panose="020B0604020202020204" pitchFamily="34" charset="0"/>
-                <a:hlinkClick r:id="rId4"/>
-              </a:rPr>
-              <a:t>/</a:t>
-            </a:r>
-            <a:r>
-              <a:rPr lang="en-US" dirty="0" err="1">
-                <a:solidFill>
-                  <a:srgbClr val="FF0000"/>
-                </a:solidFill>
-                <a:latin typeface="Arial" panose="020B0604020202020204" pitchFamily="34" charset="0"/>
-                <a:cs typeface="Arial" panose="020B0604020202020204" pitchFamily="34" charset="0"/>
-                <a:hlinkClick r:id="rId4"/>
-              </a:rPr>
-              <a:t>Libro</a:t>
-            </a:r>
-            <a:r>
-              <a:rPr lang="en-US" dirty="0">
-                <a:solidFill>
-                  <a:srgbClr val="FF0000"/>
-                </a:solidFill>
-                <a:latin typeface="Arial" panose="020B0604020202020204" pitchFamily="34" charset="0"/>
-                <a:cs typeface="Arial" panose="020B0604020202020204" pitchFamily="34" charset="0"/>
-                <a:hlinkClick r:id="rId4"/>
-              </a:rPr>
-              <a:t>/Create</a:t>
-            </a:r>
-            <a:r>
-              <a:rPr lang="en-US" dirty="0">
-                <a:solidFill>
-                  <a:srgbClr val="FF0000"/>
-                </a:solidFill>
-                <a:latin typeface="Arial" panose="020B0604020202020204" pitchFamily="34" charset="0"/>
-                <a:cs typeface="Arial" panose="020B0604020202020204" pitchFamily="34" charset="0"/>
-              </a:rPr>
-              <a:t>"</a:t>
-            </a:r>
-            <a:r>
-              <a:rPr lang="en-US" dirty="0">
-                <a:solidFill>
-                  <a:srgbClr val="000000"/>
-                </a:solidFill>
-                <a:latin typeface="Arial" panose="020B0604020202020204" pitchFamily="34" charset="0"/>
-                <a:cs typeface="Arial" panose="020B0604020202020204" pitchFamily="34" charset="0"/>
-              </a:rPr>
-              <a:t> </a:t>
-            </a:r>
-            <a:r>
-              <a:rPr lang="en-US" dirty="0">
-                <a:solidFill>
-                  <a:srgbClr val="006400"/>
-                </a:solidFill>
-                <a:latin typeface="Arial" panose="020B0604020202020204" pitchFamily="34" charset="0"/>
-                <a:cs typeface="Arial" panose="020B0604020202020204" pitchFamily="34" charset="0"/>
-              </a:rPr>
-              <a:t>method</a:t>
-            </a:r>
-            <a:r>
-              <a:rPr lang="en-US" dirty="0">
-                <a:solidFill>
-                  <a:srgbClr val="8B0000"/>
-                </a:solidFill>
-                <a:latin typeface="Arial" panose="020B0604020202020204" pitchFamily="34" charset="0"/>
-                <a:cs typeface="Arial" panose="020B0604020202020204" pitchFamily="34" charset="0"/>
-              </a:rPr>
-              <a:t>=</a:t>
-            </a:r>
-            <a:r>
-              <a:rPr lang="en-US" dirty="0">
-                <a:solidFill>
-                  <a:srgbClr val="FF0000"/>
-                </a:solidFill>
-                <a:latin typeface="Arial" panose="020B0604020202020204" pitchFamily="34" charset="0"/>
-                <a:cs typeface="Arial" panose="020B0604020202020204" pitchFamily="34" charset="0"/>
-              </a:rPr>
-              <a:t>"get"</a:t>
-            </a:r>
-            <a:r>
-              <a:rPr lang="en-US" b="1" dirty="0">
-                <a:solidFill>
-                  <a:srgbClr val="0000FF"/>
-                </a:solidFill>
-                <a:latin typeface="Arial" panose="020B0604020202020204" pitchFamily="34" charset="0"/>
-                <a:cs typeface="Arial" panose="020B0604020202020204" pitchFamily="34" charset="0"/>
-              </a:rPr>
-              <a:t>&gt;&lt;/form&gt;</a:t>
-            </a:r>
-            <a:r>
-              <a:rPr lang="en-US" dirty="0">
-                <a:latin typeface="Arial" panose="020B0604020202020204" pitchFamily="34" charset="0"/>
-                <a:cs typeface="Arial" panose="020B0604020202020204" pitchFamily="34" charset="0"/>
-              </a:rPr>
-              <a:t> </a:t>
-            </a:r>
-          </a:p>
-        </p:txBody>
-      </p:sp>
-      <p:sp>
-        <p:nvSpPr>
-          <p:cNvPr id="5" name="Rectangle 2"/>
-          <p:cNvSpPr>
-            <a:spLocks noChangeArrowheads="1"/>
-          </p:cNvSpPr>
-          <p:nvPr/>
-        </p:nvSpPr>
-        <p:spPr bwMode="auto">
-          <a:xfrm>
-            <a:off x="2017487" y="2876437"/>
-            <a:ext cx="5589992" cy="646331"/>
-          </a:xfrm>
-          <a:prstGeom prst="rect">
-            <a:avLst/>
-          </a:prstGeom>
-          <a:solidFill>
-            <a:srgbClr val="FAFAFA"/>
-          </a:solidFill>
-          <a:ln>
-            <a:noFill/>
-          </a:ln>
-          <a:effectLst/>
-          <a:extLst>
-            <a:ext uri="{91240B29-F687-4F45-9708-019B960494DF}">
-              <a14:hiddenLine xmlns:a14="http://schemas.microsoft.com/office/drawing/2010/main" w="9525">
-                <a:solidFill>
-                  <a:schemeClr val="tx1"/>
-                </a:solidFill>
-                <a:miter lim="800000"/>
-                <a:headEnd/>
-                <a:tailEnd/>
-              </a14:hiddenLine>
-            </a:ext>
-            <a:ext uri="{AF507438-7753-43E0-B8FC-AC1667EBCBE1}">
-              <a14:hiddenEffects xmlns:a14="http://schemas.microsoft.com/office/drawing/2010/main">
-                <a:effectLst>
-                  <a:outerShdw dist="35921" dir="2700000" algn="ctr" rotWithShape="0">
-                    <a:schemeClr val="bg2"/>
-                  </a:outerShdw>
-                </a:effectLst>
-              </a14:hiddenEffects>
-            </a:ext>
-          </a:extLst>
-        </p:spPr>
-        <p:txBody>
-          <a:bodyPr vert="horz" wrap="none" lIns="91440" tIns="45720" rIns="91440" bIns="45720" numCol="1" anchor="ctr" anchorCtr="0" compatLnSpc="1">
-            <a:prstTxWarp prst="textNoShape">
-              <a:avLst/>
-            </a:prstTxWarp>
-            <a:spAutoFit/>
-          </a:bodyPr>
-          <a:lstStyle/>
-          <a:p>
-            <a:pPr eaLnBrk="0" fontAlgn="base" hangingPunct="0">
-              <a:spcBef>
-                <a:spcPct val="0"/>
-              </a:spcBef>
-              <a:spcAft>
-                <a:spcPct val="0"/>
-              </a:spcAft>
-            </a:pPr>
-            <a:r>
-              <a:rPr lang="en-US" dirty="0" err="1">
-                <a:solidFill>
-                  <a:srgbClr val="005682"/>
-                </a:solidFill>
-                <a:latin typeface="Arial" panose="020B0604020202020204" pitchFamily="34" charset="0"/>
-              </a:rPr>
-              <a:t>Html.BeginForm</a:t>
-            </a:r>
-            <a:r>
-              <a:rPr lang="en-US" dirty="0">
-                <a:solidFill>
-                  <a:srgbClr val="005682"/>
-                </a:solidFill>
-                <a:latin typeface="Arial" panose="020B0604020202020204" pitchFamily="34" charset="0"/>
-              </a:rPr>
-              <a:t>("Create", "</a:t>
-            </a:r>
-            <a:r>
-              <a:rPr lang="en-US" dirty="0" err="1">
-                <a:solidFill>
-                  <a:srgbClr val="005682"/>
-                </a:solidFill>
-                <a:latin typeface="Arial" panose="020B0604020202020204" pitchFamily="34" charset="0"/>
-              </a:rPr>
-              <a:t>Libro</a:t>
-            </a:r>
-            <a:r>
-              <a:rPr lang="en-US" dirty="0">
-                <a:solidFill>
-                  <a:srgbClr val="005682"/>
-                </a:solidFill>
-                <a:latin typeface="Arial" panose="020B0604020202020204" pitchFamily="34" charset="0"/>
-              </a:rPr>
-              <a:t>", </a:t>
-            </a:r>
-            <a:r>
-              <a:rPr lang="en-US" dirty="0" err="1">
-                <a:solidFill>
-                  <a:srgbClr val="005682"/>
-                </a:solidFill>
-                <a:latin typeface="Arial" panose="020B0604020202020204" pitchFamily="34" charset="0"/>
-              </a:rPr>
-              <a:t>FormMethod.Get</a:t>
-            </a:r>
-            <a:r>
-              <a:rPr lang="en-US" dirty="0">
-                <a:solidFill>
-                  <a:srgbClr val="005682"/>
-                </a:solidFill>
-                <a:latin typeface="Arial" panose="020B0604020202020204" pitchFamily="34" charset="0"/>
-              </a:rPr>
-              <a:t>, </a:t>
-            </a:r>
-            <a:endParaRPr lang="en-US" dirty="0">
-              <a:solidFill>
-                <a:srgbClr val="005682"/>
-              </a:solidFill>
-              <a:latin typeface="Arial" panose="020B0604020202020204" pitchFamily="34" charset="0"/>
-            </a:endParaRPr>
-          </a:p>
-          <a:p>
-            <a:pPr eaLnBrk="0" fontAlgn="base" hangingPunct="0">
-              <a:spcBef>
-                <a:spcPct val="0"/>
-              </a:spcBef>
-              <a:spcAft>
-                <a:spcPct val="0"/>
-              </a:spcAft>
-            </a:pPr>
-            <a:r>
-              <a:rPr lang="en-US" dirty="0">
-                <a:solidFill>
-                  <a:srgbClr val="005682"/>
-                </a:solidFill>
-                <a:latin typeface="Arial" panose="020B0604020202020204" pitchFamily="34" charset="0"/>
-              </a:rPr>
-              <a:t>new </a:t>
-            </a:r>
-            <a:r>
-              <a:rPr lang="en-US" dirty="0">
-                <a:solidFill>
-                  <a:srgbClr val="005682"/>
-                </a:solidFill>
-                <a:latin typeface="Arial" panose="020B0604020202020204" pitchFamily="34" charset="0"/>
-              </a:rPr>
-              <a:t>{id="</a:t>
-            </a:r>
-            <a:r>
-              <a:rPr lang="en-US" dirty="0" err="1">
-                <a:solidFill>
-                  <a:srgbClr val="005682"/>
-                </a:solidFill>
-                <a:latin typeface="Arial" panose="020B0604020202020204" pitchFamily="34" charset="0"/>
-              </a:rPr>
-              <a:t>fTest</a:t>
-            </a:r>
-            <a:r>
-              <a:rPr lang="en-US" dirty="0">
-                <a:solidFill>
-                  <a:srgbClr val="005682"/>
-                </a:solidFill>
-                <a:latin typeface="Arial" panose="020B0604020202020204" pitchFamily="34" charset="0"/>
-              </a:rPr>
-              <a:t>", @class="</a:t>
-            </a:r>
-            <a:r>
-              <a:rPr lang="en-US" dirty="0" err="1">
-                <a:solidFill>
-                  <a:srgbClr val="005682"/>
-                </a:solidFill>
-                <a:latin typeface="Arial" panose="020B0604020202020204" pitchFamily="34" charset="0"/>
-              </a:rPr>
-              <a:t>formulario-ua</a:t>
-            </a:r>
-            <a:r>
-              <a:rPr lang="en-US" dirty="0">
-                <a:solidFill>
-                  <a:srgbClr val="005682"/>
-                </a:solidFill>
-                <a:latin typeface="Arial" panose="020B0604020202020204" pitchFamily="34" charset="0"/>
-              </a:rPr>
-              <a:t>"}) </a:t>
-            </a:r>
-            <a:endParaRPr lang="en-US" dirty="0">
-              <a:solidFill>
-                <a:srgbClr val="005682"/>
-              </a:solidFill>
-              <a:latin typeface="Arial" panose="020B0604020202020204" pitchFamily="34" charset="0"/>
-            </a:endParaRPr>
-          </a:p>
-        </p:txBody>
-      </p:sp>
-      <p:sp>
-        <p:nvSpPr>
-          <p:cNvPr id="7" name="Rectangle 3"/>
-          <p:cNvSpPr>
-            <a:spLocks noChangeArrowheads="1"/>
-          </p:cNvSpPr>
-          <p:nvPr/>
-        </p:nvSpPr>
-        <p:spPr bwMode="auto">
-          <a:xfrm>
-            <a:off x="2017488" y="3678276"/>
-            <a:ext cx="8917891" cy="369332"/>
-          </a:xfrm>
-          <a:prstGeom prst="rect">
-            <a:avLst/>
-          </a:prstGeom>
-          <a:solidFill>
-            <a:srgbClr val="FAFAFA"/>
-          </a:solidFill>
-          <a:ln>
-            <a:noFill/>
-          </a:ln>
-          <a:effectLst/>
-          <a:extLst>
-            <a:ext uri="{91240B29-F687-4F45-9708-019B960494DF}">
-              <a14:hiddenLine xmlns:a14="http://schemas.microsoft.com/office/drawing/2010/main" w="9525">
-                <a:solidFill>
-                  <a:schemeClr val="tx1"/>
-                </a:solidFill>
-                <a:miter lim="800000"/>
-                <a:headEnd/>
-                <a:tailEnd/>
-              </a14:hiddenLine>
-            </a:ext>
-            <a:ext uri="{AF507438-7753-43E0-B8FC-AC1667EBCBE1}">
-              <a14:hiddenEffects xmlns:a14="http://schemas.microsoft.com/office/drawing/2010/main">
-                <a:effectLst>
-                  <a:outerShdw dist="35921" dir="2700000" algn="ctr" rotWithShape="0">
-                    <a:schemeClr val="bg2"/>
-                  </a:outerShdw>
-                </a:effectLst>
-              </a14:hiddenEffects>
-            </a:ext>
-          </a:extLst>
-        </p:spPr>
-        <p:txBody>
-          <a:bodyPr vert="horz" wrap="none" lIns="91440" tIns="45720" rIns="91440" bIns="45720" numCol="1" anchor="ctr" anchorCtr="0" compatLnSpc="1">
-            <a:prstTxWarp prst="textNoShape">
-              <a:avLst/>
-            </a:prstTxWarp>
-            <a:spAutoFit/>
-          </a:bodyPr>
-          <a:lstStyle/>
-          <a:p>
-            <a:pPr algn="just" eaLnBrk="0" fontAlgn="base" hangingPunct="0">
-              <a:spcBef>
-                <a:spcPct val="0"/>
-              </a:spcBef>
-              <a:spcAft>
-                <a:spcPct val="0"/>
-              </a:spcAft>
-            </a:pPr>
-            <a:r>
-              <a:rPr lang="en-US" b="1" dirty="0">
-                <a:solidFill>
-                  <a:srgbClr val="0000FF"/>
-                </a:solidFill>
-                <a:latin typeface="Arial" panose="020B0604020202020204" pitchFamily="34" charset="0"/>
-                <a:cs typeface="Arial" panose="020B0604020202020204" pitchFamily="34" charset="0"/>
-              </a:rPr>
-              <a:t>&lt;form</a:t>
-            </a:r>
-            <a:r>
-              <a:rPr lang="en-US" dirty="0">
-                <a:solidFill>
-                  <a:srgbClr val="000000"/>
-                </a:solidFill>
-                <a:latin typeface="Arial" panose="020B0604020202020204" pitchFamily="34" charset="0"/>
-                <a:cs typeface="Arial" panose="020B0604020202020204" pitchFamily="34" charset="0"/>
-              </a:rPr>
-              <a:t> </a:t>
-            </a:r>
-            <a:r>
-              <a:rPr lang="en-US" dirty="0">
-                <a:solidFill>
-                  <a:srgbClr val="006400"/>
-                </a:solidFill>
-                <a:latin typeface="Arial" panose="020B0604020202020204" pitchFamily="34" charset="0"/>
-                <a:cs typeface="Arial" panose="020B0604020202020204" pitchFamily="34" charset="0"/>
-              </a:rPr>
-              <a:t>action</a:t>
-            </a:r>
-            <a:r>
-              <a:rPr lang="en-US" dirty="0">
-                <a:solidFill>
-                  <a:srgbClr val="8B0000"/>
-                </a:solidFill>
-                <a:latin typeface="Arial" panose="020B0604020202020204" pitchFamily="34" charset="0"/>
-                <a:cs typeface="Arial" panose="020B0604020202020204" pitchFamily="34" charset="0"/>
-              </a:rPr>
-              <a:t>=</a:t>
-            </a:r>
-            <a:r>
-              <a:rPr lang="en-US" dirty="0">
-                <a:solidFill>
-                  <a:srgbClr val="FF0000"/>
-                </a:solidFill>
-                <a:latin typeface="Arial" panose="020B0604020202020204" pitchFamily="34" charset="0"/>
-                <a:cs typeface="Arial" panose="020B0604020202020204" pitchFamily="34" charset="0"/>
-              </a:rPr>
-              <a:t>"</a:t>
-            </a:r>
-            <a:r>
-              <a:rPr lang="en-US" dirty="0">
-                <a:solidFill>
-                  <a:srgbClr val="FF0000"/>
-                </a:solidFill>
-                <a:latin typeface="Arial" panose="020B0604020202020204" pitchFamily="34" charset="0"/>
-                <a:cs typeface="Arial" panose="020B0604020202020204" pitchFamily="34" charset="0"/>
-                <a:hlinkClick r:id="rId4"/>
-              </a:rPr>
-              <a:t>/</a:t>
-            </a:r>
-            <a:r>
-              <a:rPr lang="en-US" dirty="0" err="1">
-                <a:solidFill>
-                  <a:srgbClr val="FF0000"/>
-                </a:solidFill>
-                <a:latin typeface="Arial" panose="020B0604020202020204" pitchFamily="34" charset="0"/>
-                <a:cs typeface="Arial" panose="020B0604020202020204" pitchFamily="34" charset="0"/>
-                <a:hlinkClick r:id="rId4"/>
-              </a:rPr>
-              <a:t>Libro</a:t>
-            </a:r>
-            <a:r>
-              <a:rPr lang="en-US" dirty="0">
-                <a:solidFill>
-                  <a:srgbClr val="FF0000"/>
-                </a:solidFill>
-                <a:latin typeface="Arial" panose="020B0604020202020204" pitchFamily="34" charset="0"/>
-                <a:cs typeface="Arial" panose="020B0604020202020204" pitchFamily="34" charset="0"/>
-                <a:hlinkClick r:id="rId4"/>
-              </a:rPr>
-              <a:t>/Create</a:t>
-            </a:r>
-            <a:r>
-              <a:rPr lang="en-US" dirty="0">
-                <a:solidFill>
-                  <a:srgbClr val="FF0000"/>
-                </a:solidFill>
-                <a:latin typeface="Arial" panose="020B0604020202020204" pitchFamily="34" charset="0"/>
-                <a:cs typeface="Arial" panose="020B0604020202020204" pitchFamily="34" charset="0"/>
-              </a:rPr>
-              <a:t>"</a:t>
-            </a:r>
-            <a:r>
-              <a:rPr lang="en-US" dirty="0">
-                <a:solidFill>
-                  <a:srgbClr val="000000"/>
-                </a:solidFill>
-                <a:latin typeface="Arial" panose="020B0604020202020204" pitchFamily="34" charset="0"/>
-                <a:cs typeface="Arial" panose="020B0604020202020204" pitchFamily="34" charset="0"/>
-              </a:rPr>
-              <a:t> </a:t>
-            </a:r>
-            <a:r>
-              <a:rPr lang="en-US" dirty="0">
-                <a:solidFill>
-                  <a:srgbClr val="006400"/>
-                </a:solidFill>
-                <a:latin typeface="Arial" panose="020B0604020202020204" pitchFamily="34" charset="0"/>
-                <a:cs typeface="Arial" panose="020B0604020202020204" pitchFamily="34" charset="0"/>
-              </a:rPr>
-              <a:t>class</a:t>
-            </a:r>
-            <a:r>
-              <a:rPr lang="en-US" dirty="0">
-                <a:solidFill>
-                  <a:srgbClr val="8B0000"/>
-                </a:solidFill>
-                <a:latin typeface="Arial" panose="020B0604020202020204" pitchFamily="34" charset="0"/>
-                <a:cs typeface="Arial" panose="020B0604020202020204" pitchFamily="34" charset="0"/>
-              </a:rPr>
-              <a:t>=</a:t>
-            </a:r>
-            <a:r>
-              <a:rPr lang="en-US" dirty="0">
-                <a:solidFill>
-                  <a:srgbClr val="FF0000"/>
-                </a:solidFill>
-                <a:latin typeface="Arial" panose="020B0604020202020204" pitchFamily="34" charset="0"/>
-                <a:cs typeface="Arial" panose="020B0604020202020204" pitchFamily="34" charset="0"/>
-              </a:rPr>
-              <a:t>"</a:t>
-            </a:r>
-            <a:r>
-              <a:rPr lang="en-US" dirty="0" err="1">
-                <a:solidFill>
-                  <a:srgbClr val="FF0000"/>
-                </a:solidFill>
-                <a:latin typeface="Arial" panose="020B0604020202020204" pitchFamily="34" charset="0"/>
-                <a:cs typeface="Arial" panose="020B0604020202020204" pitchFamily="34" charset="0"/>
-              </a:rPr>
-              <a:t>formulario-ua</a:t>
-            </a:r>
-            <a:r>
-              <a:rPr lang="en-US" dirty="0">
-                <a:solidFill>
-                  <a:srgbClr val="FF0000"/>
-                </a:solidFill>
-                <a:latin typeface="Arial" panose="020B0604020202020204" pitchFamily="34" charset="0"/>
-                <a:cs typeface="Arial" panose="020B0604020202020204" pitchFamily="34" charset="0"/>
-              </a:rPr>
-              <a:t>"</a:t>
-            </a:r>
-            <a:r>
-              <a:rPr lang="en-US" dirty="0">
-                <a:solidFill>
-                  <a:srgbClr val="000000"/>
-                </a:solidFill>
-                <a:latin typeface="Arial" panose="020B0604020202020204" pitchFamily="34" charset="0"/>
-                <a:cs typeface="Arial" panose="020B0604020202020204" pitchFamily="34" charset="0"/>
-              </a:rPr>
-              <a:t> </a:t>
-            </a:r>
-            <a:r>
-              <a:rPr lang="en-US" dirty="0">
-                <a:solidFill>
-                  <a:srgbClr val="006400"/>
-                </a:solidFill>
-                <a:latin typeface="Arial" panose="020B0604020202020204" pitchFamily="34" charset="0"/>
-                <a:cs typeface="Arial" panose="020B0604020202020204" pitchFamily="34" charset="0"/>
-              </a:rPr>
-              <a:t>id</a:t>
-            </a:r>
-            <a:r>
-              <a:rPr lang="en-US" dirty="0">
-                <a:solidFill>
-                  <a:srgbClr val="8B0000"/>
-                </a:solidFill>
-                <a:latin typeface="Arial" panose="020B0604020202020204" pitchFamily="34" charset="0"/>
-                <a:cs typeface="Arial" panose="020B0604020202020204" pitchFamily="34" charset="0"/>
-              </a:rPr>
-              <a:t>=</a:t>
-            </a:r>
-            <a:r>
-              <a:rPr lang="en-US" dirty="0">
-                <a:solidFill>
-                  <a:srgbClr val="FF0000"/>
-                </a:solidFill>
-                <a:latin typeface="Arial" panose="020B0604020202020204" pitchFamily="34" charset="0"/>
-                <a:cs typeface="Arial" panose="020B0604020202020204" pitchFamily="34" charset="0"/>
-              </a:rPr>
-              <a:t>"</a:t>
-            </a:r>
-            <a:r>
-              <a:rPr lang="en-US" dirty="0" err="1">
-                <a:solidFill>
-                  <a:srgbClr val="FF0000"/>
-                </a:solidFill>
-                <a:latin typeface="Arial" panose="020B0604020202020204" pitchFamily="34" charset="0"/>
-                <a:cs typeface="Arial" panose="020B0604020202020204" pitchFamily="34" charset="0"/>
-              </a:rPr>
-              <a:t>fTest</a:t>
-            </a:r>
-            <a:r>
-              <a:rPr lang="en-US" dirty="0">
-                <a:solidFill>
-                  <a:srgbClr val="FF0000"/>
-                </a:solidFill>
-                <a:latin typeface="Arial" panose="020B0604020202020204" pitchFamily="34" charset="0"/>
-                <a:cs typeface="Arial" panose="020B0604020202020204" pitchFamily="34" charset="0"/>
-              </a:rPr>
-              <a:t>"</a:t>
-            </a:r>
-            <a:r>
-              <a:rPr lang="en-US" dirty="0">
-                <a:solidFill>
-                  <a:srgbClr val="000000"/>
-                </a:solidFill>
-                <a:latin typeface="Arial" panose="020B0604020202020204" pitchFamily="34" charset="0"/>
-                <a:cs typeface="Arial" panose="020B0604020202020204" pitchFamily="34" charset="0"/>
-              </a:rPr>
-              <a:t> </a:t>
-            </a:r>
-            <a:r>
-              <a:rPr lang="en-US" dirty="0">
-                <a:solidFill>
-                  <a:srgbClr val="006400"/>
-                </a:solidFill>
-                <a:latin typeface="Arial" panose="020B0604020202020204" pitchFamily="34" charset="0"/>
-                <a:cs typeface="Arial" panose="020B0604020202020204" pitchFamily="34" charset="0"/>
-              </a:rPr>
-              <a:t>method</a:t>
-            </a:r>
-            <a:r>
-              <a:rPr lang="en-US" dirty="0">
-                <a:solidFill>
-                  <a:srgbClr val="8B0000"/>
-                </a:solidFill>
-                <a:latin typeface="Arial" panose="020B0604020202020204" pitchFamily="34" charset="0"/>
-                <a:cs typeface="Arial" panose="020B0604020202020204" pitchFamily="34" charset="0"/>
-              </a:rPr>
-              <a:t>=</a:t>
-            </a:r>
-            <a:r>
-              <a:rPr lang="en-US" dirty="0">
-                <a:solidFill>
-                  <a:srgbClr val="FF0000"/>
-                </a:solidFill>
-                <a:latin typeface="Arial" panose="020B0604020202020204" pitchFamily="34" charset="0"/>
-                <a:cs typeface="Arial" panose="020B0604020202020204" pitchFamily="34" charset="0"/>
-              </a:rPr>
-              <a:t>"get"</a:t>
-            </a:r>
-            <a:r>
-              <a:rPr lang="en-US" b="1" dirty="0">
-                <a:solidFill>
-                  <a:srgbClr val="0000FF"/>
-                </a:solidFill>
-                <a:latin typeface="Arial" panose="020B0604020202020204" pitchFamily="34" charset="0"/>
-                <a:cs typeface="Arial" panose="020B0604020202020204" pitchFamily="34" charset="0"/>
-              </a:rPr>
-              <a:t>&gt;&lt;/form&gt;</a:t>
-            </a:r>
-            <a:r>
-              <a:rPr lang="en-US" dirty="0">
-                <a:latin typeface="Arial" panose="020B0604020202020204" pitchFamily="34" charset="0"/>
-                <a:cs typeface="Arial" panose="020B0604020202020204" pitchFamily="34" charset="0"/>
-              </a:rPr>
-              <a:t> </a:t>
-            </a:r>
           </a:p>
         </p:txBody>
       </p:sp>
     </p:spTree>
     <p:extLst>
       <p:ext uri="{BB962C8B-B14F-4D97-AF65-F5344CB8AC3E}">
-        <p14:creationId xmlns:p14="http://schemas.microsoft.com/office/powerpoint/2010/main" val="2091252723"/>
+        <p14:creationId xmlns:p14="http://schemas.microsoft.com/office/powerpoint/2010/main" val="1885949895"/>
       </p:ext>
     </p:extLst>
   </p:cSld>
